--- a/Story Board.pptx
+++ b/Story Board.pptx
@@ -4,6 +4,9 @@
   <p:sldMasterIdLst>
     <p:sldMasterId id="2147483648" r:id="rId1"/>
   </p:sldMasterIdLst>
+  <p:notesMasterIdLst>
+    <p:notesMasterId r:id="rId9"/>
+  </p:notesMasterIdLst>
   <p:sldIdLst>
     <p:sldId id="256" r:id="rId2"/>
     <p:sldId id="257" r:id="rId3"/>
@@ -110,7 +113,446 @@
       </a:defRPr>
     </a:lvl9pPr>
   </p:defaultTextStyle>
+  <p:extLst>
+    <p:ext uri="{EFAFB233-063F-42B5-8137-9DF3F51BA10A}">
+      <p15:sldGuideLst xmlns:p15="http://schemas.microsoft.com/office/powerpoint/2012/main"/>
+    </p:ext>
+  </p:extLst>
 </p:presentation>
+</file>
+
+<file path=ppt/notesMasters/notesMaster1.xml><?xml version="1.0" encoding="utf-8"?>
+<p:notesMaster xmlns:a="http://schemas.openxmlformats.org/drawingml/2006/main" xmlns:r="http://schemas.openxmlformats.org/officeDocument/2006/relationships" xmlns:p="http://schemas.openxmlformats.org/presentationml/2006/main">
+  <p:cSld>
+    <p:bg>
+      <p:bgRef idx="1001">
+        <a:schemeClr val="bg1"/>
+      </p:bgRef>
+    </p:bg>
+    <p:spTree>
+      <p:nvGrpSpPr>
+        <p:cNvPr id="1" name=""/>
+        <p:cNvGrpSpPr/>
+        <p:nvPr/>
+      </p:nvGrpSpPr>
+      <p:grpSpPr>
+        <a:xfrm>
+          <a:off x="0" y="0"/>
+          <a:ext cx="0" cy="0"/>
+          <a:chOff x="0" y="0"/>
+          <a:chExt cx="0" cy="0"/>
+        </a:xfrm>
+      </p:grpSpPr>
+      <p:sp>
+        <p:nvSpPr>
+          <p:cNvPr id="2" name="Header Placeholder 1"/>
+          <p:cNvSpPr>
+            <a:spLocks noGrp="1"/>
+          </p:cNvSpPr>
+          <p:nvPr>
+            <p:ph type="hdr" sz="quarter"/>
+          </p:nvPr>
+        </p:nvSpPr>
+        <p:spPr>
+          <a:xfrm>
+            <a:off x="0" y="0"/>
+            <a:ext cx="2971800" cy="458788"/>
+          </a:xfrm>
+          <a:prstGeom prst="rect">
+            <a:avLst/>
+          </a:prstGeom>
+        </p:spPr>
+        <p:txBody>
+          <a:bodyPr vert="horz" lIns="91440" tIns="45720" rIns="91440" bIns="45720" rtlCol="0"/>
+          <a:lstStyle>
+            <a:lvl1pPr algn="l">
+              <a:defRPr sz="1200"/>
+            </a:lvl1pPr>
+          </a:lstStyle>
+          <a:p>
+            <a:endParaRPr lang="en-US"/>
+          </a:p>
+        </p:txBody>
+      </p:sp>
+      <p:sp>
+        <p:nvSpPr>
+          <p:cNvPr id="3" name="Date Placeholder 2"/>
+          <p:cNvSpPr>
+            <a:spLocks noGrp="1"/>
+          </p:cNvSpPr>
+          <p:nvPr>
+            <p:ph type="dt" idx="1"/>
+          </p:nvPr>
+        </p:nvSpPr>
+        <p:spPr>
+          <a:xfrm>
+            <a:off x="3884613" y="0"/>
+            <a:ext cx="2971800" cy="458788"/>
+          </a:xfrm>
+          <a:prstGeom prst="rect">
+            <a:avLst/>
+          </a:prstGeom>
+        </p:spPr>
+        <p:txBody>
+          <a:bodyPr vert="horz" lIns="91440" tIns="45720" rIns="91440" bIns="45720" rtlCol="0"/>
+          <a:lstStyle>
+            <a:lvl1pPr algn="r">
+              <a:defRPr sz="1200"/>
+            </a:lvl1pPr>
+          </a:lstStyle>
+          <a:p>
+            <a:fld id="{D4C132C4-24D4-4548-85AF-0E5ADDEE7148}" type="datetimeFigureOut">
+              <a:rPr lang="en-US" smtClean="0"/>
+              <a:t>3/26/2015</a:t>
+            </a:fld>
+            <a:endParaRPr lang="en-US"/>
+          </a:p>
+        </p:txBody>
+      </p:sp>
+      <p:sp>
+        <p:nvSpPr>
+          <p:cNvPr id="4" name="Slide Image Placeholder 3"/>
+          <p:cNvSpPr>
+            <a:spLocks noGrp="1" noRot="1" noChangeAspect="1"/>
+          </p:cNvSpPr>
+          <p:nvPr>
+            <p:ph type="sldImg" idx="2"/>
+          </p:nvPr>
+        </p:nvSpPr>
+        <p:spPr>
+          <a:xfrm>
+            <a:off x="685800" y="1143000"/>
+            <a:ext cx="5486400" cy="3086100"/>
+          </a:xfrm>
+          <a:prstGeom prst="rect">
+            <a:avLst/>
+          </a:prstGeom>
+          <a:noFill/>
+          <a:ln w="12700">
+            <a:solidFill>
+              <a:prstClr val="black"/>
+            </a:solidFill>
+          </a:ln>
+        </p:spPr>
+        <p:txBody>
+          <a:bodyPr vert="horz" lIns="91440" tIns="45720" rIns="91440" bIns="45720" rtlCol="0" anchor="ctr"/>
+          <a:lstStyle/>
+          <a:p>
+            <a:endParaRPr lang="en-US"/>
+          </a:p>
+        </p:txBody>
+      </p:sp>
+      <p:sp>
+        <p:nvSpPr>
+          <p:cNvPr id="5" name="Notes Placeholder 4"/>
+          <p:cNvSpPr>
+            <a:spLocks noGrp="1"/>
+          </p:cNvSpPr>
+          <p:nvPr>
+            <p:ph type="body" sz="quarter" idx="3"/>
+          </p:nvPr>
+        </p:nvSpPr>
+        <p:spPr>
+          <a:xfrm>
+            <a:off x="685800" y="4400550"/>
+            <a:ext cx="5486400" cy="3600450"/>
+          </a:xfrm>
+          <a:prstGeom prst="rect">
+            <a:avLst/>
+          </a:prstGeom>
+        </p:spPr>
+        <p:txBody>
+          <a:bodyPr vert="horz" lIns="91440" tIns="45720" rIns="91440" bIns="45720" rtlCol="0"/>
+          <a:lstStyle/>
+          <a:p>
+            <a:pPr lvl="0"/>
+            <a:r>
+              <a:rPr lang="en-US" smtClean="0"/>
+              <a:t>Click to edit Master text styles</a:t>
+            </a:r>
+          </a:p>
+          <a:p>
+            <a:pPr lvl="1"/>
+            <a:r>
+              <a:rPr lang="en-US" smtClean="0"/>
+              <a:t>Second level</a:t>
+            </a:r>
+          </a:p>
+          <a:p>
+            <a:pPr lvl="2"/>
+            <a:r>
+              <a:rPr lang="en-US" smtClean="0"/>
+              <a:t>Third level</a:t>
+            </a:r>
+          </a:p>
+          <a:p>
+            <a:pPr lvl="3"/>
+            <a:r>
+              <a:rPr lang="en-US" smtClean="0"/>
+              <a:t>Fourth level</a:t>
+            </a:r>
+          </a:p>
+          <a:p>
+            <a:pPr lvl="4"/>
+            <a:r>
+              <a:rPr lang="en-US" smtClean="0"/>
+              <a:t>Fifth level</a:t>
+            </a:r>
+            <a:endParaRPr lang="en-US"/>
+          </a:p>
+        </p:txBody>
+      </p:sp>
+      <p:sp>
+        <p:nvSpPr>
+          <p:cNvPr id="6" name="Footer Placeholder 5"/>
+          <p:cNvSpPr>
+            <a:spLocks noGrp="1"/>
+          </p:cNvSpPr>
+          <p:nvPr>
+            <p:ph type="ftr" sz="quarter" idx="4"/>
+          </p:nvPr>
+        </p:nvSpPr>
+        <p:spPr>
+          <a:xfrm>
+            <a:off x="0" y="8685213"/>
+            <a:ext cx="2971800" cy="458787"/>
+          </a:xfrm>
+          <a:prstGeom prst="rect">
+            <a:avLst/>
+          </a:prstGeom>
+        </p:spPr>
+        <p:txBody>
+          <a:bodyPr vert="horz" lIns="91440" tIns="45720" rIns="91440" bIns="45720" rtlCol="0" anchor="b"/>
+          <a:lstStyle>
+            <a:lvl1pPr algn="l">
+              <a:defRPr sz="1200"/>
+            </a:lvl1pPr>
+          </a:lstStyle>
+          <a:p>
+            <a:endParaRPr lang="en-US"/>
+          </a:p>
+        </p:txBody>
+      </p:sp>
+      <p:sp>
+        <p:nvSpPr>
+          <p:cNvPr id="7" name="Slide Number Placeholder 6"/>
+          <p:cNvSpPr>
+            <a:spLocks noGrp="1"/>
+          </p:cNvSpPr>
+          <p:nvPr>
+            <p:ph type="sldNum" sz="quarter" idx="5"/>
+          </p:nvPr>
+        </p:nvSpPr>
+        <p:spPr>
+          <a:xfrm>
+            <a:off x="3884613" y="8685213"/>
+            <a:ext cx="2971800" cy="458787"/>
+          </a:xfrm>
+          <a:prstGeom prst="rect">
+            <a:avLst/>
+          </a:prstGeom>
+        </p:spPr>
+        <p:txBody>
+          <a:bodyPr vert="horz" lIns="91440" tIns="45720" rIns="91440" bIns="45720" rtlCol="0" anchor="b"/>
+          <a:lstStyle>
+            <a:lvl1pPr algn="r">
+              <a:defRPr sz="1200"/>
+            </a:lvl1pPr>
+          </a:lstStyle>
+          <a:p>
+            <a:fld id="{7E76668A-08A3-427F-9FDF-53157094032F}" type="slidenum">
+              <a:rPr lang="en-US" smtClean="0"/>
+              <a:t>‹#›</a:t>
+            </a:fld>
+            <a:endParaRPr lang="en-US"/>
+          </a:p>
+        </p:txBody>
+      </p:sp>
+    </p:spTree>
+    <p:extLst>
+      <p:ext uri="{BB962C8B-B14F-4D97-AF65-F5344CB8AC3E}">
+        <p14:creationId xmlns:p14="http://schemas.microsoft.com/office/powerpoint/2010/main" val="3878156018"/>
+      </p:ext>
+    </p:extLst>
+  </p:cSld>
+  <p:clrMap bg1="lt1" tx1="dk1" bg2="lt2" tx2="dk2" accent1="accent1" accent2="accent2" accent3="accent3" accent4="accent4" accent5="accent5" accent6="accent6" hlink="hlink" folHlink="folHlink"/>
+  <p:notesStyle>
+    <a:lvl1pPr marL="0" algn="l" defTabSz="914400" rtl="0" eaLnBrk="1" latinLnBrk="0" hangingPunct="1">
+      <a:defRPr sz="1200" kern="1200">
+        <a:solidFill>
+          <a:schemeClr val="tx1"/>
+        </a:solidFill>
+        <a:latin typeface="+mn-lt"/>
+        <a:ea typeface="+mn-ea"/>
+        <a:cs typeface="+mn-cs"/>
+      </a:defRPr>
+    </a:lvl1pPr>
+    <a:lvl2pPr marL="457200" algn="l" defTabSz="914400" rtl="0" eaLnBrk="1" latinLnBrk="0" hangingPunct="1">
+      <a:defRPr sz="1200" kern="1200">
+        <a:solidFill>
+          <a:schemeClr val="tx1"/>
+        </a:solidFill>
+        <a:latin typeface="+mn-lt"/>
+        <a:ea typeface="+mn-ea"/>
+        <a:cs typeface="+mn-cs"/>
+      </a:defRPr>
+    </a:lvl2pPr>
+    <a:lvl3pPr marL="914400" algn="l" defTabSz="914400" rtl="0" eaLnBrk="1" latinLnBrk="0" hangingPunct="1">
+      <a:defRPr sz="1200" kern="1200">
+        <a:solidFill>
+          <a:schemeClr val="tx1"/>
+        </a:solidFill>
+        <a:latin typeface="+mn-lt"/>
+        <a:ea typeface="+mn-ea"/>
+        <a:cs typeface="+mn-cs"/>
+      </a:defRPr>
+    </a:lvl3pPr>
+    <a:lvl4pPr marL="1371600" algn="l" defTabSz="914400" rtl="0" eaLnBrk="1" latinLnBrk="0" hangingPunct="1">
+      <a:defRPr sz="1200" kern="1200">
+        <a:solidFill>
+          <a:schemeClr val="tx1"/>
+        </a:solidFill>
+        <a:latin typeface="+mn-lt"/>
+        <a:ea typeface="+mn-ea"/>
+        <a:cs typeface="+mn-cs"/>
+      </a:defRPr>
+    </a:lvl4pPr>
+    <a:lvl5pPr marL="1828800" algn="l" defTabSz="914400" rtl="0" eaLnBrk="1" latinLnBrk="0" hangingPunct="1">
+      <a:defRPr sz="1200" kern="1200">
+        <a:solidFill>
+          <a:schemeClr val="tx1"/>
+        </a:solidFill>
+        <a:latin typeface="+mn-lt"/>
+        <a:ea typeface="+mn-ea"/>
+        <a:cs typeface="+mn-cs"/>
+      </a:defRPr>
+    </a:lvl5pPr>
+    <a:lvl6pPr marL="2286000" algn="l" defTabSz="914400" rtl="0" eaLnBrk="1" latinLnBrk="0" hangingPunct="1">
+      <a:defRPr sz="1200" kern="1200">
+        <a:solidFill>
+          <a:schemeClr val="tx1"/>
+        </a:solidFill>
+        <a:latin typeface="+mn-lt"/>
+        <a:ea typeface="+mn-ea"/>
+        <a:cs typeface="+mn-cs"/>
+      </a:defRPr>
+    </a:lvl6pPr>
+    <a:lvl7pPr marL="2743200" algn="l" defTabSz="914400" rtl="0" eaLnBrk="1" latinLnBrk="0" hangingPunct="1">
+      <a:defRPr sz="1200" kern="1200">
+        <a:solidFill>
+          <a:schemeClr val="tx1"/>
+        </a:solidFill>
+        <a:latin typeface="+mn-lt"/>
+        <a:ea typeface="+mn-ea"/>
+        <a:cs typeface="+mn-cs"/>
+      </a:defRPr>
+    </a:lvl7pPr>
+    <a:lvl8pPr marL="3200400" algn="l" defTabSz="914400" rtl="0" eaLnBrk="1" latinLnBrk="0" hangingPunct="1">
+      <a:defRPr sz="1200" kern="1200">
+        <a:solidFill>
+          <a:schemeClr val="tx1"/>
+        </a:solidFill>
+        <a:latin typeface="+mn-lt"/>
+        <a:ea typeface="+mn-ea"/>
+        <a:cs typeface="+mn-cs"/>
+      </a:defRPr>
+    </a:lvl8pPr>
+    <a:lvl9pPr marL="3657600" algn="l" defTabSz="914400" rtl="0" eaLnBrk="1" latinLnBrk="0" hangingPunct="1">
+      <a:defRPr sz="1200" kern="1200">
+        <a:solidFill>
+          <a:schemeClr val="tx1"/>
+        </a:solidFill>
+        <a:latin typeface="+mn-lt"/>
+        <a:ea typeface="+mn-ea"/>
+        <a:cs typeface="+mn-cs"/>
+      </a:defRPr>
+    </a:lvl9pPr>
+  </p:notesStyle>
+</p:notesMaster>
+</file>
+
+<file path=ppt/notesSlides/notesSlide1.xml><?xml version="1.0" encoding="utf-8"?>
+<p:notes xmlns:a="http://schemas.openxmlformats.org/drawingml/2006/main" xmlns:r="http://schemas.openxmlformats.org/officeDocument/2006/relationships" xmlns:p="http://schemas.openxmlformats.org/presentationml/2006/main">
+  <p:cSld>
+    <p:spTree>
+      <p:nvGrpSpPr>
+        <p:cNvPr id="1" name=""/>
+        <p:cNvGrpSpPr/>
+        <p:nvPr/>
+      </p:nvGrpSpPr>
+      <p:grpSpPr>
+        <a:xfrm>
+          <a:off x="0" y="0"/>
+          <a:ext cx="0" cy="0"/>
+          <a:chOff x="0" y="0"/>
+          <a:chExt cx="0" cy="0"/>
+        </a:xfrm>
+      </p:grpSpPr>
+      <p:sp>
+        <p:nvSpPr>
+          <p:cNvPr id="2" name="Slide Image Placeholder 1"/>
+          <p:cNvSpPr>
+            <a:spLocks noGrp="1" noRot="1" noChangeAspect="1"/>
+          </p:cNvSpPr>
+          <p:nvPr>
+            <p:ph type="sldImg"/>
+          </p:nvPr>
+        </p:nvSpPr>
+        <p:spPr/>
+      </p:sp>
+      <p:sp>
+        <p:nvSpPr>
+          <p:cNvPr id="3" name="Notes Placeholder 2"/>
+          <p:cNvSpPr>
+            <a:spLocks noGrp="1"/>
+          </p:cNvSpPr>
+          <p:nvPr>
+            <p:ph type="body" idx="1"/>
+          </p:nvPr>
+        </p:nvSpPr>
+        <p:spPr/>
+        <p:txBody>
+          <a:bodyPr/>
+          <a:lstStyle/>
+          <a:p>
+            <a:endParaRPr lang="en-US" dirty="0"/>
+          </a:p>
+        </p:txBody>
+      </p:sp>
+      <p:sp>
+        <p:nvSpPr>
+          <p:cNvPr id="4" name="Slide Number Placeholder 3"/>
+          <p:cNvSpPr>
+            <a:spLocks noGrp="1"/>
+          </p:cNvSpPr>
+          <p:nvPr>
+            <p:ph type="sldNum" sz="quarter" idx="10"/>
+          </p:nvPr>
+        </p:nvSpPr>
+        <p:spPr/>
+        <p:txBody>
+          <a:bodyPr/>
+          <a:lstStyle/>
+          <a:p>
+            <a:fld id="{7E76668A-08A3-427F-9FDF-53157094032F}" type="slidenum">
+              <a:rPr lang="en-US" smtClean="0"/>
+              <a:t>7</a:t>
+            </a:fld>
+            <a:endParaRPr lang="en-US"/>
+          </a:p>
+        </p:txBody>
+      </p:sp>
+    </p:spTree>
+    <p:extLst>
+      <p:ext uri="{BB962C8B-B14F-4D97-AF65-F5344CB8AC3E}">
+        <p14:creationId xmlns:p14="http://schemas.microsoft.com/office/powerpoint/2010/main" val="709036567"/>
+      </p:ext>
+    </p:extLst>
+  </p:cSld>
+  <p:clrMapOvr>
+    <a:masterClrMapping/>
+  </p:clrMapOvr>
+</p:notes>
 </file>
 
 <file path=ppt/slideLayouts/slideLayout1.xml><?xml version="1.0" encoding="utf-8"?>
@@ -3303,10 +3745,10 @@
           <a:p>
             <a:pPr algn="ctr"/>
             <a:r>
-              <a:rPr lang="en-US" sz="1400" dirty="0" smtClean="0"/>
+              <a:rPr lang="en-US" sz="1200" dirty="0" smtClean="0"/>
               <a:t>Last card discarded</a:t>
             </a:r>
-            <a:endParaRPr lang="en-US" sz="1400" dirty="0"/>
+            <a:endParaRPr lang="en-US" sz="1200" dirty="0"/>
           </a:p>
         </p:txBody>
       </p:sp>
@@ -3562,10 +4004,10 @@
             <a:p>
               <a:pPr algn="ctr"/>
               <a:r>
-                <a:rPr lang="en-US" sz="1400" dirty="0" smtClean="0"/>
+                <a:rPr lang="en-US" sz="1200" dirty="0" smtClean="0"/>
                 <a:t>Province</a:t>
               </a:r>
-              <a:endParaRPr lang="en-US" sz="1400" dirty="0"/>
+              <a:endParaRPr lang="en-US" sz="1200" dirty="0"/>
             </a:p>
           </p:txBody>
         </p:sp>
@@ -3927,10 +4369,10 @@
         </p:nvGrpSpPr>
         <p:grpSpPr>
           <a:xfrm>
-            <a:off x="3449156" y="3182408"/>
-            <a:ext cx="4994592" cy="1330610"/>
-            <a:chOff x="1726689" y="163495"/>
-            <a:chExt cx="5730552" cy="1526678"/>
+            <a:off x="3397773" y="3182408"/>
+            <a:ext cx="5097358" cy="1356514"/>
+            <a:chOff x="1667735" y="163495"/>
+            <a:chExt cx="5848460" cy="1556399"/>
           </a:xfrm>
         </p:grpSpPr>
         <p:sp>
@@ -3970,10 +4412,10 @@
             <a:p>
               <a:pPr algn="ctr"/>
               <a:r>
-                <a:rPr lang="en-US" sz="1400" dirty="0" smtClean="0"/>
+                <a:rPr lang="en-US" sz="1200" dirty="0" smtClean="0"/>
                 <a:t>Random Card</a:t>
               </a:r>
-              <a:endParaRPr lang="en-US" sz="1400" dirty="0"/>
+              <a:endParaRPr lang="en-US" sz="1200" dirty="0"/>
             </a:p>
           </p:txBody>
         </p:sp>
@@ -4014,7 +4456,7 @@
             <a:p>
               <a:pPr algn="ctr"/>
               <a:r>
-                <a:rPr lang="en-US" sz="1400" dirty="0" smtClean="0"/>
+                <a:rPr lang="en-US" sz="1200" dirty="0" smtClean="0"/>
                 <a:t>Random Card</a:t>
               </a:r>
             </a:p>
@@ -4057,7 +4499,7 @@
             <a:p>
               <a:pPr algn="ctr"/>
               <a:r>
-                <a:rPr lang="en-US" sz="1400" dirty="0" smtClean="0"/>
+                <a:rPr lang="en-US" sz="1200" dirty="0" smtClean="0"/>
                 <a:t>Random Card</a:t>
               </a:r>
             </a:p>
@@ -4100,7 +4542,7 @@
             <a:p>
               <a:pPr algn="ctr"/>
               <a:r>
-                <a:rPr lang="en-US" sz="1400" dirty="0" smtClean="0"/>
+                <a:rPr lang="en-US" sz="1200" dirty="0" smtClean="0"/>
                 <a:t>Random Card</a:t>
               </a:r>
             </a:p>
@@ -4143,7 +4585,7 @@
             <a:p>
               <a:pPr algn="ctr"/>
               <a:r>
-                <a:rPr lang="en-US" sz="1400" dirty="0" smtClean="0"/>
+                <a:rPr lang="en-US" sz="1200" dirty="0" smtClean="0"/>
                 <a:t>Random Card</a:t>
               </a:r>
             </a:p>
@@ -4157,8 +4599,8 @@
           </p:nvSpPr>
           <p:spPr>
             <a:xfrm>
-              <a:off x="1726689" y="1428563"/>
-              <a:ext cx="1149675" cy="261610"/>
+              <a:off x="1667735" y="1428563"/>
+              <a:ext cx="1267583" cy="291331"/>
             </a:xfrm>
             <a:prstGeom prst="rect">
               <a:avLst/>
@@ -4173,10 +4615,10 @@
             <a:p>
               <a:pPr algn="ctr"/>
               <a:r>
-                <a:rPr lang="en-US" sz="1100" dirty="0" smtClean="0"/>
+                <a:rPr lang="en-US" sz="1050" dirty="0" smtClean="0"/>
                 <a:t>Cost: 6, #Left: 10</a:t>
               </a:r>
-              <a:endParaRPr lang="en-US" sz="1100" dirty="0"/>
+              <a:endParaRPr lang="en-US" sz="1050" dirty="0"/>
             </a:p>
           </p:txBody>
         </p:sp>
@@ -4188,8 +4630,8 @@
           </p:nvSpPr>
           <p:spPr>
             <a:xfrm>
-              <a:off x="2871908" y="1428563"/>
-              <a:ext cx="1149675" cy="261610"/>
+              <a:off x="2812953" y="1428563"/>
+              <a:ext cx="1267583" cy="291331"/>
             </a:xfrm>
             <a:prstGeom prst="rect">
               <a:avLst/>
@@ -4204,10 +4646,10 @@
             <a:p>
               <a:pPr algn="ctr"/>
               <a:r>
-                <a:rPr lang="en-US" sz="1100" dirty="0" smtClean="0"/>
+                <a:rPr lang="en-US" sz="1050" dirty="0" smtClean="0"/>
                 <a:t>Cost: 5, #Left: 10</a:t>
               </a:r>
-              <a:endParaRPr lang="en-US" sz="1100" dirty="0"/>
+              <a:endParaRPr lang="en-US" sz="1050" dirty="0"/>
             </a:p>
           </p:txBody>
         </p:sp>
@@ -4219,8 +4661,8 @@
           </p:nvSpPr>
           <p:spPr>
             <a:xfrm>
-              <a:off x="4017127" y="1428563"/>
-              <a:ext cx="1149675" cy="261610"/>
+              <a:off x="3958173" y="1428563"/>
+              <a:ext cx="1267583" cy="291331"/>
             </a:xfrm>
             <a:prstGeom prst="rect">
               <a:avLst/>
@@ -4235,10 +4677,10 @@
             <a:p>
               <a:pPr algn="ctr"/>
               <a:r>
-                <a:rPr lang="en-US" sz="1100" dirty="0" smtClean="0"/>
+                <a:rPr lang="en-US" sz="1050" dirty="0" smtClean="0"/>
                 <a:t>Cost: 5, #Left: 10</a:t>
               </a:r>
-              <a:endParaRPr lang="en-US" sz="1100" dirty="0"/>
+              <a:endParaRPr lang="en-US" sz="1050" dirty="0"/>
             </a:p>
           </p:txBody>
         </p:sp>
@@ -4250,8 +4692,8 @@
           </p:nvSpPr>
           <p:spPr>
             <a:xfrm>
-              <a:off x="5162347" y="1428563"/>
-              <a:ext cx="1149675" cy="261610"/>
+              <a:off x="5103392" y="1428563"/>
+              <a:ext cx="1267583" cy="291331"/>
             </a:xfrm>
             <a:prstGeom prst="rect">
               <a:avLst/>
@@ -4266,10 +4708,10 @@
             <a:p>
               <a:pPr algn="ctr"/>
               <a:r>
-                <a:rPr lang="en-US" sz="1100" dirty="0" smtClean="0"/>
+                <a:rPr lang="en-US" sz="1050" dirty="0" smtClean="0"/>
                 <a:t>Cost: 4, #Left: 10</a:t>
               </a:r>
-              <a:endParaRPr lang="en-US" sz="1100" dirty="0"/>
+              <a:endParaRPr lang="en-US" sz="1050" dirty="0"/>
             </a:p>
           </p:txBody>
         </p:sp>
@@ -4281,8 +4723,8 @@
           </p:nvSpPr>
           <p:spPr>
             <a:xfrm>
-              <a:off x="6307566" y="1428563"/>
-              <a:ext cx="1149675" cy="261610"/>
+              <a:off x="6248612" y="1428563"/>
+              <a:ext cx="1267583" cy="291331"/>
             </a:xfrm>
             <a:prstGeom prst="rect">
               <a:avLst/>
@@ -4297,10 +4739,10 @@
             <a:p>
               <a:pPr algn="ctr"/>
               <a:r>
-                <a:rPr lang="en-US" sz="1100" dirty="0" smtClean="0"/>
+                <a:rPr lang="en-US" sz="1050" dirty="0" smtClean="0"/>
                 <a:t>Cost: 4, #Left: 20</a:t>
               </a:r>
-              <a:endParaRPr lang="en-US" sz="1100" dirty="0"/>
+              <a:endParaRPr lang="en-US" sz="1050" dirty="0"/>
             </a:p>
           </p:txBody>
         </p:sp>
@@ -4313,10 +4755,10 @@
         </p:nvGrpSpPr>
         <p:grpSpPr>
           <a:xfrm>
-            <a:off x="3455883" y="1834162"/>
-            <a:ext cx="4994592" cy="1330610"/>
-            <a:chOff x="1726689" y="163495"/>
-            <a:chExt cx="5730552" cy="1526678"/>
+            <a:off x="3404500" y="1834162"/>
+            <a:ext cx="5097358" cy="1356514"/>
+            <a:chOff x="1667735" y="163495"/>
+            <a:chExt cx="5848460" cy="1556399"/>
           </a:xfrm>
         </p:grpSpPr>
         <p:sp>
@@ -4356,10 +4798,10 @@
             <a:p>
               <a:pPr algn="ctr"/>
               <a:r>
-                <a:rPr lang="en-US" sz="1400" dirty="0" smtClean="0"/>
+                <a:rPr lang="en-US" sz="1200" dirty="0" smtClean="0"/>
                 <a:t>Random Card</a:t>
               </a:r>
-              <a:endParaRPr lang="en-US" sz="1400" dirty="0"/>
+              <a:endParaRPr lang="en-US" sz="1200" dirty="0"/>
             </a:p>
           </p:txBody>
         </p:sp>
@@ -4400,7 +4842,7 @@
             <a:p>
               <a:pPr algn="ctr"/>
               <a:r>
-                <a:rPr lang="en-US" sz="1400" dirty="0" smtClean="0"/>
+                <a:rPr lang="en-US" sz="1200" dirty="0" smtClean="0"/>
                 <a:t>Random Card</a:t>
               </a:r>
             </a:p>
@@ -4443,7 +4885,7 @@
             <a:p>
               <a:pPr algn="ctr"/>
               <a:r>
-                <a:rPr lang="en-US" sz="1400" dirty="0" smtClean="0"/>
+                <a:rPr lang="en-US" sz="1200" dirty="0" smtClean="0"/>
                 <a:t>Random Card</a:t>
               </a:r>
             </a:p>
@@ -4486,7 +4928,7 @@
             <a:p>
               <a:pPr algn="ctr"/>
               <a:r>
-                <a:rPr lang="en-US" sz="1400" dirty="0" smtClean="0"/>
+                <a:rPr lang="en-US" sz="1200" dirty="0" smtClean="0"/>
                 <a:t>Random Card</a:t>
               </a:r>
             </a:p>
@@ -4529,7 +4971,7 @@
             <a:p>
               <a:pPr algn="ctr"/>
               <a:r>
-                <a:rPr lang="en-US" sz="1400" dirty="0" smtClean="0"/>
+                <a:rPr lang="en-US" sz="1200" dirty="0" smtClean="0"/>
                 <a:t>Random Card</a:t>
               </a:r>
             </a:p>
@@ -4543,8 +4985,8 @@
           </p:nvSpPr>
           <p:spPr>
             <a:xfrm>
-              <a:off x="1726689" y="1428563"/>
-              <a:ext cx="1149675" cy="261610"/>
+              <a:off x="1667735" y="1428563"/>
+              <a:ext cx="1267583" cy="291331"/>
             </a:xfrm>
             <a:prstGeom prst="rect">
               <a:avLst/>
@@ -4559,10 +5001,10 @@
             <a:p>
               <a:pPr algn="ctr"/>
               <a:r>
-                <a:rPr lang="en-US" sz="1100" dirty="0" smtClean="0"/>
+                <a:rPr lang="en-US" sz="1050" dirty="0" smtClean="0"/>
                 <a:t>Cost: 6, #Left: 10</a:t>
               </a:r>
-              <a:endParaRPr lang="en-US" sz="1100" dirty="0"/>
+              <a:endParaRPr lang="en-US" sz="1050" dirty="0"/>
             </a:p>
           </p:txBody>
         </p:sp>
@@ -4574,8 +5016,8 @@
           </p:nvSpPr>
           <p:spPr>
             <a:xfrm>
-              <a:off x="2871908" y="1428563"/>
-              <a:ext cx="1149675" cy="261610"/>
+              <a:off x="2812953" y="1428563"/>
+              <a:ext cx="1267583" cy="291331"/>
             </a:xfrm>
             <a:prstGeom prst="rect">
               <a:avLst/>
@@ -4590,10 +5032,10 @@
             <a:p>
               <a:pPr algn="ctr"/>
               <a:r>
-                <a:rPr lang="en-US" sz="1100" dirty="0" smtClean="0"/>
+                <a:rPr lang="en-US" sz="1050" dirty="0" smtClean="0"/>
                 <a:t>Cost: 5, #Left: 10</a:t>
               </a:r>
-              <a:endParaRPr lang="en-US" sz="1100" dirty="0"/>
+              <a:endParaRPr lang="en-US" sz="1050" dirty="0"/>
             </a:p>
           </p:txBody>
         </p:sp>
@@ -4605,8 +5047,8 @@
           </p:nvSpPr>
           <p:spPr>
             <a:xfrm>
-              <a:off x="4017127" y="1428563"/>
-              <a:ext cx="1149675" cy="261610"/>
+              <a:off x="3958173" y="1428563"/>
+              <a:ext cx="1267583" cy="291331"/>
             </a:xfrm>
             <a:prstGeom prst="rect">
               <a:avLst/>
@@ -4621,10 +5063,10 @@
             <a:p>
               <a:pPr algn="ctr"/>
               <a:r>
-                <a:rPr lang="en-US" sz="1100" dirty="0" smtClean="0"/>
+                <a:rPr lang="en-US" sz="1050" dirty="0" smtClean="0"/>
                 <a:t>Cost: 5, #Left: 10</a:t>
               </a:r>
-              <a:endParaRPr lang="en-US" sz="1100" dirty="0"/>
+              <a:endParaRPr lang="en-US" sz="1050" dirty="0"/>
             </a:p>
           </p:txBody>
         </p:sp>
@@ -4636,8 +5078,8 @@
           </p:nvSpPr>
           <p:spPr>
             <a:xfrm>
-              <a:off x="5162347" y="1428563"/>
-              <a:ext cx="1149675" cy="261610"/>
+              <a:off x="5103392" y="1428563"/>
+              <a:ext cx="1267583" cy="291331"/>
             </a:xfrm>
             <a:prstGeom prst="rect">
               <a:avLst/>
@@ -4652,10 +5094,10 @@
             <a:p>
               <a:pPr algn="ctr"/>
               <a:r>
-                <a:rPr lang="en-US" sz="1100" dirty="0" smtClean="0"/>
+                <a:rPr lang="en-US" sz="1050" dirty="0" smtClean="0"/>
                 <a:t>Cost: 4, #Left: 10</a:t>
               </a:r>
-              <a:endParaRPr lang="en-US" sz="1100" dirty="0"/>
+              <a:endParaRPr lang="en-US" sz="1050" dirty="0"/>
             </a:p>
           </p:txBody>
         </p:sp>
@@ -4667,8 +5109,8 @@
           </p:nvSpPr>
           <p:spPr>
             <a:xfrm>
-              <a:off x="6307566" y="1428563"/>
-              <a:ext cx="1149675" cy="261610"/>
+              <a:off x="6248612" y="1428563"/>
+              <a:ext cx="1267583" cy="291331"/>
             </a:xfrm>
             <a:prstGeom prst="rect">
               <a:avLst/>
@@ -4683,10 +5125,10 @@
             <a:p>
               <a:pPr algn="ctr"/>
               <a:r>
-                <a:rPr lang="en-US" sz="1100" dirty="0" smtClean="0"/>
+                <a:rPr lang="en-US" sz="1050" dirty="0" smtClean="0"/>
                 <a:t>Cost: 4, #Left: 20</a:t>
               </a:r>
-              <a:endParaRPr lang="en-US" sz="1100" dirty="0"/>
+              <a:endParaRPr lang="en-US" sz="1050" dirty="0"/>
             </a:p>
           </p:txBody>
         </p:sp>
@@ -7385,7 +7827,6 @@
               <a:rPr lang="en-US" sz="3200" dirty="0" smtClean="0"/>
               <a:t>Bonus buys</a:t>
             </a:r>
-            <a:endParaRPr lang="en-US" sz="3200" dirty="0" smtClean="0"/>
           </a:p>
           <a:p>
             <a:r>
@@ -9620,14 +10061,14 @@
       </p:grpSpPr>
       <p:sp>
         <p:nvSpPr>
-          <p:cNvPr id="7" name="Rectangle 6"/>
+          <p:cNvPr id="174" name="Rectangle 173"/>
           <p:cNvSpPr/>
           <p:nvPr/>
         </p:nvSpPr>
         <p:spPr>
           <a:xfrm>
-            <a:off x="1695636" y="514905"/>
-            <a:ext cx="3266981" cy="4838329"/>
+            <a:off x="470517" y="0"/>
+            <a:ext cx="10191565" cy="6784928"/>
           </a:xfrm>
           <a:prstGeom prst="rect">
             <a:avLst/>
@@ -9670,13 +10111,279 @@
       </p:sp>
       <p:sp>
         <p:nvSpPr>
-          <p:cNvPr id="30" name="Rectangle 29"/>
+          <p:cNvPr id="175" name="Rectangle 174"/>
           <p:cNvSpPr/>
           <p:nvPr/>
         </p:nvSpPr>
         <p:spPr>
           <a:xfrm>
-            <a:off x="1833272" y="1153911"/>
+            <a:off x="4876537" y="1877422"/>
+            <a:ext cx="417249" cy="417249"/>
+          </a:xfrm>
+          <a:prstGeom prst="rect">
+            <a:avLst/>
+          </a:prstGeom>
+          <a:solidFill>
+            <a:schemeClr val="bg1"/>
+          </a:solidFill>
+          <a:ln>
+            <a:solidFill>
+              <a:schemeClr val="tx1"/>
+            </a:solidFill>
+          </a:ln>
+        </p:spPr>
+        <p:style>
+          <a:lnRef idx="2">
+            <a:schemeClr val="accent1">
+              <a:shade val="50000"/>
+            </a:schemeClr>
+          </a:lnRef>
+          <a:fillRef idx="1">
+            <a:schemeClr val="accent1"/>
+          </a:fillRef>
+          <a:effectRef idx="0">
+            <a:schemeClr val="accent1"/>
+          </a:effectRef>
+          <a:fontRef idx="minor">
+            <a:schemeClr val="lt1"/>
+          </a:fontRef>
+        </p:style>
+        <p:txBody>
+          <a:bodyPr rtlCol="0" anchor="ctr"/>
+          <a:lstStyle/>
+          <a:p>
+            <a:pPr algn="ctr"/>
+            <a:endParaRPr lang="en-US"/>
+          </a:p>
+        </p:txBody>
+      </p:sp>
+      <p:sp>
+        <p:nvSpPr>
+          <p:cNvPr id="176" name="Rectangle 175"/>
+          <p:cNvSpPr/>
+          <p:nvPr/>
+        </p:nvSpPr>
+        <p:spPr>
+          <a:xfrm>
+            <a:off x="6361203" y="5794244"/>
+            <a:ext cx="417249" cy="417249"/>
+          </a:xfrm>
+          <a:prstGeom prst="rect">
+            <a:avLst/>
+          </a:prstGeom>
+          <a:solidFill>
+            <a:schemeClr val="bg1"/>
+          </a:solidFill>
+          <a:ln>
+            <a:solidFill>
+              <a:schemeClr val="tx1"/>
+            </a:solidFill>
+          </a:ln>
+        </p:spPr>
+        <p:style>
+          <a:lnRef idx="2">
+            <a:schemeClr val="accent1">
+              <a:shade val="50000"/>
+            </a:schemeClr>
+          </a:lnRef>
+          <a:fillRef idx="1">
+            <a:schemeClr val="accent1"/>
+          </a:fillRef>
+          <a:effectRef idx="0">
+            <a:schemeClr val="accent1"/>
+          </a:effectRef>
+          <a:fontRef idx="minor">
+            <a:schemeClr val="lt1"/>
+          </a:fontRef>
+        </p:style>
+        <p:txBody>
+          <a:bodyPr rtlCol="0" anchor="ctr"/>
+          <a:lstStyle/>
+          <a:p>
+            <a:pPr algn="ctr"/>
+            <a:endParaRPr lang="en-US"/>
+          </a:p>
+        </p:txBody>
+      </p:sp>
+      <p:grpSp>
+        <p:nvGrpSpPr>
+          <p:cNvPr id="177" name="Group 176"/>
+          <p:cNvGrpSpPr/>
+          <p:nvPr/>
+        </p:nvGrpSpPr>
+        <p:grpSpPr>
+          <a:xfrm>
+            <a:off x="4912721" y="1707356"/>
+            <a:ext cx="417246" cy="486569"/>
+            <a:chOff x="9203403" y="1037591"/>
+            <a:chExt cx="417246" cy="486569"/>
+          </a:xfrm>
+        </p:grpSpPr>
+        <p:cxnSp>
+          <p:nvCxnSpPr>
+            <p:cNvPr id="178" name="Straight Connector 177"/>
+            <p:cNvCxnSpPr/>
+            <p:nvPr/>
+          </p:nvCxnSpPr>
+          <p:spPr>
+            <a:xfrm>
+              <a:off x="9203403" y="1354631"/>
+              <a:ext cx="144783" cy="169529"/>
+            </a:xfrm>
+            <a:prstGeom prst="line">
+              <a:avLst/>
+            </a:prstGeom>
+            <a:ln w="28575">
+              <a:solidFill>
+                <a:schemeClr val="tx1"/>
+              </a:solidFill>
+            </a:ln>
+          </p:spPr>
+          <p:style>
+            <a:lnRef idx="1">
+              <a:schemeClr val="accent1"/>
+            </a:lnRef>
+            <a:fillRef idx="0">
+              <a:schemeClr val="accent1"/>
+            </a:fillRef>
+            <a:effectRef idx="0">
+              <a:schemeClr val="accent1"/>
+            </a:effectRef>
+            <a:fontRef idx="minor">
+              <a:schemeClr val="tx1"/>
+            </a:fontRef>
+          </p:style>
+        </p:cxnSp>
+        <p:cxnSp>
+          <p:nvCxnSpPr>
+            <p:cNvPr id="179" name="Straight Connector 178"/>
+            <p:cNvCxnSpPr/>
+            <p:nvPr/>
+          </p:nvCxnSpPr>
+          <p:spPr>
+            <a:xfrm flipV="1">
+              <a:off x="9348186" y="1037591"/>
+              <a:ext cx="272463" cy="486569"/>
+            </a:xfrm>
+            <a:prstGeom prst="line">
+              <a:avLst/>
+            </a:prstGeom>
+            <a:ln w="28575">
+              <a:solidFill>
+                <a:schemeClr val="tx1"/>
+              </a:solidFill>
+            </a:ln>
+          </p:spPr>
+          <p:style>
+            <a:lnRef idx="1">
+              <a:schemeClr val="accent1"/>
+            </a:lnRef>
+            <a:fillRef idx="0">
+              <a:schemeClr val="accent1"/>
+            </a:fillRef>
+            <a:effectRef idx="0">
+              <a:schemeClr val="accent1"/>
+            </a:effectRef>
+            <a:fontRef idx="minor">
+              <a:schemeClr val="tx1"/>
+            </a:fontRef>
+          </p:style>
+        </p:cxnSp>
+      </p:grpSp>
+      <p:grpSp>
+        <p:nvGrpSpPr>
+          <p:cNvPr id="180" name="Group 179"/>
+          <p:cNvGrpSpPr/>
+          <p:nvPr/>
+        </p:nvGrpSpPr>
+        <p:grpSpPr>
+          <a:xfrm>
+            <a:off x="6410707" y="5678151"/>
+            <a:ext cx="417246" cy="486569"/>
+            <a:chOff x="9203403" y="1037591"/>
+            <a:chExt cx="417246" cy="486569"/>
+          </a:xfrm>
+        </p:grpSpPr>
+        <p:cxnSp>
+          <p:nvCxnSpPr>
+            <p:cNvPr id="181" name="Straight Connector 180"/>
+            <p:cNvCxnSpPr/>
+            <p:nvPr/>
+          </p:nvCxnSpPr>
+          <p:spPr>
+            <a:xfrm>
+              <a:off x="9203403" y="1354631"/>
+              <a:ext cx="144783" cy="169529"/>
+            </a:xfrm>
+            <a:prstGeom prst="line">
+              <a:avLst/>
+            </a:prstGeom>
+            <a:ln w="28575">
+              <a:solidFill>
+                <a:schemeClr val="tx1"/>
+              </a:solidFill>
+            </a:ln>
+          </p:spPr>
+          <p:style>
+            <a:lnRef idx="1">
+              <a:schemeClr val="accent1"/>
+            </a:lnRef>
+            <a:fillRef idx="0">
+              <a:schemeClr val="accent1"/>
+            </a:fillRef>
+            <a:effectRef idx="0">
+              <a:schemeClr val="accent1"/>
+            </a:effectRef>
+            <a:fontRef idx="minor">
+              <a:schemeClr val="tx1"/>
+            </a:fontRef>
+          </p:style>
+        </p:cxnSp>
+        <p:cxnSp>
+          <p:nvCxnSpPr>
+            <p:cNvPr id="182" name="Straight Connector 181"/>
+            <p:cNvCxnSpPr/>
+            <p:nvPr/>
+          </p:nvCxnSpPr>
+          <p:spPr>
+            <a:xfrm flipV="1">
+              <a:off x="9348186" y="1037591"/>
+              <a:ext cx="272463" cy="486569"/>
+            </a:xfrm>
+            <a:prstGeom prst="line">
+              <a:avLst/>
+            </a:prstGeom>
+            <a:ln w="28575">
+              <a:solidFill>
+                <a:schemeClr val="tx1"/>
+              </a:solidFill>
+            </a:ln>
+          </p:spPr>
+          <p:style>
+            <a:lnRef idx="1">
+              <a:schemeClr val="accent1"/>
+            </a:lnRef>
+            <a:fillRef idx="0">
+              <a:schemeClr val="accent1"/>
+            </a:fillRef>
+            <a:effectRef idx="0">
+              <a:schemeClr val="accent1"/>
+            </a:effectRef>
+            <a:fontRef idx="minor">
+              <a:schemeClr val="tx1"/>
+            </a:fontRef>
+          </p:style>
+        </p:cxnSp>
+      </p:grpSp>
+      <p:sp>
+        <p:nvSpPr>
+          <p:cNvPr id="64" name="Rectangle 63"/>
+          <p:cNvSpPr/>
+          <p:nvPr/>
+        </p:nvSpPr>
+        <p:spPr>
+          <a:xfrm>
+            <a:off x="705947" y="97474"/>
             <a:ext cx="843379" cy="1265068"/>
           </a:xfrm>
           <a:prstGeom prst="rect">
@@ -9710,59 +10417,981 @@
       </p:sp>
       <p:sp>
         <p:nvSpPr>
-          <p:cNvPr id="2" name="TextBox 1"/>
-          <p:cNvSpPr txBox="1"/>
+          <p:cNvPr id="71" name="Rectangle 70"/>
+          <p:cNvSpPr/>
           <p:nvPr/>
         </p:nvSpPr>
         <p:spPr>
           <a:xfrm>
-            <a:off x="2743200" y="1153911"/>
-            <a:ext cx="744114" cy="923330"/>
+            <a:off x="2343281" y="57526"/>
+            <a:ext cx="843379" cy="1265068"/>
           </a:xfrm>
           <a:prstGeom prst="rect">
             <a:avLst/>
           </a:prstGeom>
-          <a:noFill/>
         </p:spPr>
-        <p:txBody>
-          <a:bodyPr wrap="none" rtlCol="0">
-            <a:spAutoFit/>
-          </a:bodyPr>
-          <a:lstStyle/>
-          <a:p>
-            <a:r>
-              <a:rPr lang="en-US" dirty="0" smtClean="0"/>
-              <a:t>Name</a:t>
-            </a:r>
-          </a:p>
-          <a:p>
-            <a:r>
-              <a:rPr lang="en-US" dirty="0" smtClean="0"/>
-              <a:t>Price</a:t>
-            </a:r>
-          </a:p>
-          <a:p>
-            <a:endParaRPr lang="en-US" dirty="0"/>
+        <p:style>
+          <a:lnRef idx="2">
+            <a:schemeClr val="accent1">
+              <a:shade val="50000"/>
+            </a:schemeClr>
+          </a:lnRef>
+          <a:fillRef idx="1">
+            <a:schemeClr val="accent1"/>
+          </a:fillRef>
+          <a:effectRef idx="0">
+            <a:schemeClr val="accent1"/>
+          </a:effectRef>
+          <a:fontRef idx="minor">
+            <a:schemeClr val="lt1"/>
+          </a:fontRef>
+        </p:style>
+        <p:txBody>
+          <a:bodyPr rtlCol="0" anchor="ctr"/>
+          <a:lstStyle/>
+          <a:p>
+            <a:pPr algn="ctr"/>
+            <a:endParaRPr lang="en-US"/>
+          </a:p>
+        </p:txBody>
+      </p:sp>
+      <p:sp>
+        <p:nvSpPr>
+          <p:cNvPr id="72" name="Rectangle 71"/>
+          <p:cNvSpPr/>
+          <p:nvPr/>
+        </p:nvSpPr>
+        <p:spPr>
+          <a:xfrm>
+            <a:off x="3922314" y="57526"/>
+            <a:ext cx="843379" cy="1265068"/>
+          </a:xfrm>
+          <a:prstGeom prst="rect">
+            <a:avLst/>
+          </a:prstGeom>
+        </p:spPr>
+        <p:style>
+          <a:lnRef idx="2">
+            <a:schemeClr val="accent1">
+              <a:shade val="50000"/>
+            </a:schemeClr>
+          </a:lnRef>
+          <a:fillRef idx="1">
+            <a:schemeClr val="accent1"/>
+          </a:fillRef>
+          <a:effectRef idx="0">
+            <a:schemeClr val="accent1"/>
+          </a:effectRef>
+          <a:fontRef idx="minor">
+            <a:schemeClr val="lt1"/>
+          </a:fontRef>
+        </p:style>
+        <p:txBody>
+          <a:bodyPr rtlCol="0" anchor="ctr"/>
+          <a:lstStyle/>
+          <a:p>
+            <a:pPr algn="ctr"/>
+            <a:endParaRPr lang="en-US"/>
+          </a:p>
+        </p:txBody>
+      </p:sp>
+      <p:sp>
+        <p:nvSpPr>
+          <p:cNvPr id="73" name="Rectangle 72"/>
+          <p:cNvSpPr/>
+          <p:nvPr/>
+        </p:nvSpPr>
+        <p:spPr>
+          <a:xfrm>
+            <a:off x="5439344" y="57526"/>
+            <a:ext cx="843379" cy="1265068"/>
+          </a:xfrm>
+          <a:prstGeom prst="rect">
+            <a:avLst/>
+          </a:prstGeom>
+        </p:spPr>
+        <p:style>
+          <a:lnRef idx="2">
+            <a:schemeClr val="accent1">
+              <a:shade val="50000"/>
+            </a:schemeClr>
+          </a:lnRef>
+          <a:fillRef idx="1">
+            <a:schemeClr val="accent1"/>
+          </a:fillRef>
+          <a:effectRef idx="0">
+            <a:schemeClr val="accent1"/>
+          </a:effectRef>
+          <a:fontRef idx="minor">
+            <a:schemeClr val="lt1"/>
+          </a:fontRef>
+        </p:style>
+        <p:txBody>
+          <a:bodyPr rtlCol="0" anchor="ctr"/>
+          <a:lstStyle/>
+          <a:p>
+            <a:pPr algn="ctr"/>
+            <a:endParaRPr lang="en-US"/>
+          </a:p>
+        </p:txBody>
+      </p:sp>
+      <p:sp>
+        <p:nvSpPr>
+          <p:cNvPr id="74" name="Rectangle 73"/>
+          <p:cNvSpPr/>
+          <p:nvPr/>
+        </p:nvSpPr>
+        <p:spPr>
+          <a:xfrm>
+            <a:off x="6875419" y="57526"/>
+            <a:ext cx="843379" cy="1265068"/>
+          </a:xfrm>
+          <a:prstGeom prst="rect">
+            <a:avLst/>
+          </a:prstGeom>
+        </p:spPr>
+        <p:style>
+          <a:lnRef idx="2">
+            <a:schemeClr val="accent1">
+              <a:shade val="50000"/>
+            </a:schemeClr>
+          </a:lnRef>
+          <a:fillRef idx="1">
+            <a:schemeClr val="accent1"/>
+          </a:fillRef>
+          <a:effectRef idx="0">
+            <a:schemeClr val="accent1"/>
+          </a:effectRef>
+          <a:fontRef idx="minor">
+            <a:schemeClr val="lt1"/>
+          </a:fontRef>
+        </p:style>
+        <p:txBody>
+          <a:bodyPr rtlCol="0" anchor="ctr"/>
+          <a:lstStyle/>
+          <a:p>
+            <a:pPr algn="ctr"/>
+            <a:endParaRPr lang="en-US"/>
+          </a:p>
+        </p:txBody>
+      </p:sp>
+      <p:sp>
+        <p:nvSpPr>
+          <p:cNvPr id="76" name="Rectangle 75"/>
+          <p:cNvSpPr/>
+          <p:nvPr/>
+        </p:nvSpPr>
+        <p:spPr>
+          <a:xfrm>
+            <a:off x="705947" y="1446879"/>
+            <a:ext cx="843379" cy="1265068"/>
+          </a:xfrm>
+          <a:prstGeom prst="rect">
+            <a:avLst/>
+          </a:prstGeom>
+        </p:spPr>
+        <p:style>
+          <a:lnRef idx="2">
+            <a:schemeClr val="accent1">
+              <a:shade val="50000"/>
+            </a:schemeClr>
+          </a:lnRef>
+          <a:fillRef idx="1">
+            <a:schemeClr val="accent1"/>
+          </a:fillRef>
+          <a:effectRef idx="0">
+            <a:schemeClr val="accent1"/>
+          </a:effectRef>
+          <a:fontRef idx="minor">
+            <a:schemeClr val="lt1"/>
+          </a:fontRef>
+        </p:style>
+        <p:txBody>
+          <a:bodyPr rtlCol="0" anchor="ctr"/>
+          <a:lstStyle/>
+          <a:p>
+            <a:pPr algn="ctr"/>
+            <a:endParaRPr lang="en-US"/>
+          </a:p>
+        </p:txBody>
+      </p:sp>
+      <p:sp>
+        <p:nvSpPr>
+          <p:cNvPr id="77" name="Rectangle 76"/>
+          <p:cNvSpPr/>
+          <p:nvPr/>
+        </p:nvSpPr>
+        <p:spPr>
+          <a:xfrm>
+            <a:off x="2343281" y="1406931"/>
+            <a:ext cx="843379" cy="1265068"/>
+          </a:xfrm>
+          <a:prstGeom prst="rect">
+            <a:avLst/>
+          </a:prstGeom>
+        </p:spPr>
+        <p:style>
+          <a:lnRef idx="2">
+            <a:schemeClr val="accent1">
+              <a:shade val="50000"/>
+            </a:schemeClr>
+          </a:lnRef>
+          <a:fillRef idx="1">
+            <a:schemeClr val="accent1"/>
+          </a:fillRef>
+          <a:effectRef idx="0">
+            <a:schemeClr val="accent1"/>
+          </a:effectRef>
+          <a:fontRef idx="minor">
+            <a:schemeClr val="lt1"/>
+          </a:fontRef>
+        </p:style>
+        <p:txBody>
+          <a:bodyPr rtlCol="0" anchor="ctr"/>
+          <a:lstStyle/>
+          <a:p>
+            <a:pPr algn="ctr"/>
+            <a:endParaRPr lang="en-US"/>
+          </a:p>
+        </p:txBody>
+      </p:sp>
+      <p:sp>
+        <p:nvSpPr>
+          <p:cNvPr id="78" name="Rectangle 77"/>
+          <p:cNvSpPr/>
+          <p:nvPr/>
+        </p:nvSpPr>
+        <p:spPr>
+          <a:xfrm>
+            <a:off x="3922314" y="1406931"/>
+            <a:ext cx="843379" cy="1265068"/>
+          </a:xfrm>
+          <a:prstGeom prst="rect">
+            <a:avLst/>
+          </a:prstGeom>
+        </p:spPr>
+        <p:style>
+          <a:lnRef idx="2">
+            <a:schemeClr val="accent1">
+              <a:shade val="50000"/>
+            </a:schemeClr>
+          </a:lnRef>
+          <a:fillRef idx="1">
+            <a:schemeClr val="accent1"/>
+          </a:fillRef>
+          <a:effectRef idx="0">
+            <a:schemeClr val="accent1"/>
+          </a:effectRef>
+          <a:fontRef idx="minor">
+            <a:schemeClr val="lt1"/>
+          </a:fontRef>
+        </p:style>
+        <p:txBody>
+          <a:bodyPr rtlCol="0" anchor="ctr"/>
+          <a:lstStyle/>
+          <a:p>
+            <a:pPr algn="ctr"/>
+            <a:endParaRPr lang="en-US"/>
+          </a:p>
+        </p:txBody>
+      </p:sp>
+      <p:sp>
+        <p:nvSpPr>
+          <p:cNvPr id="79" name="Rectangle 78"/>
+          <p:cNvSpPr/>
+          <p:nvPr/>
+        </p:nvSpPr>
+        <p:spPr>
+          <a:xfrm>
+            <a:off x="5439344" y="1406931"/>
+            <a:ext cx="843379" cy="1265068"/>
+          </a:xfrm>
+          <a:prstGeom prst="rect">
+            <a:avLst/>
+          </a:prstGeom>
+        </p:spPr>
+        <p:style>
+          <a:lnRef idx="2">
+            <a:schemeClr val="accent1">
+              <a:shade val="50000"/>
+            </a:schemeClr>
+          </a:lnRef>
+          <a:fillRef idx="1">
+            <a:schemeClr val="accent1"/>
+          </a:fillRef>
+          <a:effectRef idx="0">
+            <a:schemeClr val="accent1"/>
+          </a:effectRef>
+          <a:fontRef idx="minor">
+            <a:schemeClr val="lt1"/>
+          </a:fontRef>
+        </p:style>
+        <p:txBody>
+          <a:bodyPr rtlCol="0" anchor="ctr"/>
+          <a:lstStyle/>
+          <a:p>
+            <a:pPr algn="ctr"/>
+            <a:endParaRPr lang="en-US"/>
+          </a:p>
+        </p:txBody>
+      </p:sp>
+      <p:sp>
+        <p:nvSpPr>
+          <p:cNvPr id="80" name="Rectangle 79"/>
+          <p:cNvSpPr/>
+          <p:nvPr/>
+        </p:nvSpPr>
+        <p:spPr>
+          <a:xfrm>
+            <a:off x="6875419" y="1406931"/>
+            <a:ext cx="843379" cy="1265068"/>
+          </a:xfrm>
+          <a:prstGeom prst="rect">
+            <a:avLst/>
+          </a:prstGeom>
+        </p:spPr>
+        <p:style>
+          <a:lnRef idx="2">
+            <a:schemeClr val="accent1">
+              <a:shade val="50000"/>
+            </a:schemeClr>
+          </a:lnRef>
+          <a:fillRef idx="1">
+            <a:schemeClr val="accent1"/>
+          </a:fillRef>
+          <a:effectRef idx="0">
+            <a:schemeClr val="accent1"/>
+          </a:effectRef>
+          <a:fontRef idx="minor">
+            <a:schemeClr val="lt1"/>
+          </a:fontRef>
+        </p:style>
+        <p:txBody>
+          <a:bodyPr rtlCol="0" anchor="ctr"/>
+          <a:lstStyle/>
+          <a:p>
+            <a:pPr algn="ctr"/>
+            <a:endParaRPr lang="en-US"/>
+          </a:p>
+        </p:txBody>
+      </p:sp>
+      <p:sp>
+        <p:nvSpPr>
+          <p:cNvPr id="81" name="Rectangle 80"/>
+          <p:cNvSpPr/>
+          <p:nvPr/>
+        </p:nvSpPr>
+        <p:spPr>
+          <a:xfrm>
+            <a:off x="705947" y="2787407"/>
+            <a:ext cx="843379" cy="1265068"/>
+          </a:xfrm>
+          <a:prstGeom prst="rect">
+            <a:avLst/>
+          </a:prstGeom>
+        </p:spPr>
+        <p:style>
+          <a:lnRef idx="2">
+            <a:schemeClr val="accent1">
+              <a:shade val="50000"/>
+            </a:schemeClr>
+          </a:lnRef>
+          <a:fillRef idx="1">
+            <a:schemeClr val="accent1"/>
+          </a:fillRef>
+          <a:effectRef idx="0">
+            <a:schemeClr val="accent1"/>
+          </a:effectRef>
+          <a:fontRef idx="minor">
+            <a:schemeClr val="lt1"/>
+          </a:fontRef>
+        </p:style>
+        <p:txBody>
+          <a:bodyPr rtlCol="0" anchor="ctr"/>
+          <a:lstStyle/>
+          <a:p>
+            <a:pPr algn="ctr"/>
+            <a:endParaRPr lang="en-US"/>
+          </a:p>
+        </p:txBody>
+      </p:sp>
+      <p:sp>
+        <p:nvSpPr>
+          <p:cNvPr id="82" name="Rectangle 81"/>
+          <p:cNvSpPr/>
+          <p:nvPr/>
+        </p:nvSpPr>
+        <p:spPr>
+          <a:xfrm>
+            <a:off x="2343281" y="2747459"/>
+            <a:ext cx="843379" cy="1265068"/>
+          </a:xfrm>
+          <a:prstGeom prst="rect">
+            <a:avLst/>
+          </a:prstGeom>
+        </p:spPr>
+        <p:style>
+          <a:lnRef idx="2">
+            <a:schemeClr val="accent1">
+              <a:shade val="50000"/>
+            </a:schemeClr>
+          </a:lnRef>
+          <a:fillRef idx="1">
+            <a:schemeClr val="accent1"/>
+          </a:fillRef>
+          <a:effectRef idx="0">
+            <a:schemeClr val="accent1"/>
+          </a:effectRef>
+          <a:fontRef idx="minor">
+            <a:schemeClr val="lt1"/>
+          </a:fontRef>
+        </p:style>
+        <p:txBody>
+          <a:bodyPr rtlCol="0" anchor="ctr"/>
+          <a:lstStyle/>
+          <a:p>
+            <a:pPr algn="ctr"/>
+            <a:endParaRPr lang="en-US"/>
+          </a:p>
+        </p:txBody>
+      </p:sp>
+      <p:sp>
+        <p:nvSpPr>
+          <p:cNvPr id="83" name="Rectangle 82"/>
+          <p:cNvSpPr/>
+          <p:nvPr/>
+        </p:nvSpPr>
+        <p:spPr>
+          <a:xfrm>
+            <a:off x="3922314" y="2747459"/>
+            <a:ext cx="843379" cy="1265068"/>
+          </a:xfrm>
+          <a:prstGeom prst="rect">
+            <a:avLst/>
+          </a:prstGeom>
+        </p:spPr>
+        <p:style>
+          <a:lnRef idx="2">
+            <a:schemeClr val="accent1">
+              <a:shade val="50000"/>
+            </a:schemeClr>
+          </a:lnRef>
+          <a:fillRef idx="1">
+            <a:schemeClr val="accent1"/>
+          </a:fillRef>
+          <a:effectRef idx="0">
+            <a:schemeClr val="accent1"/>
+          </a:effectRef>
+          <a:fontRef idx="minor">
+            <a:schemeClr val="lt1"/>
+          </a:fontRef>
+        </p:style>
+        <p:txBody>
+          <a:bodyPr rtlCol="0" anchor="ctr"/>
+          <a:lstStyle/>
+          <a:p>
+            <a:pPr algn="ctr"/>
+            <a:endParaRPr lang="en-US"/>
+          </a:p>
+        </p:txBody>
+      </p:sp>
+      <p:sp>
+        <p:nvSpPr>
+          <p:cNvPr id="84" name="Rectangle 83"/>
+          <p:cNvSpPr/>
+          <p:nvPr/>
+        </p:nvSpPr>
+        <p:spPr>
+          <a:xfrm>
+            <a:off x="5439344" y="2747459"/>
+            <a:ext cx="843379" cy="1265068"/>
+          </a:xfrm>
+          <a:prstGeom prst="rect">
+            <a:avLst/>
+          </a:prstGeom>
+        </p:spPr>
+        <p:style>
+          <a:lnRef idx="2">
+            <a:schemeClr val="accent1">
+              <a:shade val="50000"/>
+            </a:schemeClr>
+          </a:lnRef>
+          <a:fillRef idx="1">
+            <a:schemeClr val="accent1"/>
+          </a:fillRef>
+          <a:effectRef idx="0">
+            <a:schemeClr val="accent1"/>
+          </a:effectRef>
+          <a:fontRef idx="minor">
+            <a:schemeClr val="lt1"/>
+          </a:fontRef>
+        </p:style>
+        <p:txBody>
+          <a:bodyPr rtlCol="0" anchor="ctr"/>
+          <a:lstStyle/>
+          <a:p>
+            <a:pPr algn="ctr"/>
+            <a:endParaRPr lang="en-US"/>
+          </a:p>
+        </p:txBody>
+      </p:sp>
+      <p:sp>
+        <p:nvSpPr>
+          <p:cNvPr id="85" name="Rectangle 84"/>
+          <p:cNvSpPr/>
+          <p:nvPr/>
+        </p:nvSpPr>
+        <p:spPr>
+          <a:xfrm>
+            <a:off x="6875419" y="2747459"/>
+            <a:ext cx="843379" cy="1265068"/>
+          </a:xfrm>
+          <a:prstGeom prst="rect">
+            <a:avLst/>
+          </a:prstGeom>
+        </p:spPr>
+        <p:style>
+          <a:lnRef idx="2">
+            <a:schemeClr val="accent1">
+              <a:shade val="50000"/>
+            </a:schemeClr>
+          </a:lnRef>
+          <a:fillRef idx="1">
+            <a:schemeClr val="accent1"/>
+          </a:fillRef>
+          <a:effectRef idx="0">
+            <a:schemeClr val="accent1"/>
+          </a:effectRef>
+          <a:fontRef idx="minor">
+            <a:schemeClr val="lt1"/>
+          </a:fontRef>
+        </p:style>
+        <p:txBody>
+          <a:bodyPr rtlCol="0" anchor="ctr"/>
+          <a:lstStyle/>
+          <a:p>
+            <a:pPr algn="ctr"/>
+            <a:endParaRPr lang="en-US"/>
+          </a:p>
+        </p:txBody>
+      </p:sp>
+      <p:sp>
+        <p:nvSpPr>
+          <p:cNvPr id="86" name="Rectangle 85"/>
+          <p:cNvSpPr/>
+          <p:nvPr/>
+        </p:nvSpPr>
+        <p:spPr>
+          <a:xfrm>
+            <a:off x="705947" y="4094992"/>
+            <a:ext cx="843379" cy="1265068"/>
+          </a:xfrm>
+          <a:prstGeom prst="rect">
+            <a:avLst/>
+          </a:prstGeom>
+        </p:spPr>
+        <p:style>
+          <a:lnRef idx="2">
+            <a:schemeClr val="accent1">
+              <a:shade val="50000"/>
+            </a:schemeClr>
+          </a:lnRef>
+          <a:fillRef idx="1">
+            <a:schemeClr val="accent1"/>
+          </a:fillRef>
+          <a:effectRef idx="0">
+            <a:schemeClr val="accent1"/>
+          </a:effectRef>
+          <a:fontRef idx="minor">
+            <a:schemeClr val="lt1"/>
+          </a:fontRef>
+        </p:style>
+        <p:txBody>
+          <a:bodyPr rtlCol="0" anchor="ctr"/>
+          <a:lstStyle/>
+          <a:p>
+            <a:pPr algn="ctr"/>
+            <a:endParaRPr lang="en-US"/>
+          </a:p>
+        </p:txBody>
+      </p:sp>
+      <p:sp>
+        <p:nvSpPr>
+          <p:cNvPr id="87" name="Rectangle 86"/>
+          <p:cNvSpPr/>
+          <p:nvPr/>
+        </p:nvSpPr>
+        <p:spPr>
+          <a:xfrm>
+            <a:off x="2343281" y="4055044"/>
+            <a:ext cx="843379" cy="1265068"/>
+          </a:xfrm>
+          <a:prstGeom prst="rect">
+            <a:avLst/>
+          </a:prstGeom>
+        </p:spPr>
+        <p:style>
+          <a:lnRef idx="2">
+            <a:schemeClr val="accent1">
+              <a:shade val="50000"/>
+            </a:schemeClr>
+          </a:lnRef>
+          <a:fillRef idx="1">
+            <a:schemeClr val="accent1"/>
+          </a:fillRef>
+          <a:effectRef idx="0">
+            <a:schemeClr val="accent1"/>
+          </a:effectRef>
+          <a:fontRef idx="minor">
+            <a:schemeClr val="lt1"/>
+          </a:fontRef>
+        </p:style>
+        <p:txBody>
+          <a:bodyPr rtlCol="0" anchor="ctr"/>
+          <a:lstStyle/>
+          <a:p>
+            <a:pPr algn="ctr"/>
+            <a:endParaRPr lang="en-US"/>
+          </a:p>
+        </p:txBody>
+      </p:sp>
+      <p:sp>
+        <p:nvSpPr>
+          <p:cNvPr id="88" name="Rectangle 87"/>
+          <p:cNvSpPr/>
+          <p:nvPr/>
+        </p:nvSpPr>
+        <p:spPr>
+          <a:xfrm>
+            <a:off x="3922314" y="4055044"/>
+            <a:ext cx="843379" cy="1265068"/>
+          </a:xfrm>
+          <a:prstGeom prst="rect">
+            <a:avLst/>
+          </a:prstGeom>
+        </p:spPr>
+        <p:style>
+          <a:lnRef idx="2">
+            <a:schemeClr val="accent1">
+              <a:shade val="50000"/>
+            </a:schemeClr>
+          </a:lnRef>
+          <a:fillRef idx="1">
+            <a:schemeClr val="accent1"/>
+          </a:fillRef>
+          <a:effectRef idx="0">
+            <a:schemeClr val="accent1"/>
+          </a:effectRef>
+          <a:fontRef idx="minor">
+            <a:schemeClr val="lt1"/>
+          </a:fontRef>
+        </p:style>
+        <p:txBody>
+          <a:bodyPr rtlCol="0" anchor="ctr"/>
+          <a:lstStyle/>
+          <a:p>
+            <a:pPr algn="ctr"/>
+            <a:endParaRPr lang="en-US"/>
+          </a:p>
+        </p:txBody>
+      </p:sp>
+      <p:sp>
+        <p:nvSpPr>
+          <p:cNvPr id="89" name="Rectangle 88"/>
+          <p:cNvSpPr/>
+          <p:nvPr/>
+        </p:nvSpPr>
+        <p:spPr>
+          <a:xfrm>
+            <a:off x="5439344" y="4055044"/>
+            <a:ext cx="843379" cy="1265068"/>
+          </a:xfrm>
+          <a:prstGeom prst="rect">
+            <a:avLst/>
+          </a:prstGeom>
+        </p:spPr>
+        <p:style>
+          <a:lnRef idx="2">
+            <a:schemeClr val="accent1">
+              <a:shade val="50000"/>
+            </a:schemeClr>
+          </a:lnRef>
+          <a:fillRef idx="1">
+            <a:schemeClr val="accent1"/>
+          </a:fillRef>
+          <a:effectRef idx="0">
+            <a:schemeClr val="accent1"/>
+          </a:effectRef>
+          <a:fontRef idx="minor">
+            <a:schemeClr val="lt1"/>
+          </a:fontRef>
+        </p:style>
+        <p:txBody>
+          <a:bodyPr rtlCol="0" anchor="ctr"/>
+          <a:lstStyle/>
+          <a:p>
+            <a:pPr algn="ctr"/>
+            <a:endParaRPr lang="en-US"/>
+          </a:p>
+        </p:txBody>
+      </p:sp>
+      <p:sp>
+        <p:nvSpPr>
+          <p:cNvPr id="90" name="Rectangle 89"/>
+          <p:cNvSpPr/>
+          <p:nvPr/>
+        </p:nvSpPr>
+        <p:spPr>
+          <a:xfrm>
+            <a:off x="6875419" y="4055044"/>
+            <a:ext cx="843379" cy="1265068"/>
+          </a:xfrm>
+          <a:prstGeom prst="rect">
+            <a:avLst/>
+          </a:prstGeom>
+        </p:spPr>
+        <p:style>
+          <a:lnRef idx="2">
+            <a:schemeClr val="accent1">
+              <a:shade val="50000"/>
+            </a:schemeClr>
+          </a:lnRef>
+          <a:fillRef idx="1">
+            <a:schemeClr val="accent1"/>
+          </a:fillRef>
+          <a:effectRef idx="0">
+            <a:schemeClr val="accent1"/>
+          </a:effectRef>
+          <a:fontRef idx="minor">
+            <a:schemeClr val="lt1"/>
+          </a:fontRef>
+        </p:style>
+        <p:txBody>
+          <a:bodyPr rtlCol="0" anchor="ctr"/>
+          <a:lstStyle/>
+          <a:p>
+            <a:pPr algn="ctr"/>
+            <a:endParaRPr lang="en-US"/>
+          </a:p>
+        </p:txBody>
+      </p:sp>
+      <p:sp>
+        <p:nvSpPr>
+          <p:cNvPr id="91" name="Rectangle 90"/>
+          <p:cNvSpPr/>
+          <p:nvPr/>
+        </p:nvSpPr>
+        <p:spPr>
+          <a:xfrm>
+            <a:off x="705947" y="5426643"/>
+            <a:ext cx="843379" cy="1265068"/>
+          </a:xfrm>
+          <a:prstGeom prst="rect">
+            <a:avLst/>
+          </a:prstGeom>
+        </p:spPr>
+        <p:style>
+          <a:lnRef idx="2">
+            <a:schemeClr val="accent1">
+              <a:shade val="50000"/>
+            </a:schemeClr>
+          </a:lnRef>
+          <a:fillRef idx="1">
+            <a:schemeClr val="accent1"/>
+          </a:fillRef>
+          <a:effectRef idx="0">
+            <a:schemeClr val="accent1"/>
+          </a:effectRef>
+          <a:fontRef idx="minor">
+            <a:schemeClr val="lt1"/>
+          </a:fontRef>
+        </p:style>
+        <p:txBody>
+          <a:bodyPr rtlCol="0" anchor="ctr"/>
+          <a:lstStyle/>
+          <a:p>
+            <a:pPr algn="ctr"/>
+            <a:endParaRPr lang="en-US"/>
+          </a:p>
+        </p:txBody>
+      </p:sp>
+      <p:sp>
+        <p:nvSpPr>
+          <p:cNvPr id="92" name="Rectangle 91"/>
+          <p:cNvSpPr/>
+          <p:nvPr/>
+        </p:nvSpPr>
+        <p:spPr>
+          <a:xfrm>
+            <a:off x="2343281" y="5386695"/>
+            <a:ext cx="843379" cy="1265068"/>
+          </a:xfrm>
+          <a:prstGeom prst="rect">
+            <a:avLst/>
+          </a:prstGeom>
+        </p:spPr>
+        <p:style>
+          <a:lnRef idx="2">
+            <a:schemeClr val="accent1">
+              <a:shade val="50000"/>
+            </a:schemeClr>
+          </a:lnRef>
+          <a:fillRef idx="1">
+            <a:schemeClr val="accent1"/>
+          </a:fillRef>
+          <a:effectRef idx="0">
+            <a:schemeClr val="accent1"/>
+          </a:effectRef>
+          <a:fontRef idx="minor">
+            <a:schemeClr val="lt1"/>
+          </a:fontRef>
+        </p:style>
+        <p:txBody>
+          <a:bodyPr rtlCol="0" anchor="ctr"/>
+          <a:lstStyle/>
+          <a:p>
+            <a:pPr algn="ctr"/>
+            <a:endParaRPr lang="en-US"/>
+          </a:p>
+        </p:txBody>
+      </p:sp>
+      <p:sp>
+        <p:nvSpPr>
+          <p:cNvPr id="93" name="Rectangle 92"/>
+          <p:cNvSpPr/>
+          <p:nvPr/>
+        </p:nvSpPr>
+        <p:spPr>
+          <a:xfrm>
+            <a:off x="3922314" y="5386695"/>
+            <a:ext cx="843379" cy="1265068"/>
+          </a:xfrm>
+          <a:prstGeom prst="rect">
+            <a:avLst/>
+          </a:prstGeom>
+        </p:spPr>
+        <p:style>
+          <a:lnRef idx="2">
+            <a:schemeClr val="accent1">
+              <a:shade val="50000"/>
+            </a:schemeClr>
+          </a:lnRef>
+          <a:fillRef idx="1">
+            <a:schemeClr val="accent1"/>
+          </a:fillRef>
+          <a:effectRef idx="0">
+            <a:schemeClr val="accent1"/>
+          </a:effectRef>
+          <a:fontRef idx="minor">
+            <a:schemeClr val="lt1"/>
+          </a:fontRef>
+        </p:style>
+        <p:txBody>
+          <a:bodyPr rtlCol="0" anchor="ctr"/>
+          <a:lstStyle/>
+          <a:p>
+            <a:pPr algn="ctr"/>
+            <a:endParaRPr lang="en-US"/>
+          </a:p>
+        </p:txBody>
+      </p:sp>
+      <p:sp>
+        <p:nvSpPr>
+          <p:cNvPr id="94" name="Rectangle 93"/>
+          <p:cNvSpPr/>
+          <p:nvPr/>
+        </p:nvSpPr>
+        <p:spPr>
+          <a:xfrm>
+            <a:off x="5439344" y="5386695"/>
+            <a:ext cx="843379" cy="1265068"/>
+          </a:xfrm>
+          <a:prstGeom prst="rect">
+            <a:avLst/>
+          </a:prstGeom>
+        </p:spPr>
+        <p:style>
+          <a:lnRef idx="2">
+            <a:schemeClr val="accent1">
+              <a:shade val="50000"/>
+            </a:schemeClr>
+          </a:lnRef>
+          <a:fillRef idx="1">
+            <a:schemeClr val="accent1"/>
+          </a:fillRef>
+          <a:effectRef idx="0">
+            <a:schemeClr val="accent1"/>
+          </a:effectRef>
+          <a:fontRef idx="minor">
+            <a:schemeClr val="lt1"/>
+          </a:fontRef>
+        </p:style>
+        <p:txBody>
+          <a:bodyPr rtlCol="0" anchor="ctr"/>
+          <a:lstStyle/>
+          <a:p>
+            <a:pPr algn="ctr"/>
+            <a:endParaRPr lang="en-US"/>
+          </a:p>
+        </p:txBody>
+      </p:sp>
+      <p:sp>
+        <p:nvSpPr>
+          <p:cNvPr id="95" name="Rectangle 94"/>
+          <p:cNvSpPr/>
+          <p:nvPr/>
+        </p:nvSpPr>
+        <p:spPr>
+          <a:xfrm>
+            <a:off x="6875419" y="5386695"/>
+            <a:ext cx="843379" cy="1265068"/>
+          </a:xfrm>
+          <a:prstGeom prst="rect">
+            <a:avLst/>
+          </a:prstGeom>
+        </p:spPr>
+        <p:style>
+          <a:lnRef idx="2">
+            <a:schemeClr val="accent1">
+              <a:shade val="50000"/>
+            </a:schemeClr>
+          </a:lnRef>
+          <a:fillRef idx="1">
+            <a:schemeClr val="accent1"/>
+          </a:fillRef>
+          <a:effectRef idx="0">
+            <a:schemeClr val="accent1"/>
+          </a:effectRef>
+          <a:fontRef idx="minor">
+            <a:schemeClr val="lt1"/>
+          </a:fontRef>
+        </p:style>
+        <p:txBody>
+          <a:bodyPr rtlCol="0" anchor="ctr"/>
+          <a:lstStyle/>
+          <a:p>
+            <a:pPr algn="ctr"/>
+            <a:endParaRPr lang="en-US"/>
           </a:p>
         </p:txBody>
       </p:sp>
       <p:grpSp>
         <p:nvGrpSpPr>
-          <p:cNvPr id="32" name="Group 31"/>
+          <p:cNvPr id="96" name="Group 95"/>
           <p:cNvGrpSpPr/>
           <p:nvPr/>
         </p:nvGrpSpPr>
         <p:grpSpPr>
           <a:xfrm>
-            <a:off x="2847402" y="1834204"/>
-            <a:ext cx="535709" cy="584775"/>
-            <a:chOff x="5015693" y="3380372"/>
-            <a:chExt cx="535709" cy="584775"/>
+            <a:off x="1289498" y="985214"/>
+            <a:ext cx="339052" cy="461665"/>
+            <a:chOff x="5015693" y="3322063"/>
+            <a:chExt cx="535709" cy="729444"/>
           </a:xfrm>
         </p:grpSpPr>
         <p:sp>
           <p:nvSpPr>
-            <p:cNvPr id="33" name="Oval 32"/>
+            <p:cNvPr id="97" name="Oval 96"/>
             <p:cNvSpPr/>
             <p:nvPr/>
           </p:nvSpPr>
@@ -9814,14 +11443,14 @@
         </p:sp>
         <p:sp>
           <p:nvSpPr>
-            <p:cNvPr id="34" name="TextBox 33"/>
+            <p:cNvPr id="98" name="TextBox 97"/>
             <p:cNvSpPr txBox="1"/>
             <p:nvPr/>
           </p:nvSpPr>
           <p:spPr>
             <a:xfrm>
-              <a:off x="5143925" y="3380372"/>
-              <a:ext cx="279244" cy="584775"/>
+              <a:off x="5081939" y="3322063"/>
+              <a:ext cx="403218" cy="729444"/>
             </a:xfrm>
             <a:prstGeom prst="rect">
               <a:avLst/>
@@ -9835,159 +11464,31 @@
             <a:lstStyle/>
             <a:p>
               <a:r>
-                <a:rPr lang="en-US" sz="3200" dirty="0" err="1" smtClean="0"/>
+                <a:rPr lang="en-US" sz="2400" dirty="0" err="1" smtClean="0"/>
                 <a:t>i</a:t>
               </a:r>
-              <a:endParaRPr lang="en-US" sz="3200" dirty="0"/>
+              <a:endParaRPr lang="en-US" sz="2400" dirty="0"/>
             </a:p>
           </p:txBody>
         </p:sp>
       </p:grpSp>
-      <p:sp>
-        <p:nvSpPr>
-          <p:cNvPr id="4" name="Rounded Rectangle 3"/>
-          <p:cNvSpPr/>
-          <p:nvPr/>
-        </p:nvSpPr>
-        <p:spPr>
-          <a:xfrm>
-            <a:off x="2847402" y="5462325"/>
-            <a:ext cx="1991647" cy="514905"/>
-          </a:xfrm>
-          <a:prstGeom prst="roundRect">
-            <a:avLst/>
-          </a:prstGeom>
-        </p:spPr>
-        <p:style>
-          <a:lnRef idx="2">
-            <a:schemeClr val="accent1">
-              <a:shade val="50000"/>
-            </a:schemeClr>
-          </a:lnRef>
-          <a:fillRef idx="1">
-            <a:schemeClr val="accent1"/>
-          </a:fillRef>
-          <a:effectRef idx="0">
-            <a:schemeClr val="accent1"/>
-          </a:effectRef>
-          <a:fontRef idx="minor">
-            <a:schemeClr val="lt1"/>
-          </a:fontRef>
-        </p:style>
-        <p:txBody>
-          <a:bodyPr rtlCol="0" anchor="ctr"/>
-          <a:lstStyle/>
-          <a:p>
-            <a:pPr algn="ctr"/>
-            <a:r>
-              <a:rPr lang="en-US" dirty="0" smtClean="0"/>
-              <a:t>Add Cards </a:t>
-            </a:r>
-            <a:r>
-              <a:rPr lang="en-US" dirty="0" smtClean="0">
-                <a:sym typeface="Wingdings" panose="05000000000000000000" pitchFamily="2" charset="2"/>
-              </a:rPr>
-              <a:t></a:t>
-            </a:r>
-            <a:endParaRPr lang="en-US" dirty="0"/>
-          </a:p>
-        </p:txBody>
-      </p:sp>
-      <p:sp>
-        <p:nvSpPr>
-          <p:cNvPr id="35" name="Rectangle 34"/>
-          <p:cNvSpPr/>
-          <p:nvPr/>
-        </p:nvSpPr>
-        <p:spPr>
-          <a:xfrm>
-            <a:off x="1833272" y="2528892"/>
-            <a:ext cx="843379" cy="1265068"/>
-          </a:xfrm>
-          <a:prstGeom prst="rect">
-            <a:avLst/>
-          </a:prstGeom>
-        </p:spPr>
-        <p:style>
-          <a:lnRef idx="2">
-            <a:schemeClr val="accent1">
-              <a:shade val="50000"/>
-            </a:schemeClr>
-          </a:lnRef>
-          <a:fillRef idx="1">
-            <a:schemeClr val="accent1"/>
-          </a:fillRef>
-          <a:effectRef idx="0">
-            <a:schemeClr val="accent1"/>
-          </a:effectRef>
-          <a:fontRef idx="minor">
-            <a:schemeClr val="lt1"/>
-          </a:fontRef>
-        </p:style>
-        <p:txBody>
-          <a:bodyPr rtlCol="0" anchor="ctr"/>
-          <a:lstStyle/>
-          <a:p>
-            <a:pPr algn="ctr"/>
-            <a:endParaRPr lang="en-US"/>
-          </a:p>
-        </p:txBody>
-      </p:sp>
-      <p:sp>
-        <p:nvSpPr>
-          <p:cNvPr id="36" name="TextBox 35"/>
-          <p:cNvSpPr txBox="1"/>
-          <p:nvPr/>
-        </p:nvSpPr>
-        <p:spPr>
-          <a:xfrm>
-            <a:off x="2743200" y="2528892"/>
-            <a:ext cx="744114" cy="923330"/>
-          </a:xfrm>
-          <a:prstGeom prst="rect">
-            <a:avLst/>
-          </a:prstGeom>
-          <a:noFill/>
-        </p:spPr>
-        <p:txBody>
-          <a:bodyPr wrap="none" rtlCol="0">
-            <a:spAutoFit/>
-          </a:bodyPr>
-          <a:lstStyle/>
-          <a:p>
-            <a:r>
-              <a:rPr lang="en-US" dirty="0" smtClean="0"/>
-              <a:t>Name</a:t>
-            </a:r>
-          </a:p>
-          <a:p>
-            <a:r>
-              <a:rPr lang="en-US" dirty="0" smtClean="0"/>
-              <a:t>Price</a:t>
-            </a:r>
-          </a:p>
-          <a:p>
-            <a:endParaRPr lang="en-US" dirty="0"/>
-          </a:p>
-        </p:txBody>
-      </p:sp>
       <p:grpSp>
         <p:nvGrpSpPr>
-          <p:cNvPr id="37" name="Group 36"/>
+          <p:cNvPr id="102" name="Group 101"/>
           <p:cNvGrpSpPr/>
           <p:nvPr/>
         </p:nvGrpSpPr>
         <p:grpSpPr>
           <a:xfrm>
-            <a:off x="2847402" y="3209185"/>
-            <a:ext cx="535709" cy="584775"/>
-            <a:chOff x="5015693" y="3380372"/>
-            <a:chExt cx="535709" cy="584775"/>
+            <a:off x="1289498" y="2334619"/>
+            <a:ext cx="339052" cy="461665"/>
+            <a:chOff x="5015693" y="3322063"/>
+            <a:chExt cx="535709" cy="729444"/>
           </a:xfrm>
         </p:grpSpPr>
         <p:sp>
           <p:nvSpPr>
-            <p:cNvPr id="41" name="Oval 40"/>
+            <p:cNvPr id="103" name="Oval 102"/>
             <p:cNvSpPr/>
             <p:nvPr/>
           </p:nvSpPr>
@@ -10039,14 +11540,14 @@
         </p:sp>
         <p:sp>
           <p:nvSpPr>
-            <p:cNvPr id="42" name="TextBox 41"/>
+            <p:cNvPr id="104" name="TextBox 103"/>
             <p:cNvSpPr txBox="1"/>
             <p:nvPr/>
           </p:nvSpPr>
           <p:spPr>
             <a:xfrm>
-              <a:off x="5143925" y="3380372"/>
-              <a:ext cx="279244" cy="584775"/>
+              <a:off x="5081939" y="3322063"/>
+              <a:ext cx="403218" cy="729444"/>
             </a:xfrm>
             <a:prstGeom prst="rect">
               <a:avLst/>
@@ -10060,109 +11561,31 @@
             <a:lstStyle/>
             <a:p>
               <a:r>
-                <a:rPr lang="en-US" sz="3200" dirty="0" err="1" smtClean="0"/>
+                <a:rPr lang="en-US" sz="2400" dirty="0" err="1" smtClean="0"/>
                 <a:t>i</a:t>
               </a:r>
-              <a:endParaRPr lang="en-US" sz="3200" dirty="0"/>
+              <a:endParaRPr lang="en-US" sz="2400" dirty="0"/>
             </a:p>
           </p:txBody>
         </p:sp>
       </p:grpSp>
-      <p:sp>
-        <p:nvSpPr>
-          <p:cNvPr id="43" name="Rectangle 42"/>
-          <p:cNvSpPr/>
-          <p:nvPr/>
-        </p:nvSpPr>
-        <p:spPr>
-          <a:xfrm>
-            <a:off x="1833272" y="3928405"/>
-            <a:ext cx="843379" cy="1265068"/>
-          </a:xfrm>
-          <a:prstGeom prst="rect">
-            <a:avLst/>
-          </a:prstGeom>
-        </p:spPr>
-        <p:style>
-          <a:lnRef idx="2">
-            <a:schemeClr val="accent1">
-              <a:shade val="50000"/>
-            </a:schemeClr>
-          </a:lnRef>
-          <a:fillRef idx="1">
-            <a:schemeClr val="accent1"/>
-          </a:fillRef>
-          <a:effectRef idx="0">
-            <a:schemeClr val="accent1"/>
-          </a:effectRef>
-          <a:fontRef idx="minor">
-            <a:schemeClr val="lt1"/>
-          </a:fontRef>
-        </p:style>
-        <p:txBody>
-          <a:bodyPr rtlCol="0" anchor="ctr"/>
-          <a:lstStyle/>
-          <a:p>
-            <a:pPr algn="ctr"/>
-            <a:endParaRPr lang="en-US"/>
-          </a:p>
-        </p:txBody>
-      </p:sp>
-      <p:sp>
-        <p:nvSpPr>
-          <p:cNvPr id="44" name="TextBox 43"/>
-          <p:cNvSpPr txBox="1"/>
-          <p:nvPr/>
-        </p:nvSpPr>
-        <p:spPr>
-          <a:xfrm>
-            <a:off x="2743200" y="3928405"/>
-            <a:ext cx="744114" cy="923330"/>
-          </a:xfrm>
-          <a:prstGeom prst="rect">
-            <a:avLst/>
-          </a:prstGeom>
-          <a:noFill/>
-        </p:spPr>
-        <p:txBody>
-          <a:bodyPr wrap="none" rtlCol="0">
-            <a:spAutoFit/>
-          </a:bodyPr>
-          <a:lstStyle/>
-          <a:p>
-            <a:r>
-              <a:rPr lang="en-US" dirty="0" smtClean="0"/>
-              <a:t>Name</a:t>
-            </a:r>
-          </a:p>
-          <a:p>
-            <a:r>
-              <a:rPr lang="en-US" dirty="0" smtClean="0"/>
-              <a:t>Price</a:t>
-            </a:r>
-          </a:p>
-          <a:p>
-            <a:endParaRPr lang="en-US" dirty="0"/>
-          </a:p>
-        </p:txBody>
-      </p:sp>
       <p:grpSp>
         <p:nvGrpSpPr>
-          <p:cNvPr id="45" name="Group 44"/>
+          <p:cNvPr id="105" name="Group 104"/>
           <p:cNvGrpSpPr/>
           <p:nvPr/>
         </p:nvGrpSpPr>
         <p:grpSpPr>
           <a:xfrm>
-            <a:off x="2847402" y="4608698"/>
-            <a:ext cx="535709" cy="584775"/>
-            <a:chOff x="5015693" y="3380372"/>
-            <a:chExt cx="535709" cy="584775"/>
+            <a:off x="1289498" y="3666270"/>
+            <a:ext cx="339052" cy="461665"/>
+            <a:chOff x="5015693" y="3322063"/>
+            <a:chExt cx="535709" cy="729444"/>
           </a:xfrm>
         </p:grpSpPr>
         <p:sp>
           <p:nvSpPr>
-            <p:cNvPr id="46" name="Oval 45"/>
+            <p:cNvPr id="106" name="Oval 105"/>
             <p:cNvSpPr/>
             <p:nvPr/>
           </p:nvSpPr>
@@ -10214,14 +11637,14 @@
         </p:sp>
         <p:sp>
           <p:nvSpPr>
-            <p:cNvPr id="47" name="TextBox 46"/>
+            <p:cNvPr id="107" name="TextBox 106"/>
             <p:cNvSpPr txBox="1"/>
             <p:nvPr/>
           </p:nvSpPr>
           <p:spPr>
             <a:xfrm>
-              <a:off x="5143925" y="3380372"/>
-              <a:ext cx="279244" cy="584775"/>
+              <a:off x="5081939" y="3322063"/>
+              <a:ext cx="403218" cy="729444"/>
             </a:xfrm>
             <a:prstGeom prst="rect">
               <a:avLst/>
@@ -10235,367 +11658,31 @@
             <a:lstStyle/>
             <a:p>
               <a:r>
-                <a:rPr lang="en-US" sz="3200" dirty="0" err="1" smtClean="0"/>
+                <a:rPr lang="en-US" sz="2400" dirty="0" err="1" smtClean="0"/>
                 <a:t>i</a:t>
               </a:r>
-              <a:endParaRPr lang="en-US" sz="3200" dirty="0"/>
+              <a:endParaRPr lang="en-US" sz="2400" dirty="0"/>
             </a:p>
           </p:txBody>
         </p:sp>
       </p:grpSp>
-      <p:sp>
-        <p:nvSpPr>
-          <p:cNvPr id="48" name="Rectangle 47"/>
-          <p:cNvSpPr/>
-          <p:nvPr/>
-        </p:nvSpPr>
-        <p:spPr>
-          <a:xfrm>
-            <a:off x="4962617" y="514906"/>
-            <a:ext cx="3266981" cy="4838328"/>
-          </a:xfrm>
-          <a:prstGeom prst="rect">
-            <a:avLst/>
-          </a:prstGeom>
-          <a:solidFill>
-            <a:schemeClr val="bg2">
-              <a:lumMod val="90000"/>
-            </a:schemeClr>
-          </a:solidFill>
-          <a:ln>
-            <a:solidFill>
-              <a:schemeClr val="tx1"/>
-            </a:solidFill>
-          </a:ln>
-        </p:spPr>
-        <p:style>
-          <a:lnRef idx="2">
-            <a:schemeClr val="accent1">
-              <a:shade val="50000"/>
-            </a:schemeClr>
-          </a:lnRef>
-          <a:fillRef idx="1">
-            <a:schemeClr val="accent1"/>
-          </a:fillRef>
-          <a:effectRef idx="0">
-            <a:schemeClr val="accent1"/>
-          </a:effectRef>
-          <a:fontRef idx="minor">
-            <a:schemeClr val="lt1"/>
-          </a:fontRef>
-        </p:style>
-        <p:txBody>
-          <a:bodyPr rtlCol="0" anchor="ctr"/>
-          <a:lstStyle/>
-          <a:p>
-            <a:pPr algn="ctr"/>
-            <a:endParaRPr lang="en-US"/>
-          </a:p>
-        </p:txBody>
-      </p:sp>
-      <p:sp>
-        <p:nvSpPr>
-          <p:cNvPr id="5" name="TextBox 4"/>
-          <p:cNvSpPr txBox="1"/>
-          <p:nvPr/>
-        </p:nvSpPr>
-        <p:spPr>
-          <a:xfrm>
-            <a:off x="5672831" y="624818"/>
-            <a:ext cx="1846552" cy="369332"/>
-          </a:xfrm>
-          <a:prstGeom prst="rect">
-            <a:avLst/>
-          </a:prstGeom>
-          <a:noFill/>
-        </p:spPr>
-        <p:txBody>
-          <a:bodyPr wrap="square" rtlCol="0">
-            <a:spAutoFit/>
-          </a:bodyPr>
-          <a:lstStyle/>
-          <a:p>
-            <a:pPr algn="ctr"/>
-            <a:r>
-              <a:rPr lang="en-US" dirty="0" smtClean="0"/>
-              <a:t>Cards Selected: #</a:t>
-            </a:r>
-            <a:endParaRPr lang="en-US" dirty="0"/>
-          </a:p>
-        </p:txBody>
-      </p:sp>
-      <p:sp>
-        <p:nvSpPr>
-          <p:cNvPr id="49" name="TextBox 48"/>
-          <p:cNvSpPr txBox="1"/>
-          <p:nvPr/>
-        </p:nvSpPr>
-        <p:spPr>
-          <a:xfrm>
-            <a:off x="2405850" y="624818"/>
-            <a:ext cx="1846552" cy="369332"/>
-          </a:xfrm>
-          <a:prstGeom prst="rect">
-            <a:avLst/>
-          </a:prstGeom>
-          <a:noFill/>
-        </p:spPr>
-        <p:txBody>
-          <a:bodyPr wrap="square" rtlCol="0">
-            <a:spAutoFit/>
-          </a:bodyPr>
-          <a:lstStyle/>
-          <a:p>
-            <a:pPr algn="ctr"/>
-            <a:r>
-              <a:rPr lang="en-US" dirty="0" smtClean="0"/>
-              <a:t>Cards Needed: #</a:t>
-            </a:r>
-            <a:endParaRPr lang="en-US" dirty="0"/>
-          </a:p>
-        </p:txBody>
-      </p:sp>
-      <p:sp>
-        <p:nvSpPr>
-          <p:cNvPr id="50" name="Rounded Rectangle 49"/>
-          <p:cNvSpPr/>
-          <p:nvPr/>
-        </p:nvSpPr>
-        <p:spPr>
-          <a:xfrm>
-            <a:off x="5140169" y="5462325"/>
-            <a:ext cx="1926456" cy="514905"/>
-          </a:xfrm>
-          <a:prstGeom prst="roundRect">
-            <a:avLst/>
-          </a:prstGeom>
-        </p:spPr>
-        <p:style>
-          <a:lnRef idx="2">
-            <a:schemeClr val="accent1">
-              <a:shade val="50000"/>
-            </a:schemeClr>
-          </a:lnRef>
-          <a:fillRef idx="1">
-            <a:schemeClr val="accent1"/>
-          </a:fillRef>
-          <a:effectRef idx="0">
-            <a:schemeClr val="accent1"/>
-          </a:effectRef>
-          <a:fontRef idx="minor">
-            <a:schemeClr val="lt1"/>
-          </a:fontRef>
-        </p:style>
-        <p:txBody>
-          <a:bodyPr rtlCol="0" anchor="ctr"/>
-          <a:lstStyle/>
-          <a:p>
-            <a:pPr algn="ctr"/>
-            <a:r>
-              <a:rPr lang="en-US" dirty="0" smtClean="0">
-                <a:sym typeface="Wingdings" panose="05000000000000000000" pitchFamily="2" charset="2"/>
-              </a:rPr>
-              <a:t> Remove cards</a:t>
-            </a:r>
-            <a:endParaRPr lang="en-US" dirty="0"/>
-          </a:p>
-        </p:txBody>
-      </p:sp>
-      <p:sp>
-        <p:nvSpPr>
-          <p:cNvPr id="6" name="Rectangle 5"/>
-          <p:cNvSpPr/>
-          <p:nvPr/>
-        </p:nvSpPr>
-        <p:spPr>
-          <a:xfrm>
-            <a:off x="4767309" y="514905"/>
-            <a:ext cx="195308" cy="4838329"/>
-          </a:xfrm>
-          <a:prstGeom prst="rect">
-            <a:avLst/>
-          </a:prstGeom>
-          <a:solidFill>
-            <a:schemeClr val="bg2">
-              <a:lumMod val="75000"/>
-            </a:schemeClr>
-          </a:solidFill>
-          <a:ln>
-            <a:solidFill>
-              <a:schemeClr val="tx1"/>
-            </a:solidFill>
-          </a:ln>
-        </p:spPr>
-        <p:style>
-          <a:lnRef idx="2">
-            <a:schemeClr val="accent1">
-              <a:shade val="50000"/>
-            </a:schemeClr>
-          </a:lnRef>
-          <a:fillRef idx="1">
-            <a:schemeClr val="accent1"/>
-          </a:fillRef>
-          <a:effectRef idx="0">
-            <a:schemeClr val="accent1"/>
-          </a:effectRef>
-          <a:fontRef idx="minor">
-            <a:schemeClr val="lt1"/>
-          </a:fontRef>
-        </p:style>
-        <p:txBody>
-          <a:bodyPr rtlCol="0" anchor="ctr"/>
-          <a:lstStyle/>
-          <a:p>
-            <a:pPr algn="ctr"/>
-            <a:endParaRPr lang="en-US"/>
-          </a:p>
-        </p:txBody>
-      </p:sp>
-      <p:sp>
-        <p:nvSpPr>
-          <p:cNvPr id="51" name="Rectangle 50"/>
-          <p:cNvSpPr/>
-          <p:nvPr/>
-        </p:nvSpPr>
-        <p:spPr>
-          <a:xfrm>
-            <a:off x="8034289" y="514905"/>
-            <a:ext cx="195308" cy="4838329"/>
-          </a:xfrm>
-          <a:prstGeom prst="rect">
-            <a:avLst/>
-          </a:prstGeom>
-          <a:solidFill>
-            <a:schemeClr val="bg2">
-              <a:lumMod val="75000"/>
-            </a:schemeClr>
-          </a:solidFill>
-          <a:ln>
-            <a:solidFill>
-              <a:schemeClr val="tx1"/>
-            </a:solidFill>
-          </a:ln>
-        </p:spPr>
-        <p:style>
-          <a:lnRef idx="2">
-            <a:schemeClr val="accent1">
-              <a:shade val="50000"/>
-            </a:schemeClr>
-          </a:lnRef>
-          <a:fillRef idx="1">
-            <a:schemeClr val="accent1"/>
-          </a:fillRef>
-          <a:effectRef idx="0">
-            <a:schemeClr val="accent1"/>
-          </a:effectRef>
-          <a:fontRef idx="minor">
-            <a:schemeClr val="lt1"/>
-          </a:fontRef>
-        </p:style>
-        <p:txBody>
-          <a:bodyPr rtlCol="0" anchor="ctr"/>
-          <a:lstStyle/>
-          <a:p>
-            <a:pPr algn="ctr"/>
-            <a:endParaRPr lang="en-US"/>
-          </a:p>
-        </p:txBody>
-      </p:sp>
-      <p:sp>
-        <p:nvSpPr>
-          <p:cNvPr id="52" name="Rectangle 51"/>
-          <p:cNvSpPr/>
-          <p:nvPr/>
-        </p:nvSpPr>
-        <p:spPr>
-          <a:xfrm>
-            <a:off x="5180925" y="1153911"/>
-            <a:ext cx="843379" cy="1265068"/>
-          </a:xfrm>
-          <a:prstGeom prst="rect">
-            <a:avLst/>
-          </a:prstGeom>
-        </p:spPr>
-        <p:style>
-          <a:lnRef idx="2">
-            <a:schemeClr val="accent1">
-              <a:shade val="50000"/>
-            </a:schemeClr>
-          </a:lnRef>
-          <a:fillRef idx="1">
-            <a:schemeClr val="accent1"/>
-          </a:fillRef>
-          <a:effectRef idx="0">
-            <a:schemeClr val="accent1"/>
-          </a:effectRef>
-          <a:fontRef idx="minor">
-            <a:schemeClr val="lt1"/>
-          </a:fontRef>
-        </p:style>
-        <p:txBody>
-          <a:bodyPr rtlCol="0" anchor="ctr"/>
-          <a:lstStyle/>
-          <a:p>
-            <a:pPr algn="ctr"/>
-            <a:endParaRPr lang="en-US"/>
-          </a:p>
-        </p:txBody>
-      </p:sp>
-      <p:sp>
-        <p:nvSpPr>
-          <p:cNvPr id="53" name="TextBox 52"/>
-          <p:cNvSpPr txBox="1"/>
-          <p:nvPr/>
-        </p:nvSpPr>
-        <p:spPr>
-          <a:xfrm>
-            <a:off x="6090853" y="1153911"/>
-            <a:ext cx="744114" cy="923330"/>
-          </a:xfrm>
-          <a:prstGeom prst="rect">
-            <a:avLst/>
-          </a:prstGeom>
-          <a:noFill/>
-        </p:spPr>
-        <p:txBody>
-          <a:bodyPr wrap="none" rtlCol="0">
-            <a:spAutoFit/>
-          </a:bodyPr>
-          <a:lstStyle/>
-          <a:p>
-            <a:r>
-              <a:rPr lang="en-US" dirty="0" smtClean="0"/>
-              <a:t>Name</a:t>
-            </a:r>
-          </a:p>
-          <a:p>
-            <a:r>
-              <a:rPr lang="en-US" dirty="0" smtClean="0"/>
-              <a:t>Price</a:t>
-            </a:r>
-          </a:p>
-          <a:p>
-            <a:endParaRPr lang="en-US" dirty="0"/>
-          </a:p>
-        </p:txBody>
-      </p:sp>
       <p:grpSp>
         <p:nvGrpSpPr>
-          <p:cNvPr id="54" name="Group 53"/>
+          <p:cNvPr id="108" name="Group 107"/>
           <p:cNvGrpSpPr/>
           <p:nvPr/>
         </p:nvGrpSpPr>
         <p:grpSpPr>
           <a:xfrm>
-            <a:off x="6195055" y="1834204"/>
-            <a:ext cx="535709" cy="584775"/>
-            <a:chOff x="5015693" y="3380372"/>
-            <a:chExt cx="535709" cy="584775"/>
+            <a:off x="1289498" y="5033431"/>
+            <a:ext cx="339052" cy="461665"/>
+            <a:chOff x="5015693" y="3322063"/>
+            <a:chExt cx="535709" cy="729444"/>
           </a:xfrm>
         </p:grpSpPr>
         <p:sp>
           <p:nvSpPr>
-            <p:cNvPr id="55" name="Oval 54"/>
+            <p:cNvPr id="109" name="Oval 108"/>
             <p:cNvSpPr/>
             <p:nvPr/>
           </p:nvSpPr>
@@ -10647,14 +11734,14 @@
         </p:sp>
         <p:sp>
           <p:nvSpPr>
-            <p:cNvPr id="56" name="TextBox 55"/>
+            <p:cNvPr id="110" name="TextBox 109"/>
             <p:cNvSpPr txBox="1"/>
             <p:nvPr/>
           </p:nvSpPr>
           <p:spPr>
             <a:xfrm>
-              <a:off x="5143925" y="3380372"/>
-              <a:ext cx="279244" cy="584775"/>
+              <a:off x="5081939" y="3322063"/>
+              <a:ext cx="403218" cy="729444"/>
             </a:xfrm>
             <a:prstGeom prst="rect">
               <a:avLst/>
@@ -10668,109 +11755,31 @@
             <a:lstStyle/>
             <a:p>
               <a:r>
-                <a:rPr lang="en-US" sz="3200" dirty="0" err="1" smtClean="0"/>
+                <a:rPr lang="en-US" sz="2400" dirty="0" err="1" smtClean="0"/>
                 <a:t>i</a:t>
               </a:r>
-              <a:endParaRPr lang="en-US" sz="3200" dirty="0"/>
+              <a:endParaRPr lang="en-US" sz="2400" dirty="0"/>
             </a:p>
           </p:txBody>
         </p:sp>
       </p:grpSp>
-      <p:sp>
-        <p:nvSpPr>
-          <p:cNvPr id="57" name="Rectangle 56"/>
-          <p:cNvSpPr/>
-          <p:nvPr/>
-        </p:nvSpPr>
-        <p:spPr>
-          <a:xfrm>
-            <a:off x="5180925" y="2528892"/>
-            <a:ext cx="843379" cy="1265068"/>
-          </a:xfrm>
-          <a:prstGeom prst="rect">
-            <a:avLst/>
-          </a:prstGeom>
-        </p:spPr>
-        <p:style>
-          <a:lnRef idx="2">
-            <a:schemeClr val="accent1">
-              <a:shade val="50000"/>
-            </a:schemeClr>
-          </a:lnRef>
-          <a:fillRef idx="1">
-            <a:schemeClr val="accent1"/>
-          </a:fillRef>
-          <a:effectRef idx="0">
-            <a:schemeClr val="accent1"/>
-          </a:effectRef>
-          <a:fontRef idx="minor">
-            <a:schemeClr val="lt1"/>
-          </a:fontRef>
-        </p:style>
-        <p:txBody>
-          <a:bodyPr rtlCol="0" anchor="ctr"/>
-          <a:lstStyle/>
-          <a:p>
-            <a:pPr algn="ctr"/>
-            <a:endParaRPr lang="en-US"/>
-          </a:p>
-        </p:txBody>
-      </p:sp>
-      <p:sp>
-        <p:nvSpPr>
-          <p:cNvPr id="58" name="TextBox 57"/>
-          <p:cNvSpPr txBox="1"/>
-          <p:nvPr/>
-        </p:nvSpPr>
-        <p:spPr>
-          <a:xfrm>
-            <a:off x="6090853" y="2528892"/>
-            <a:ext cx="744114" cy="923330"/>
-          </a:xfrm>
-          <a:prstGeom prst="rect">
-            <a:avLst/>
-          </a:prstGeom>
-          <a:noFill/>
-        </p:spPr>
-        <p:txBody>
-          <a:bodyPr wrap="none" rtlCol="0">
-            <a:spAutoFit/>
-          </a:bodyPr>
-          <a:lstStyle/>
-          <a:p>
-            <a:r>
-              <a:rPr lang="en-US" dirty="0" smtClean="0"/>
-              <a:t>Name</a:t>
-            </a:r>
-          </a:p>
-          <a:p>
-            <a:r>
-              <a:rPr lang="en-US" dirty="0" smtClean="0"/>
-              <a:t>Price</a:t>
-            </a:r>
-          </a:p>
-          <a:p>
-            <a:endParaRPr lang="en-US" dirty="0"/>
-          </a:p>
-        </p:txBody>
-      </p:sp>
       <p:grpSp>
         <p:nvGrpSpPr>
-          <p:cNvPr id="59" name="Group 58"/>
+          <p:cNvPr id="111" name="Group 110"/>
           <p:cNvGrpSpPr/>
           <p:nvPr/>
         </p:nvGrpSpPr>
         <p:grpSpPr>
           <a:xfrm>
-            <a:off x="6195055" y="3209185"/>
-            <a:ext cx="535709" cy="584775"/>
-            <a:chOff x="5015693" y="3380372"/>
-            <a:chExt cx="535709" cy="584775"/>
+            <a:off x="1289498" y="6323263"/>
+            <a:ext cx="339052" cy="461665"/>
+            <a:chOff x="5015693" y="3322063"/>
+            <a:chExt cx="535709" cy="729444"/>
           </a:xfrm>
         </p:grpSpPr>
         <p:sp>
           <p:nvSpPr>
-            <p:cNvPr id="60" name="Oval 59"/>
+            <p:cNvPr id="112" name="Oval 111"/>
             <p:cNvSpPr/>
             <p:nvPr/>
           </p:nvSpPr>
@@ -10822,14 +11831,14 @@
         </p:sp>
         <p:sp>
           <p:nvSpPr>
-            <p:cNvPr id="61" name="TextBox 60"/>
+            <p:cNvPr id="113" name="TextBox 112"/>
             <p:cNvSpPr txBox="1"/>
             <p:nvPr/>
           </p:nvSpPr>
           <p:spPr>
             <a:xfrm>
-              <a:off x="5143925" y="3380372"/>
-              <a:ext cx="279244" cy="584775"/>
+              <a:off x="5081939" y="3322063"/>
+              <a:ext cx="403218" cy="729444"/>
             </a:xfrm>
             <a:prstGeom prst="rect">
               <a:avLst/>
@@ -10843,23 +11852,2042 @@
             <a:lstStyle/>
             <a:p>
               <a:r>
-                <a:rPr lang="en-US" sz="3200" dirty="0" err="1" smtClean="0"/>
+                <a:rPr lang="en-US" sz="2400" dirty="0" err="1" smtClean="0"/>
                 <a:t>i</a:t>
               </a:r>
-              <a:endParaRPr lang="en-US" sz="3200" dirty="0"/>
+              <a:endParaRPr lang="en-US" sz="2400" dirty="0"/>
             </a:p>
           </p:txBody>
         </p:sp>
       </p:grpSp>
-      <p:sp>
-        <p:nvSpPr>
-          <p:cNvPr id="62" name="Rectangle 61"/>
+      <p:grpSp>
+        <p:nvGrpSpPr>
+          <p:cNvPr id="114" name="Group 113"/>
+          <p:cNvGrpSpPr/>
+          <p:nvPr/>
+        </p:nvGrpSpPr>
+        <p:grpSpPr>
+          <a:xfrm>
+            <a:off x="2917955" y="985214"/>
+            <a:ext cx="339052" cy="461665"/>
+            <a:chOff x="5015693" y="3322063"/>
+            <a:chExt cx="535709" cy="729444"/>
+          </a:xfrm>
+        </p:grpSpPr>
+        <p:sp>
+          <p:nvSpPr>
+            <p:cNvPr id="115" name="Oval 114"/>
+            <p:cNvSpPr/>
+            <p:nvPr/>
+          </p:nvSpPr>
+          <p:spPr>
+            <a:xfrm>
+              <a:off x="5015693" y="3404906"/>
+              <a:ext cx="535709" cy="535709"/>
+            </a:xfrm>
+            <a:prstGeom prst="ellipse">
+              <a:avLst/>
+            </a:prstGeom>
+            <a:solidFill>
+              <a:srgbClr val="92D050"/>
+            </a:solidFill>
+            <a:ln>
+              <a:solidFill>
+                <a:schemeClr val="tx1"/>
+              </a:solidFill>
+            </a:ln>
+          </p:spPr>
+          <p:style>
+            <a:lnRef idx="2">
+              <a:schemeClr val="accent1">
+                <a:shade val="50000"/>
+              </a:schemeClr>
+            </a:lnRef>
+            <a:fillRef idx="1">
+              <a:schemeClr val="accent1"/>
+            </a:fillRef>
+            <a:effectRef idx="0">
+              <a:schemeClr val="accent1"/>
+            </a:effectRef>
+            <a:fontRef idx="minor">
+              <a:schemeClr val="lt1"/>
+            </a:fontRef>
+          </p:style>
+          <p:txBody>
+            <a:bodyPr rtlCol="0" anchor="ctr"/>
+            <a:lstStyle/>
+            <a:p>
+              <a:pPr algn="ctr"/>
+              <a:endParaRPr lang="en-US" dirty="0">
+                <a:solidFill>
+                  <a:schemeClr val="tx1"/>
+                </a:solidFill>
+              </a:endParaRPr>
+            </a:p>
+          </p:txBody>
+        </p:sp>
+        <p:sp>
+          <p:nvSpPr>
+            <p:cNvPr id="116" name="TextBox 115"/>
+            <p:cNvSpPr txBox="1"/>
+            <p:nvPr/>
+          </p:nvSpPr>
+          <p:spPr>
+            <a:xfrm>
+              <a:off x="5081939" y="3322063"/>
+              <a:ext cx="403218" cy="729444"/>
+            </a:xfrm>
+            <a:prstGeom prst="rect">
+              <a:avLst/>
+            </a:prstGeom>
+            <a:noFill/>
+          </p:spPr>
+          <p:txBody>
+            <a:bodyPr wrap="none" rtlCol="0">
+              <a:spAutoFit/>
+            </a:bodyPr>
+            <a:lstStyle/>
+            <a:p>
+              <a:r>
+                <a:rPr lang="en-US" sz="2400" dirty="0" err="1" smtClean="0"/>
+                <a:t>i</a:t>
+              </a:r>
+              <a:endParaRPr lang="en-US" sz="2400" dirty="0"/>
+            </a:p>
+          </p:txBody>
+        </p:sp>
+      </p:grpSp>
+      <p:grpSp>
+        <p:nvGrpSpPr>
+          <p:cNvPr id="117" name="Group 116"/>
+          <p:cNvGrpSpPr/>
+          <p:nvPr/>
+        </p:nvGrpSpPr>
+        <p:grpSpPr>
+          <a:xfrm>
+            <a:off x="2917955" y="2334619"/>
+            <a:ext cx="339052" cy="461665"/>
+            <a:chOff x="5015693" y="3322063"/>
+            <a:chExt cx="535709" cy="729444"/>
+          </a:xfrm>
+        </p:grpSpPr>
+        <p:sp>
+          <p:nvSpPr>
+            <p:cNvPr id="118" name="Oval 117"/>
+            <p:cNvSpPr/>
+            <p:nvPr/>
+          </p:nvSpPr>
+          <p:spPr>
+            <a:xfrm>
+              <a:off x="5015693" y="3404906"/>
+              <a:ext cx="535709" cy="535709"/>
+            </a:xfrm>
+            <a:prstGeom prst="ellipse">
+              <a:avLst/>
+            </a:prstGeom>
+            <a:solidFill>
+              <a:srgbClr val="92D050"/>
+            </a:solidFill>
+            <a:ln>
+              <a:solidFill>
+                <a:schemeClr val="tx1"/>
+              </a:solidFill>
+            </a:ln>
+          </p:spPr>
+          <p:style>
+            <a:lnRef idx="2">
+              <a:schemeClr val="accent1">
+                <a:shade val="50000"/>
+              </a:schemeClr>
+            </a:lnRef>
+            <a:fillRef idx="1">
+              <a:schemeClr val="accent1"/>
+            </a:fillRef>
+            <a:effectRef idx="0">
+              <a:schemeClr val="accent1"/>
+            </a:effectRef>
+            <a:fontRef idx="minor">
+              <a:schemeClr val="lt1"/>
+            </a:fontRef>
+          </p:style>
+          <p:txBody>
+            <a:bodyPr rtlCol="0" anchor="ctr"/>
+            <a:lstStyle/>
+            <a:p>
+              <a:pPr algn="ctr"/>
+              <a:endParaRPr lang="en-US" dirty="0">
+                <a:solidFill>
+                  <a:schemeClr val="tx1"/>
+                </a:solidFill>
+              </a:endParaRPr>
+            </a:p>
+          </p:txBody>
+        </p:sp>
+        <p:sp>
+          <p:nvSpPr>
+            <p:cNvPr id="119" name="TextBox 118"/>
+            <p:cNvSpPr txBox="1"/>
+            <p:nvPr/>
+          </p:nvSpPr>
+          <p:spPr>
+            <a:xfrm>
+              <a:off x="5081939" y="3322063"/>
+              <a:ext cx="403218" cy="729444"/>
+            </a:xfrm>
+            <a:prstGeom prst="rect">
+              <a:avLst/>
+            </a:prstGeom>
+            <a:noFill/>
+          </p:spPr>
+          <p:txBody>
+            <a:bodyPr wrap="none" rtlCol="0">
+              <a:spAutoFit/>
+            </a:bodyPr>
+            <a:lstStyle/>
+            <a:p>
+              <a:r>
+                <a:rPr lang="en-US" sz="2400" dirty="0" err="1" smtClean="0"/>
+                <a:t>i</a:t>
+              </a:r>
+              <a:endParaRPr lang="en-US" sz="2400" dirty="0"/>
+            </a:p>
+          </p:txBody>
+        </p:sp>
+      </p:grpSp>
+      <p:grpSp>
+        <p:nvGrpSpPr>
+          <p:cNvPr id="120" name="Group 119"/>
+          <p:cNvGrpSpPr/>
+          <p:nvPr/>
+        </p:nvGrpSpPr>
+        <p:grpSpPr>
+          <a:xfrm>
+            <a:off x="2917955" y="3666270"/>
+            <a:ext cx="339052" cy="461665"/>
+            <a:chOff x="5015693" y="3322063"/>
+            <a:chExt cx="535709" cy="729444"/>
+          </a:xfrm>
+        </p:grpSpPr>
+        <p:sp>
+          <p:nvSpPr>
+            <p:cNvPr id="121" name="Oval 120"/>
+            <p:cNvSpPr/>
+            <p:nvPr/>
+          </p:nvSpPr>
+          <p:spPr>
+            <a:xfrm>
+              <a:off x="5015693" y="3404906"/>
+              <a:ext cx="535709" cy="535709"/>
+            </a:xfrm>
+            <a:prstGeom prst="ellipse">
+              <a:avLst/>
+            </a:prstGeom>
+            <a:solidFill>
+              <a:srgbClr val="92D050"/>
+            </a:solidFill>
+            <a:ln>
+              <a:solidFill>
+                <a:schemeClr val="tx1"/>
+              </a:solidFill>
+            </a:ln>
+          </p:spPr>
+          <p:style>
+            <a:lnRef idx="2">
+              <a:schemeClr val="accent1">
+                <a:shade val="50000"/>
+              </a:schemeClr>
+            </a:lnRef>
+            <a:fillRef idx="1">
+              <a:schemeClr val="accent1"/>
+            </a:fillRef>
+            <a:effectRef idx="0">
+              <a:schemeClr val="accent1"/>
+            </a:effectRef>
+            <a:fontRef idx="minor">
+              <a:schemeClr val="lt1"/>
+            </a:fontRef>
+          </p:style>
+          <p:txBody>
+            <a:bodyPr rtlCol="0" anchor="ctr"/>
+            <a:lstStyle/>
+            <a:p>
+              <a:pPr algn="ctr"/>
+              <a:endParaRPr lang="en-US" dirty="0">
+                <a:solidFill>
+                  <a:schemeClr val="tx1"/>
+                </a:solidFill>
+              </a:endParaRPr>
+            </a:p>
+          </p:txBody>
+        </p:sp>
+        <p:sp>
+          <p:nvSpPr>
+            <p:cNvPr id="122" name="TextBox 121"/>
+            <p:cNvSpPr txBox="1"/>
+            <p:nvPr/>
+          </p:nvSpPr>
+          <p:spPr>
+            <a:xfrm>
+              <a:off x="5081939" y="3322063"/>
+              <a:ext cx="403218" cy="729444"/>
+            </a:xfrm>
+            <a:prstGeom prst="rect">
+              <a:avLst/>
+            </a:prstGeom>
+            <a:noFill/>
+          </p:spPr>
+          <p:txBody>
+            <a:bodyPr wrap="none" rtlCol="0">
+              <a:spAutoFit/>
+            </a:bodyPr>
+            <a:lstStyle/>
+            <a:p>
+              <a:r>
+                <a:rPr lang="en-US" sz="2400" dirty="0" err="1" smtClean="0"/>
+                <a:t>i</a:t>
+              </a:r>
+              <a:endParaRPr lang="en-US" sz="2400" dirty="0"/>
+            </a:p>
+          </p:txBody>
+        </p:sp>
+      </p:grpSp>
+      <p:grpSp>
+        <p:nvGrpSpPr>
+          <p:cNvPr id="123" name="Group 122"/>
+          <p:cNvGrpSpPr/>
+          <p:nvPr/>
+        </p:nvGrpSpPr>
+        <p:grpSpPr>
+          <a:xfrm>
+            <a:off x="2917955" y="5033431"/>
+            <a:ext cx="339052" cy="461665"/>
+            <a:chOff x="5015693" y="3322063"/>
+            <a:chExt cx="535709" cy="729444"/>
+          </a:xfrm>
+        </p:grpSpPr>
+        <p:sp>
+          <p:nvSpPr>
+            <p:cNvPr id="124" name="Oval 123"/>
+            <p:cNvSpPr/>
+            <p:nvPr/>
+          </p:nvSpPr>
+          <p:spPr>
+            <a:xfrm>
+              <a:off x="5015693" y="3404906"/>
+              <a:ext cx="535709" cy="535709"/>
+            </a:xfrm>
+            <a:prstGeom prst="ellipse">
+              <a:avLst/>
+            </a:prstGeom>
+            <a:solidFill>
+              <a:srgbClr val="92D050"/>
+            </a:solidFill>
+            <a:ln>
+              <a:solidFill>
+                <a:schemeClr val="tx1"/>
+              </a:solidFill>
+            </a:ln>
+          </p:spPr>
+          <p:style>
+            <a:lnRef idx="2">
+              <a:schemeClr val="accent1">
+                <a:shade val="50000"/>
+              </a:schemeClr>
+            </a:lnRef>
+            <a:fillRef idx="1">
+              <a:schemeClr val="accent1"/>
+            </a:fillRef>
+            <a:effectRef idx="0">
+              <a:schemeClr val="accent1"/>
+            </a:effectRef>
+            <a:fontRef idx="minor">
+              <a:schemeClr val="lt1"/>
+            </a:fontRef>
+          </p:style>
+          <p:txBody>
+            <a:bodyPr rtlCol="0" anchor="ctr"/>
+            <a:lstStyle/>
+            <a:p>
+              <a:pPr algn="ctr"/>
+              <a:endParaRPr lang="en-US" dirty="0">
+                <a:solidFill>
+                  <a:schemeClr val="tx1"/>
+                </a:solidFill>
+              </a:endParaRPr>
+            </a:p>
+          </p:txBody>
+        </p:sp>
+        <p:sp>
+          <p:nvSpPr>
+            <p:cNvPr id="125" name="TextBox 124"/>
+            <p:cNvSpPr txBox="1"/>
+            <p:nvPr/>
+          </p:nvSpPr>
+          <p:spPr>
+            <a:xfrm>
+              <a:off x="5081939" y="3322063"/>
+              <a:ext cx="403218" cy="729444"/>
+            </a:xfrm>
+            <a:prstGeom prst="rect">
+              <a:avLst/>
+            </a:prstGeom>
+            <a:noFill/>
+          </p:spPr>
+          <p:txBody>
+            <a:bodyPr wrap="none" rtlCol="0">
+              <a:spAutoFit/>
+            </a:bodyPr>
+            <a:lstStyle/>
+            <a:p>
+              <a:r>
+                <a:rPr lang="en-US" sz="2400" dirty="0" err="1" smtClean="0"/>
+                <a:t>i</a:t>
+              </a:r>
+              <a:endParaRPr lang="en-US" sz="2400" dirty="0"/>
+            </a:p>
+          </p:txBody>
+        </p:sp>
+      </p:grpSp>
+      <p:grpSp>
+        <p:nvGrpSpPr>
+          <p:cNvPr id="126" name="Group 125"/>
+          <p:cNvGrpSpPr/>
+          <p:nvPr/>
+        </p:nvGrpSpPr>
+        <p:grpSpPr>
+          <a:xfrm>
+            <a:off x="2917955" y="6323263"/>
+            <a:ext cx="339052" cy="461665"/>
+            <a:chOff x="5015693" y="3322063"/>
+            <a:chExt cx="535709" cy="729444"/>
+          </a:xfrm>
+        </p:grpSpPr>
+        <p:sp>
+          <p:nvSpPr>
+            <p:cNvPr id="127" name="Oval 126"/>
+            <p:cNvSpPr/>
+            <p:nvPr/>
+          </p:nvSpPr>
+          <p:spPr>
+            <a:xfrm>
+              <a:off x="5015693" y="3404906"/>
+              <a:ext cx="535709" cy="535709"/>
+            </a:xfrm>
+            <a:prstGeom prst="ellipse">
+              <a:avLst/>
+            </a:prstGeom>
+            <a:solidFill>
+              <a:srgbClr val="92D050"/>
+            </a:solidFill>
+            <a:ln>
+              <a:solidFill>
+                <a:schemeClr val="tx1"/>
+              </a:solidFill>
+            </a:ln>
+          </p:spPr>
+          <p:style>
+            <a:lnRef idx="2">
+              <a:schemeClr val="accent1">
+                <a:shade val="50000"/>
+              </a:schemeClr>
+            </a:lnRef>
+            <a:fillRef idx="1">
+              <a:schemeClr val="accent1"/>
+            </a:fillRef>
+            <a:effectRef idx="0">
+              <a:schemeClr val="accent1"/>
+            </a:effectRef>
+            <a:fontRef idx="minor">
+              <a:schemeClr val="lt1"/>
+            </a:fontRef>
+          </p:style>
+          <p:txBody>
+            <a:bodyPr rtlCol="0" anchor="ctr"/>
+            <a:lstStyle/>
+            <a:p>
+              <a:pPr algn="ctr"/>
+              <a:endParaRPr lang="en-US" dirty="0">
+                <a:solidFill>
+                  <a:schemeClr val="tx1"/>
+                </a:solidFill>
+              </a:endParaRPr>
+            </a:p>
+          </p:txBody>
+        </p:sp>
+        <p:sp>
+          <p:nvSpPr>
+            <p:cNvPr id="128" name="TextBox 127"/>
+            <p:cNvSpPr txBox="1"/>
+            <p:nvPr/>
+          </p:nvSpPr>
+          <p:spPr>
+            <a:xfrm>
+              <a:off x="5081939" y="3322063"/>
+              <a:ext cx="403218" cy="729444"/>
+            </a:xfrm>
+            <a:prstGeom prst="rect">
+              <a:avLst/>
+            </a:prstGeom>
+            <a:noFill/>
+          </p:spPr>
+          <p:txBody>
+            <a:bodyPr wrap="none" rtlCol="0">
+              <a:spAutoFit/>
+            </a:bodyPr>
+            <a:lstStyle/>
+            <a:p>
+              <a:r>
+                <a:rPr lang="en-US" sz="2400" dirty="0" err="1" smtClean="0"/>
+                <a:t>i</a:t>
+              </a:r>
+              <a:endParaRPr lang="en-US" sz="2400" dirty="0"/>
+            </a:p>
+          </p:txBody>
+        </p:sp>
+      </p:grpSp>
+      <p:grpSp>
+        <p:nvGrpSpPr>
+          <p:cNvPr id="129" name="Group 128"/>
+          <p:cNvGrpSpPr/>
+          <p:nvPr/>
+        </p:nvGrpSpPr>
+        <p:grpSpPr>
+          <a:xfrm>
+            <a:off x="4505867" y="985214"/>
+            <a:ext cx="339052" cy="461665"/>
+            <a:chOff x="5015693" y="3322063"/>
+            <a:chExt cx="535709" cy="729444"/>
+          </a:xfrm>
+        </p:grpSpPr>
+        <p:sp>
+          <p:nvSpPr>
+            <p:cNvPr id="130" name="Oval 129"/>
+            <p:cNvSpPr/>
+            <p:nvPr/>
+          </p:nvSpPr>
+          <p:spPr>
+            <a:xfrm>
+              <a:off x="5015693" y="3404906"/>
+              <a:ext cx="535709" cy="535709"/>
+            </a:xfrm>
+            <a:prstGeom prst="ellipse">
+              <a:avLst/>
+            </a:prstGeom>
+            <a:solidFill>
+              <a:srgbClr val="92D050"/>
+            </a:solidFill>
+            <a:ln>
+              <a:solidFill>
+                <a:schemeClr val="tx1"/>
+              </a:solidFill>
+            </a:ln>
+          </p:spPr>
+          <p:style>
+            <a:lnRef idx="2">
+              <a:schemeClr val="accent1">
+                <a:shade val="50000"/>
+              </a:schemeClr>
+            </a:lnRef>
+            <a:fillRef idx="1">
+              <a:schemeClr val="accent1"/>
+            </a:fillRef>
+            <a:effectRef idx="0">
+              <a:schemeClr val="accent1"/>
+            </a:effectRef>
+            <a:fontRef idx="minor">
+              <a:schemeClr val="lt1"/>
+            </a:fontRef>
+          </p:style>
+          <p:txBody>
+            <a:bodyPr rtlCol="0" anchor="ctr"/>
+            <a:lstStyle/>
+            <a:p>
+              <a:pPr algn="ctr"/>
+              <a:endParaRPr lang="en-US" dirty="0">
+                <a:solidFill>
+                  <a:schemeClr val="tx1"/>
+                </a:solidFill>
+              </a:endParaRPr>
+            </a:p>
+          </p:txBody>
+        </p:sp>
+        <p:sp>
+          <p:nvSpPr>
+            <p:cNvPr id="131" name="TextBox 130"/>
+            <p:cNvSpPr txBox="1"/>
+            <p:nvPr/>
+          </p:nvSpPr>
+          <p:spPr>
+            <a:xfrm>
+              <a:off x="5081939" y="3322063"/>
+              <a:ext cx="403218" cy="729444"/>
+            </a:xfrm>
+            <a:prstGeom prst="rect">
+              <a:avLst/>
+            </a:prstGeom>
+            <a:noFill/>
+          </p:spPr>
+          <p:txBody>
+            <a:bodyPr wrap="none" rtlCol="0">
+              <a:spAutoFit/>
+            </a:bodyPr>
+            <a:lstStyle/>
+            <a:p>
+              <a:r>
+                <a:rPr lang="en-US" sz="2400" dirty="0" err="1" smtClean="0"/>
+                <a:t>i</a:t>
+              </a:r>
+              <a:endParaRPr lang="en-US" sz="2400" dirty="0"/>
+            </a:p>
+          </p:txBody>
+        </p:sp>
+      </p:grpSp>
+      <p:grpSp>
+        <p:nvGrpSpPr>
+          <p:cNvPr id="132" name="Group 131"/>
+          <p:cNvGrpSpPr/>
+          <p:nvPr/>
+        </p:nvGrpSpPr>
+        <p:grpSpPr>
+          <a:xfrm>
+            <a:off x="4505867" y="2334619"/>
+            <a:ext cx="339052" cy="461665"/>
+            <a:chOff x="5015693" y="3322063"/>
+            <a:chExt cx="535709" cy="729444"/>
+          </a:xfrm>
+        </p:grpSpPr>
+        <p:sp>
+          <p:nvSpPr>
+            <p:cNvPr id="133" name="Oval 132"/>
+            <p:cNvSpPr/>
+            <p:nvPr/>
+          </p:nvSpPr>
+          <p:spPr>
+            <a:xfrm>
+              <a:off x="5015693" y="3404906"/>
+              <a:ext cx="535709" cy="535709"/>
+            </a:xfrm>
+            <a:prstGeom prst="ellipse">
+              <a:avLst/>
+            </a:prstGeom>
+            <a:solidFill>
+              <a:srgbClr val="92D050"/>
+            </a:solidFill>
+            <a:ln>
+              <a:solidFill>
+                <a:schemeClr val="tx1"/>
+              </a:solidFill>
+            </a:ln>
+          </p:spPr>
+          <p:style>
+            <a:lnRef idx="2">
+              <a:schemeClr val="accent1">
+                <a:shade val="50000"/>
+              </a:schemeClr>
+            </a:lnRef>
+            <a:fillRef idx="1">
+              <a:schemeClr val="accent1"/>
+            </a:fillRef>
+            <a:effectRef idx="0">
+              <a:schemeClr val="accent1"/>
+            </a:effectRef>
+            <a:fontRef idx="minor">
+              <a:schemeClr val="lt1"/>
+            </a:fontRef>
+          </p:style>
+          <p:txBody>
+            <a:bodyPr rtlCol="0" anchor="ctr"/>
+            <a:lstStyle/>
+            <a:p>
+              <a:pPr algn="ctr"/>
+              <a:endParaRPr lang="en-US" dirty="0">
+                <a:solidFill>
+                  <a:schemeClr val="tx1"/>
+                </a:solidFill>
+              </a:endParaRPr>
+            </a:p>
+          </p:txBody>
+        </p:sp>
+        <p:sp>
+          <p:nvSpPr>
+            <p:cNvPr id="134" name="TextBox 133"/>
+            <p:cNvSpPr txBox="1"/>
+            <p:nvPr/>
+          </p:nvSpPr>
+          <p:spPr>
+            <a:xfrm>
+              <a:off x="5081939" y="3322063"/>
+              <a:ext cx="403218" cy="729444"/>
+            </a:xfrm>
+            <a:prstGeom prst="rect">
+              <a:avLst/>
+            </a:prstGeom>
+            <a:noFill/>
+          </p:spPr>
+          <p:txBody>
+            <a:bodyPr wrap="none" rtlCol="0">
+              <a:spAutoFit/>
+            </a:bodyPr>
+            <a:lstStyle/>
+            <a:p>
+              <a:r>
+                <a:rPr lang="en-US" sz="2400" dirty="0" err="1" smtClean="0"/>
+                <a:t>i</a:t>
+              </a:r>
+              <a:endParaRPr lang="en-US" sz="2400" dirty="0"/>
+            </a:p>
+          </p:txBody>
+        </p:sp>
+      </p:grpSp>
+      <p:grpSp>
+        <p:nvGrpSpPr>
+          <p:cNvPr id="135" name="Group 134"/>
+          <p:cNvGrpSpPr/>
+          <p:nvPr/>
+        </p:nvGrpSpPr>
+        <p:grpSpPr>
+          <a:xfrm>
+            <a:off x="4505867" y="3666270"/>
+            <a:ext cx="339052" cy="461665"/>
+            <a:chOff x="5015693" y="3322063"/>
+            <a:chExt cx="535709" cy="729444"/>
+          </a:xfrm>
+        </p:grpSpPr>
+        <p:sp>
+          <p:nvSpPr>
+            <p:cNvPr id="136" name="Oval 135"/>
+            <p:cNvSpPr/>
+            <p:nvPr/>
+          </p:nvSpPr>
+          <p:spPr>
+            <a:xfrm>
+              <a:off x="5015693" y="3404906"/>
+              <a:ext cx="535709" cy="535709"/>
+            </a:xfrm>
+            <a:prstGeom prst="ellipse">
+              <a:avLst/>
+            </a:prstGeom>
+            <a:solidFill>
+              <a:srgbClr val="92D050"/>
+            </a:solidFill>
+            <a:ln>
+              <a:solidFill>
+                <a:schemeClr val="tx1"/>
+              </a:solidFill>
+            </a:ln>
+          </p:spPr>
+          <p:style>
+            <a:lnRef idx="2">
+              <a:schemeClr val="accent1">
+                <a:shade val="50000"/>
+              </a:schemeClr>
+            </a:lnRef>
+            <a:fillRef idx="1">
+              <a:schemeClr val="accent1"/>
+            </a:fillRef>
+            <a:effectRef idx="0">
+              <a:schemeClr val="accent1"/>
+            </a:effectRef>
+            <a:fontRef idx="minor">
+              <a:schemeClr val="lt1"/>
+            </a:fontRef>
+          </p:style>
+          <p:txBody>
+            <a:bodyPr rtlCol="0" anchor="ctr"/>
+            <a:lstStyle/>
+            <a:p>
+              <a:pPr algn="ctr"/>
+              <a:endParaRPr lang="en-US" dirty="0">
+                <a:solidFill>
+                  <a:schemeClr val="tx1"/>
+                </a:solidFill>
+              </a:endParaRPr>
+            </a:p>
+          </p:txBody>
+        </p:sp>
+        <p:sp>
+          <p:nvSpPr>
+            <p:cNvPr id="137" name="TextBox 136"/>
+            <p:cNvSpPr txBox="1"/>
+            <p:nvPr/>
+          </p:nvSpPr>
+          <p:spPr>
+            <a:xfrm>
+              <a:off x="5081939" y="3322063"/>
+              <a:ext cx="403218" cy="729444"/>
+            </a:xfrm>
+            <a:prstGeom prst="rect">
+              <a:avLst/>
+            </a:prstGeom>
+            <a:noFill/>
+          </p:spPr>
+          <p:txBody>
+            <a:bodyPr wrap="none" rtlCol="0">
+              <a:spAutoFit/>
+            </a:bodyPr>
+            <a:lstStyle/>
+            <a:p>
+              <a:r>
+                <a:rPr lang="en-US" sz="2400" dirty="0" err="1" smtClean="0"/>
+                <a:t>i</a:t>
+              </a:r>
+              <a:endParaRPr lang="en-US" sz="2400" dirty="0"/>
+            </a:p>
+          </p:txBody>
+        </p:sp>
+      </p:grpSp>
+      <p:grpSp>
+        <p:nvGrpSpPr>
+          <p:cNvPr id="138" name="Group 137"/>
+          <p:cNvGrpSpPr/>
+          <p:nvPr/>
+        </p:nvGrpSpPr>
+        <p:grpSpPr>
+          <a:xfrm>
+            <a:off x="4505867" y="5033431"/>
+            <a:ext cx="339052" cy="461665"/>
+            <a:chOff x="5015693" y="3322063"/>
+            <a:chExt cx="535709" cy="729444"/>
+          </a:xfrm>
+        </p:grpSpPr>
+        <p:sp>
+          <p:nvSpPr>
+            <p:cNvPr id="139" name="Oval 138"/>
+            <p:cNvSpPr/>
+            <p:nvPr/>
+          </p:nvSpPr>
+          <p:spPr>
+            <a:xfrm>
+              <a:off x="5015693" y="3404906"/>
+              <a:ext cx="535709" cy="535709"/>
+            </a:xfrm>
+            <a:prstGeom prst="ellipse">
+              <a:avLst/>
+            </a:prstGeom>
+            <a:solidFill>
+              <a:srgbClr val="92D050"/>
+            </a:solidFill>
+            <a:ln>
+              <a:solidFill>
+                <a:schemeClr val="tx1"/>
+              </a:solidFill>
+            </a:ln>
+          </p:spPr>
+          <p:style>
+            <a:lnRef idx="2">
+              <a:schemeClr val="accent1">
+                <a:shade val="50000"/>
+              </a:schemeClr>
+            </a:lnRef>
+            <a:fillRef idx="1">
+              <a:schemeClr val="accent1"/>
+            </a:fillRef>
+            <a:effectRef idx="0">
+              <a:schemeClr val="accent1"/>
+            </a:effectRef>
+            <a:fontRef idx="minor">
+              <a:schemeClr val="lt1"/>
+            </a:fontRef>
+          </p:style>
+          <p:txBody>
+            <a:bodyPr rtlCol="0" anchor="ctr"/>
+            <a:lstStyle/>
+            <a:p>
+              <a:pPr algn="ctr"/>
+              <a:endParaRPr lang="en-US" dirty="0">
+                <a:solidFill>
+                  <a:schemeClr val="tx1"/>
+                </a:solidFill>
+              </a:endParaRPr>
+            </a:p>
+          </p:txBody>
+        </p:sp>
+        <p:sp>
+          <p:nvSpPr>
+            <p:cNvPr id="140" name="TextBox 139"/>
+            <p:cNvSpPr txBox="1"/>
+            <p:nvPr/>
+          </p:nvSpPr>
+          <p:spPr>
+            <a:xfrm>
+              <a:off x="5081939" y="3322063"/>
+              <a:ext cx="403218" cy="729444"/>
+            </a:xfrm>
+            <a:prstGeom prst="rect">
+              <a:avLst/>
+            </a:prstGeom>
+            <a:noFill/>
+          </p:spPr>
+          <p:txBody>
+            <a:bodyPr wrap="none" rtlCol="0">
+              <a:spAutoFit/>
+            </a:bodyPr>
+            <a:lstStyle/>
+            <a:p>
+              <a:r>
+                <a:rPr lang="en-US" sz="2400" dirty="0" err="1" smtClean="0"/>
+                <a:t>i</a:t>
+              </a:r>
+              <a:endParaRPr lang="en-US" sz="2400" dirty="0"/>
+            </a:p>
+          </p:txBody>
+        </p:sp>
+      </p:grpSp>
+      <p:grpSp>
+        <p:nvGrpSpPr>
+          <p:cNvPr id="141" name="Group 140"/>
+          <p:cNvGrpSpPr/>
+          <p:nvPr/>
+        </p:nvGrpSpPr>
+        <p:grpSpPr>
+          <a:xfrm>
+            <a:off x="4505867" y="6323263"/>
+            <a:ext cx="339052" cy="461665"/>
+            <a:chOff x="5015693" y="3322063"/>
+            <a:chExt cx="535709" cy="729444"/>
+          </a:xfrm>
+        </p:grpSpPr>
+        <p:sp>
+          <p:nvSpPr>
+            <p:cNvPr id="142" name="Oval 141"/>
+            <p:cNvSpPr/>
+            <p:nvPr/>
+          </p:nvSpPr>
+          <p:spPr>
+            <a:xfrm>
+              <a:off x="5015693" y="3404906"/>
+              <a:ext cx="535709" cy="535709"/>
+            </a:xfrm>
+            <a:prstGeom prst="ellipse">
+              <a:avLst/>
+            </a:prstGeom>
+            <a:solidFill>
+              <a:srgbClr val="92D050"/>
+            </a:solidFill>
+            <a:ln>
+              <a:solidFill>
+                <a:schemeClr val="tx1"/>
+              </a:solidFill>
+            </a:ln>
+          </p:spPr>
+          <p:style>
+            <a:lnRef idx="2">
+              <a:schemeClr val="accent1">
+                <a:shade val="50000"/>
+              </a:schemeClr>
+            </a:lnRef>
+            <a:fillRef idx="1">
+              <a:schemeClr val="accent1"/>
+            </a:fillRef>
+            <a:effectRef idx="0">
+              <a:schemeClr val="accent1"/>
+            </a:effectRef>
+            <a:fontRef idx="minor">
+              <a:schemeClr val="lt1"/>
+            </a:fontRef>
+          </p:style>
+          <p:txBody>
+            <a:bodyPr rtlCol="0" anchor="ctr"/>
+            <a:lstStyle/>
+            <a:p>
+              <a:pPr algn="ctr"/>
+              <a:endParaRPr lang="en-US" dirty="0">
+                <a:solidFill>
+                  <a:schemeClr val="tx1"/>
+                </a:solidFill>
+              </a:endParaRPr>
+            </a:p>
+          </p:txBody>
+        </p:sp>
+        <p:sp>
+          <p:nvSpPr>
+            <p:cNvPr id="143" name="TextBox 142"/>
+            <p:cNvSpPr txBox="1"/>
+            <p:nvPr/>
+          </p:nvSpPr>
+          <p:spPr>
+            <a:xfrm>
+              <a:off x="5081939" y="3322063"/>
+              <a:ext cx="403218" cy="729444"/>
+            </a:xfrm>
+            <a:prstGeom prst="rect">
+              <a:avLst/>
+            </a:prstGeom>
+            <a:noFill/>
+          </p:spPr>
+          <p:txBody>
+            <a:bodyPr wrap="none" rtlCol="0">
+              <a:spAutoFit/>
+            </a:bodyPr>
+            <a:lstStyle/>
+            <a:p>
+              <a:r>
+                <a:rPr lang="en-US" sz="2400" dirty="0" err="1" smtClean="0"/>
+                <a:t>i</a:t>
+              </a:r>
+              <a:endParaRPr lang="en-US" sz="2400" dirty="0"/>
+            </a:p>
+          </p:txBody>
+        </p:sp>
+      </p:grpSp>
+      <p:grpSp>
+        <p:nvGrpSpPr>
+          <p:cNvPr id="144" name="Group 143"/>
+          <p:cNvGrpSpPr/>
+          <p:nvPr/>
+        </p:nvGrpSpPr>
+        <p:grpSpPr>
+          <a:xfrm>
+            <a:off x="6014020" y="985214"/>
+            <a:ext cx="339052" cy="461665"/>
+            <a:chOff x="5015693" y="3322063"/>
+            <a:chExt cx="535709" cy="729444"/>
+          </a:xfrm>
+        </p:grpSpPr>
+        <p:sp>
+          <p:nvSpPr>
+            <p:cNvPr id="145" name="Oval 144"/>
+            <p:cNvSpPr/>
+            <p:nvPr/>
+          </p:nvSpPr>
+          <p:spPr>
+            <a:xfrm>
+              <a:off x="5015693" y="3404906"/>
+              <a:ext cx="535709" cy="535709"/>
+            </a:xfrm>
+            <a:prstGeom prst="ellipse">
+              <a:avLst/>
+            </a:prstGeom>
+            <a:solidFill>
+              <a:srgbClr val="92D050"/>
+            </a:solidFill>
+            <a:ln>
+              <a:solidFill>
+                <a:schemeClr val="tx1"/>
+              </a:solidFill>
+            </a:ln>
+          </p:spPr>
+          <p:style>
+            <a:lnRef idx="2">
+              <a:schemeClr val="accent1">
+                <a:shade val="50000"/>
+              </a:schemeClr>
+            </a:lnRef>
+            <a:fillRef idx="1">
+              <a:schemeClr val="accent1"/>
+            </a:fillRef>
+            <a:effectRef idx="0">
+              <a:schemeClr val="accent1"/>
+            </a:effectRef>
+            <a:fontRef idx="minor">
+              <a:schemeClr val="lt1"/>
+            </a:fontRef>
+          </p:style>
+          <p:txBody>
+            <a:bodyPr rtlCol="0" anchor="ctr"/>
+            <a:lstStyle/>
+            <a:p>
+              <a:pPr algn="ctr"/>
+              <a:endParaRPr lang="en-US" dirty="0">
+                <a:solidFill>
+                  <a:schemeClr val="tx1"/>
+                </a:solidFill>
+              </a:endParaRPr>
+            </a:p>
+          </p:txBody>
+        </p:sp>
+        <p:sp>
+          <p:nvSpPr>
+            <p:cNvPr id="146" name="TextBox 145"/>
+            <p:cNvSpPr txBox="1"/>
+            <p:nvPr/>
+          </p:nvSpPr>
+          <p:spPr>
+            <a:xfrm>
+              <a:off x="5081939" y="3322063"/>
+              <a:ext cx="403218" cy="729444"/>
+            </a:xfrm>
+            <a:prstGeom prst="rect">
+              <a:avLst/>
+            </a:prstGeom>
+            <a:noFill/>
+          </p:spPr>
+          <p:txBody>
+            <a:bodyPr wrap="none" rtlCol="0">
+              <a:spAutoFit/>
+            </a:bodyPr>
+            <a:lstStyle/>
+            <a:p>
+              <a:r>
+                <a:rPr lang="en-US" sz="2400" dirty="0" err="1" smtClean="0"/>
+                <a:t>i</a:t>
+              </a:r>
+              <a:endParaRPr lang="en-US" sz="2400" dirty="0"/>
+            </a:p>
+          </p:txBody>
+        </p:sp>
+      </p:grpSp>
+      <p:grpSp>
+        <p:nvGrpSpPr>
+          <p:cNvPr id="147" name="Group 146"/>
+          <p:cNvGrpSpPr/>
+          <p:nvPr/>
+        </p:nvGrpSpPr>
+        <p:grpSpPr>
+          <a:xfrm>
+            <a:off x="6014020" y="2334619"/>
+            <a:ext cx="339052" cy="461665"/>
+            <a:chOff x="5015693" y="3322063"/>
+            <a:chExt cx="535709" cy="729444"/>
+          </a:xfrm>
+        </p:grpSpPr>
+        <p:sp>
+          <p:nvSpPr>
+            <p:cNvPr id="148" name="Oval 147"/>
+            <p:cNvSpPr/>
+            <p:nvPr/>
+          </p:nvSpPr>
+          <p:spPr>
+            <a:xfrm>
+              <a:off x="5015693" y="3404906"/>
+              <a:ext cx="535709" cy="535709"/>
+            </a:xfrm>
+            <a:prstGeom prst="ellipse">
+              <a:avLst/>
+            </a:prstGeom>
+            <a:solidFill>
+              <a:srgbClr val="92D050"/>
+            </a:solidFill>
+            <a:ln>
+              <a:solidFill>
+                <a:schemeClr val="tx1"/>
+              </a:solidFill>
+            </a:ln>
+          </p:spPr>
+          <p:style>
+            <a:lnRef idx="2">
+              <a:schemeClr val="accent1">
+                <a:shade val="50000"/>
+              </a:schemeClr>
+            </a:lnRef>
+            <a:fillRef idx="1">
+              <a:schemeClr val="accent1"/>
+            </a:fillRef>
+            <a:effectRef idx="0">
+              <a:schemeClr val="accent1"/>
+            </a:effectRef>
+            <a:fontRef idx="minor">
+              <a:schemeClr val="lt1"/>
+            </a:fontRef>
+          </p:style>
+          <p:txBody>
+            <a:bodyPr rtlCol="0" anchor="ctr"/>
+            <a:lstStyle/>
+            <a:p>
+              <a:pPr algn="ctr"/>
+              <a:endParaRPr lang="en-US" dirty="0">
+                <a:solidFill>
+                  <a:schemeClr val="tx1"/>
+                </a:solidFill>
+              </a:endParaRPr>
+            </a:p>
+          </p:txBody>
+        </p:sp>
+        <p:sp>
+          <p:nvSpPr>
+            <p:cNvPr id="149" name="TextBox 148"/>
+            <p:cNvSpPr txBox="1"/>
+            <p:nvPr/>
+          </p:nvSpPr>
+          <p:spPr>
+            <a:xfrm>
+              <a:off x="5081939" y="3322063"/>
+              <a:ext cx="403218" cy="729444"/>
+            </a:xfrm>
+            <a:prstGeom prst="rect">
+              <a:avLst/>
+            </a:prstGeom>
+            <a:noFill/>
+          </p:spPr>
+          <p:txBody>
+            <a:bodyPr wrap="none" rtlCol="0">
+              <a:spAutoFit/>
+            </a:bodyPr>
+            <a:lstStyle/>
+            <a:p>
+              <a:r>
+                <a:rPr lang="en-US" sz="2400" dirty="0" err="1" smtClean="0"/>
+                <a:t>i</a:t>
+              </a:r>
+              <a:endParaRPr lang="en-US" sz="2400" dirty="0"/>
+            </a:p>
+          </p:txBody>
+        </p:sp>
+      </p:grpSp>
+      <p:grpSp>
+        <p:nvGrpSpPr>
+          <p:cNvPr id="150" name="Group 149"/>
+          <p:cNvGrpSpPr/>
+          <p:nvPr/>
+        </p:nvGrpSpPr>
+        <p:grpSpPr>
+          <a:xfrm>
+            <a:off x="6014020" y="3666270"/>
+            <a:ext cx="339052" cy="461665"/>
+            <a:chOff x="5015693" y="3322063"/>
+            <a:chExt cx="535709" cy="729444"/>
+          </a:xfrm>
+        </p:grpSpPr>
+        <p:sp>
+          <p:nvSpPr>
+            <p:cNvPr id="151" name="Oval 150"/>
+            <p:cNvSpPr/>
+            <p:nvPr/>
+          </p:nvSpPr>
+          <p:spPr>
+            <a:xfrm>
+              <a:off x="5015693" y="3404906"/>
+              <a:ext cx="535709" cy="535709"/>
+            </a:xfrm>
+            <a:prstGeom prst="ellipse">
+              <a:avLst/>
+            </a:prstGeom>
+            <a:solidFill>
+              <a:srgbClr val="92D050"/>
+            </a:solidFill>
+            <a:ln>
+              <a:solidFill>
+                <a:schemeClr val="tx1"/>
+              </a:solidFill>
+            </a:ln>
+          </p:spPr>
+          <p:style>
+            <a:lnRef idx="2">
+              <a:schemeClr val="accent1">
+                <a:shade val="50000"/>
+              </a:schemeClr>
+            </a:lnRef>
+            <a:fillRef idx="1">
+              <a:schemeClr val="accent1"/>
+            </a:fillRef>
+            <a:effectRef idx="0">
+              <a:schemeClr val="accent1"/>
+            </a:effectRef>
+            <a:fontRef idx="minor">
+              <a:schemeClr val="lt1"/>
+            </a:fontRef>
+          </p:style>
+          <p:txBody>
+            <a:bodyPr rtlCol="0" anchor="ctr"/>
+            <a:lstStyle/>
+            <a:p>
+              <a:pPr algn="ctr"/>
+              <a:endParaRPr lang="en-US" dirty="0">
+                <a:solidFill>
+                  <a:schemeClr val="tx1"/>
+                </a:solidFill>
+              </a:endParaRPr>
+            </a:p>
+          </p:txBody>
+        </p:sp>
+        <p:sp>
+          <p:nvSpPr>
+            <p:cNvPr id="152" name="TextBox 151"/>
+            <p:cNvSpPr txBox="1"/>
+            <p:nvPr/>
+          </p:nvSpPr>
+          <p:spPr>
+            <a:xfrm>
+              <a:off x="5081939" y="3322063"/>
+              <a:ext cx="403218" cy="729444"/>
+            </a:xfrm>
+            <a:prstGeom prst="rect">
+              <a:avLst/>
+            </a:prstGeom>
+            <a:noFill/>
+          </p:spPr>
+          <p:txBody>
+            <a:bodyPr wrap="none" rtlCol="0">
+              <a:spAutoFit/>
+            </a:bodyPr>
+            <a:lstStyle/>
+            <a:p>
+              <a:r>
+                <a:rPr lang="en-US" sz="2400" dirty="0" err="1" smtClean="0"/>
+                <a:t>i</a:t>
+              </a:r>
+              <a:endParaRPr lang="en-US" sz="2400" dirty="0"/>
+            </a:p>
+          </p:txBody>
+        </p:sp>
+      </p:grpSp>
+      <p:grpSp>
+        <p:nvGrpSpPr>
+          <p:cNvPr id="153" name="Group 152"/>
+          <p:cNvGrpSpPr/>
+          <p:nvPr/>
+        </p:nvGrpSpPr>
+        <p:grpSpPr>
+          <a:xfrm>
+            <a:off x="6014020" y="5033431"/>
+            <a:ext cx="339052" cy="461665"/>
+            <a:chOff x="5015693" y="3322063"/>
+            <a:chExt cx="535709" cy="729444"/>
+          </a:xfrm>
+        </p:grpSpPr>
+        <p:sp>
+          <p:nvSpPr>
+            <p:cNvPr id="154" name="Oval 153"/>
+            <p:cNvSpPr/>
+            <p:nvPr/>
+          </p:nvSpPr>
+          <p:spPr>
+            <a:xfrm>
+              <a:off x="5015693" y="3404906"/>
+              <a:ext cx="535709" cy="535709"/>
+            </a:xfrm>
+            <a:prstGeom prst="ellipse">
+              <a:avLst/>
+            </a:prstGeom>
+            <a:solidFill>
+              <a:srgbClr val="92D050"/>
+            </a:solidFill>
+            <a:ln>
+              <a:solidFill>
+                <a:schemeClr val="tx1"/>
+              </a:solidFill>
+            </a:ln>
+          </p:spPr>
+          <p:style>
+            <a:lnRef idx="2">
+              <a:schemeClr val="accent1">
+                <a:shade val="50000"/>
+              </a:schemeClr>
+            </a:lnRef>
+            <a:fillRef idx="1">
+              <a:schemeClr val="accent1"/>
+            </a:fillRef>
+            <a:effectRef idx="0">
+              <a:schemeClr val="accent1"/>
+            </a:effectRef>
+            <a:fontRef idx="minor">
+              <a:schemeClr val="lt1"/>
+            </a:fontRef>
+          </p:style>
+          <p:txBody>
+            <a:bodyPr rtlCol="0" anchor="ctr"/>
+            <a:lstStyle/>
+            <a:p>
+              <a:pPr algn="ctr"/>
+              <a:endParaRPr lang="en-US" dirty="0">
+                <a:solidFill>
+                  <a:schemeClr val="tx1"/>
+                </a:solidFill>
+              </a:endParaRPr>
+            </a:p>
+          </p:txBody>
+        </p:sp>
+        <p:sp>
+          <p:nvSpPr>
+            <p:cNvPr id="155" name="TextBox 154"/>
+            <p:cNvSpPr txBox="1"/>
+            <p:nvPr/>
+          </p:nvSpPr>
+          <p:spPr>
+            <a:xfrm>
+              <a:off x="5081939" y="3322063"/>
+              <a:ext cx="403218" cy="729444"/>
+            </a:xfrm>
+            <a:prstGeom prst="rect">
+              <a:avLst/>
+            </a:prstGeom>
+            <a:noFill/>
+          </p:spPr>
+          <p:txBody>
+            <a:bodyPr wrap="none" rtlCol="0">
+              <a:spAutoFit/>
+            </a:bodyPr>
+            <a:lstStyle/>
+            <a:p>
+              <a:r>
+                <a:rPr lang="en-US" sz="2400" dirty="0" err="1" smtClean="0"/>
+                <a:t>i</a:t>
+              </a:r>
+              <a:endParaRPr lang="en-US" sz="2400" dirty="0"/>
+            </a:p>
+          </p:txBody>
+        </p:sp>
+      </p:grpSp>
+      <p:grpSp>
+        <p:nvGrpSpPr>
+          <p:cNvPr id="156" name="Group 155"/>
+          <p:cNvGrpSpPr/>
+          <p:nvPr/>
+        </p:nvGrpSpPr>
+        <p:grpSpPr>
+          <a:xfrm>
+            <a:off x="5919764" y="6323263"/>
+            <a:ext cx="339052" cy="461665"/>
+            <a:chOff x="5015693" y="3322063"/>
+            <a:chExt cx="535709" cy="729444"/>
+          </a:xfrm>
+        </p:grpSpPr>
+        <p:sp>
+          <p:nvSpPr>
+            <p:cNvPr id="157" name="Oval 156"/>
+            <p:cNvSpPr/>
+            <p:nvPr/>
+          </p:nvSpPr>
+          <p:spPr>
+            <a:xfrm>
+              <a:off x="5015693" y="3404906"/>
+              <a:ext cx="535709" cy="535709"/>
+            </a:xfrm>
+            <a:prstGeom prst="ellipse">
+              <a:avLst/>
+            </a:prstGeom>
+            <a:solidFill>
+              <a:srgbClr val="92D050"/>
+            </a:solidFill>
+            <a:ln>
+              <a:solidFill>
+                <a:schemeClr val="tx1"/>
+              </a:solidFill>
+            </a:ln>
+          </p:spPr>
+          <p:style>
+            <a:lnRef idx="2">
+              <a:schemeClr val="accent1">
+                <a:shade val="50000"/>
+              </a:schemeClr>
+            </a:lnRef>
+            <a:fillRef idx="1">
+              <a:schemeClr val="accent1"/>
+            </a:fillRef>
+            <a:effectRef idx="0">
+              <a:schemeClr val="accent1"/>
+            </a:effectRef>
+            <a:fontRef idx="minor">
+              <a:schemeClr val="lt1"/>
+            </a:fontRef>
+          </p:style>
+          <p:txBody>
+            <a:bodyPr rtlCol="0" anchor="ctr"/>
+            <a:lstStyle/>
+            <a:p>
+              <a:pPr algn="ctr"/>
+              <a:endParaRPr lang="en-US" dirty="0">
+                <a:solidFill>
+                  <a:schemeClr val="tx1"/>
+                </a:solidFill>
+              </a:endParaRPr>
+            </a:p>
+          </p:txBody>
+        </p:sp>
+        <p:sp>
+          <p:nvSpPr>
+            <p:cNvPr id="158" name="TextBox 157"/>
+            <p:cNvSpPr txBox="1"/>
+            <p:nvPr/>
+          </p:nvSpPr>
+          <p:spPr>
+            <a:xfrm>
+              <a:off x="5081939" y="3322063"/>
+              <a:ext cx="403218" cy="729444"/>
+            </a:xfrm>
+            <a:prstGeom prst="rect">
+              <a:avLst/>
+            </a:prstGeom>
+            <a:noFill/>
+          </p:spPr>
+          <p:txBody>
+            <a:bodyPr wrap="none" rtlCol="0">
+              <a:spAutoFit/>
+            </a:bodyPr>
+            <a:lstStyle/>
+            <a:p>
+              <a:r>
+                <a:rPr lang="en-US" sz="2400" dirty="0" err="1" smtClean="0"/>
+                <a:t>i</a:t>
+              </a:r>
+              <a:endParaRPr lang="en-US" sz="2400" dirty="0"/>
+            </a:p>
+          </p:txBody>
+        </p:sp>
+      </p:grpSp>
+      <p:grpSp>
+        <p:nvGrpSpPr>
+          <p:cNvPr id="159" name="Group 158"/>
+          <p:cNvGrpSpPr/>
+          <p:nvPr/>
+        </p:nvGrpSpPr>
+        <p:grpSpPr>
+          <a:xfrm>
+            <a:off x="7457185" y="945266"/>
+            <a:ext cx="339052" cy="461665"/>
+            <a:chOff x="5015693" y="3322063"/>
+            <a:chExt cx="535709" cy="729444"/>
+          </a:xfrm>
+        </p:grpSpPr>
+        <p:sp>
+          <p:nvSpPr>
+            <p:cNvPr id="160" name="Oval 159"/>
+            <p:cNvSpPr/>
+            <p:nvPr/>
+          </p:nvSpPr>
+          <p:spPr>
+            <a:xfrm>
+              <a:off x="5015693" y="3404906"/>
+              <a:ext cx="535709" cy="535709"/>
+            </a:xfrm>
+            <a:prstGeom prst="ellipse">
+              <a:avLst/>
+            </a:prstGeom>
+            <a:solidFill>
+              <a:srgbClr val="92D050"/>
+            </a:solidFill>
+            <a:ln>
+              <a:solidFill>
+                <a:schemeClr val="tx1"/>
+              </a:solidFill>
+            </a:ln>
+          </p:spPr>
+          <p:style>
+            <a:lnRef idx="2">
+              <a:schemeClr val="accent1">
+                <a:shade val="50000"/>
+              </a:schemeClr>
+            </a:lnRef>
+            <a:fillRef idx="1">
+              <a:schemeClr val="accent1"/>
+            </a:fillRef>
+            <a:effectRef idx="0">
+              <a:schemeClr val="accent1"/>
+            </a:effectRef>
+            <a:fontRef idx="minor">
+              <a:schemeClr val="lt1"/>
+            </a:fontRef>
+          </p:style>
+          <p:txBody>
+            <a:bodyPr rtlCol="0" anchor="ctr"/>
+            <a:lstStyle/>
+            <a:p>
+              <a:pPr algn="ctr"/>
+              <a:endParaRPr lang="en-US" dirty="0">
+                <a:solidFill>
+                  <a:schemeClr val="tx1"/>
+                </a:solidFill>
+              </a:endParaRPr>
+            </a:p>
+          </p:txBody>
+        </p:sp>
+        <p:sp>
+          <p:nvSpPr>
+            <p:cNvPr id="161" name="TextBox 160"/>
+            <p:cNvSpPr txBox="1"/>
+            <p:nvPr/>
+          </p:nvSpPr>
+          <p:spPr>
+            <a:xfrm>
+              <a:off x="5081939" y="3322063"/>
+              <a:ext cx="403218" cy="729444"/>
+            </a:xfrm>
+            <a:prstGeom prst="rect">
+              <a:avLst/>
+            </a:prstGeom>
+            <a:noFill/>
+          </p:spPr>
+          <p:txBody>
+            <a:bodyPr wrap="none" rtlCol="0">
+              <a:spAutoFit/>
+            </a:bodyPr>
+            <a:lstStyle/>
+            <a:p>
+              <a:r>
+                <a:rPr lang="en-US" sz="2400" dirty="0" err="1" smtClean="0"/>
+                <a:t>i</a:t>
+              </a:r>
+              <a:endParaRPr lang="en-US" sz="2400" dirty="0"/>
+            </a:p>
+          </p:txBody>
+        </p:sp>
+      </p:grpSp>
+      <p:grpSp>
+        <p:nvGrpSpPr>
+          <p:cNvPr id="162" name="Group 161"/>
+          <p:cNvGrpSpPr/>
+          <p:nvPr/>
+        </p:nvGrpSpPr>
+        <p:grpSpPr>
+          <a:xfrm>
+            <a:off x="7457185" y="2294671"/>
+            <a:ext cx="339052" cy="461665"/>
+            <a:chOff x="5015693" y="3322063"/>
+            <a:chExt cx="535709" cy="729444"/>
+          </a:xfrm>
+        </p:grpSpPr>
+        <p:sp>
+          <p:nvSpPr>
+            <p:cNvPr id="163" name="Oval 162"/>
+            <p:cNvSpPr/>
+            <p:nvPr/>
+          </p:nvSpPr>
+          <p:spPr>
+            <a:xfrm>
+              <a:off x="5015693" y="3404906"/>
+              <a:ext cx="535709" cy="535709"/>
+            </a:xfrm>
+            <a:prstGeom prst="ellipse">
+              <a:avLst/>
+            </a:prstGeom>
+            <a:solidFill>
+              <a:srgbClr val="92D050"/>
+            </a:solidFill>
+            <a:ln>
+              <a:solidFill>
+                <a:schemeClr val="tx1"/>
+              </a:solidFill>
+            </a:ln>
+          </p:spPr>
+          <p:style>
+            <a:lnRef idx="2">
+              <a:schemeClr val="accent1">
+                <a:shade val="50000"/>
+              </a:schemeClr>
+            </a:lnRef>
+            <a:fillRef idx="1">
+              <a:schemeClr val="accent1"/>
+            </a:fillRef>
+            <a:effectRef idx="0">
+              <a:schemeClr val="accent1"/>
+            </a:effectRef>
+            <a:fontRef idx="minor">
+              <a:schemeClr val="lt1"/>
+            </a:fontRef>
+          </p:style>
+          <p:txBody>
+            <a:bodyPr rtlCol="0" anchor="ctr"/>
+            <a:lstStyle/>
+            <a:p>
+              <a:pPr algn="ctr"/>
+              <a:endParaRPr lang="en-US" dirty="0">
+                <a:solidFill>
+                  <a:schemeClr val="tx1"/>
+                </a:solidFill>
+              </a:endParaRPr>
+            </a:p>
+          </p:txBody>
+        </p:sp>
+        <p:sp>
+          <p:nvSpPr>
+            <p:cNvPr id="164" name="TextBox 163"/>
+            <p:cNvSpPr txBox="1"/>
+            <p:nvPr/>
+          </p:nvSpPr>
+          <p:spPr>
+            <a:xfrm>
+              <a:off x="5081939" y="3322063"/>
+              <a:ext cx="403218" cy="729444"/>
+            </a:xfrm>
+            <a:prstGeom prst="rect">
+              <a:avLst/>
+            </a:prstGeom>
+            <a:noFill/>
+          </p:spPr>
+          <p:txBody>
+            <a:bodyPr wrap="none" rtlCol="0">
+              <a:spAutoFit/>
+            </a:bodyPr>
+            <a:lstStyle/>
+            <a:p>
+              <a:r>
+                <a:rPr lang="en-US" sz="2400" dirty="0" err="1" smtClean="0"/>
+                <a:t>i</a:t>
+              </a:r>
+              <a:endParaRPr lang="en-US" sz="2400" dirty="0"/>
+            </a:p>
+          </p:txBody>
+        </p:sp>
+      </p:grpSp>
+      <p:grpSp>
+        <p:nvGrpSpPr>
+          <p:cNvPr id="165" name="Group 164"/>
+          <p:cNvGrpSpPr/>
+          <p:nvPr/>
+        </p:nvGrpSpPr>
+        <p:grpSpPr>
+          <a:xfrm>
+            <a:off x="7457185" y="3626322"/>
+            <a:ext cx="339052" cy="461665"/>
+            <a:chOff x="5015693" y="3322063"/>
+            <a:chExt cx="535709" cy="729444"/>
+          </a:xfrm>
+        </p:grpSpPr>
+        <p:sp>
+          <p:nvSpPr>
+            <p:cNvPr id="166" name="Oval 165"/>
+            <p:cNvSpPr/>
+            <p:nvPr/>
+          </p:nvSpPr>
+          <p:spPr>
+            <a:xfrm>
+              <a:off x="5015693" y="3404906"/>
+              <a:ext cx="535709" cy="535709"/>
+            </a:xfrm>
+            <a:prstGeom prst="ellipse">
+              <a:avLst/>
+            </a:prstGeom>
+            <a:solidFill>
+              <a:srgbClr val="92D050"/>
+            </a:solidFill>
+            <a:ln>
+              <a:solidFill>
+                <a:schemeClr val="tx1"/>
+              </a:solidFill>
+            </a:ln>
+          </p:spPr>
+          <p:style>
+            <a:lnRef idx="2">
+              <a:schemeClr val="accent1">
+                <a:shade val="50000"/>
+              </a:schemeClr>
+            </a:lnRef>
+            <a:fillRef idx="1">
+              <a:schemeClr val="accent1"/>
+            </a:fillRef>
+            <a:effectRef idx="0">
+              <a:schemeClr val="accent1"/>
+            </a:effectRef>
+            <a:fontRef idx="minor">
+              <a:schemeClr val="lt1"/>
+            </a:fontRef>
+          </p:style>
+          <p:txBody>
+            <a:bodyPr rtlCol="0" anchor="ctr"/>
+            <a:lstStyle/>
+            <a:p>
+              <a:pPr algn="ctr"/>
+              <a:endParaRPr lang="en-US" dirty="0">
+                <a:solidFill>
+                  <a:schemeClr val="tx1"/>
+                </a:solidFill>
+              </a:endParaRPr>
+            </a:p>
+          </p:txBody>
+        </p:sp>
+        <p:sp>
+          <p:nvSpPr>
+            <p:cNvPr id="167" name="TextBox 166"/>
+            <p:cNvSpPr txBox="1"/>
+            <p:nvPr/>
+          </p:nvSpPr>
+          <p:spPr>
+            <a:xfrm>
+              <a:off x="5081939" y="3322063"/>
+              <a:ext cx="403218" cy="729444"/>
+            </a:xfrm>
+            <a:prstGeom prst="rect">
+              <a:avLst/>
+            </a:prstGeom>
+            <a:noFill/>
+          </p:spPr>
+          <p:txBody>
+            <a:bodyPr wrap="none" rtlCol="0">
+              <a:spAutoFit/>
+            </a:bodyPr>
+            <a:lstStyle/>
+            <a:p>
+              <a:r>
+                <a:rPr lang="en-US" sz="2400" dirty="0" err="1" smtClean="0"/>
+                <a:t>i</a:t>
+              </a:r>
+              <a:endParaRPr lang="en-US" sz="2400" dirty="0"/>
+            </a:p>
+          </p:txBody>
+        </p:sp>
+      </p:grpSp>
+      <p:grpSp>
+        <p:nvGrpSpPr>
+          <p:cNvPr id="168" name="Group 167"/>
+          <p:cNvGrpSpPr/>
+          <p:nvPr/>
+        </p:nvGrpSpPr>
+        <p:grpSpPr>
+          <a:xfrm>
+            <a:off x="7457185" y="4993483"/>
+            <a:ext cx="339052" cy="461665"/>
+            <a:chOff x="5015693" y="3322063"/>
+            <a:chExt cx="535709" cy="729444"/>
+          </a:xfrm>
+        </p:grpSpPr>
+        <p:sp>
+          <p:nvSpPr>
+            <p:cNvPr id="169" name="Oval 168"/>
+            <p:cNvSpPr/>
+            <p:nvPr/>
+          </p:nvSpPr>
+          <p:spPr>
+            <a:xfrm>
+              <a:off x="5015693" y="3404906"/>
+              <a:ext cx="535709" cy="535709"/>
+            </a:xfrm>
+            <a:prstGeom prst="ellipse">
+              <a:avLst/>
+            </a:prstGeom>
+            <a:solidFill>
+              <a:srgbClr val="92D050"/>
+            </a:solidFill>
+            <a:ln>
+              <a:solidFill>
+                <a:schemeClr val="tx1"/>
+              </a:solidFill>
+            </a:ln>
+          </p:spPr>
+          <p:style>
+            <a:lnRef idx="2">
+              <a:schemeClr val="accent1">
+                <a:shade val="50000"/>
+              </a:schemeClr>
+            </a:lnRef>
+            <a:fillRef idx="1">
+              <a:schemeClr val="accent1"/>
+            </a:fillRef>
+            <a:effectRef idx="0">
+              <a:schemeClr val="accent1"/>
+            </a:effectRef>
+            <a:fontRef idx="minor">
+              <a:schemeClr val="lt1"/>
+            </a:fontRef>
+          </p:style>
+          <p:txBody>
+            <a:bodyPr rtlCol="0" anchor="ctr"/>
+            <a:lstStyle/>
+            <a:p>
+              <a:pPr algn="ctr"/>
+              <a:endParaRPr lang="en-US" dirty="0">
+                <a:solidFill>
+                  <a:schemeClr val="tx1"/>
+                </a:solidFill>
+              </a:endParaRPr>
+            </a:p>
+          </p:txBody>
+        </p:sp>
+        <p:sp>
+          <p:nvSpPr>
+            <p:cNvPr id="170" name="TextBox 169"/>
+            <p:cNvSpPr txBox="1"/>
+            <p:nvPr/>
+          </p:nvSpPr>
+          <p:spPr>
+            <a:xfrm>
+              <a:off x="5081939" y="3322063"/>
+              <a:ext cx="403218" cy="729444"/>
+            </a:xfrm>
+            <a:prstGeom prst="rect">
+              <a:avLst/>
+            </a:prstGeom>
+            <a:noFill/>
+          </p:spPr>
+          <p:txBody>
+            <a:bodyPr wrap="none" rtlCol="0">
+              <a:spAutoFit/>
+            </a:bodyPr>
+            <a:lstStyle/>
+            <a:p>
+              <a:r>
+                <a:rPr lang="en-US" sz="2400" dirty="0" err="1" smtClean="0"/>
+                <a:t>i</a:t>
+              </a:r>
+              <a:endParaRPr lang="en-US" sz="2400" dirty="0"/>
+            </a:p>
+          </p:txBody>
+        </p:sp>
+      </p:grpSp>
+      <p:grpSp>
+        <p:nvGrpSpPr>
+          <p:cNvPr id="171" name="Group 170"/>
+          <p:cNvGrpSpPr/>
+          <p:nvPr/>
+        </p:nvGrpSpPr>
+        <p:grpSpPr>
+          <a:xfrm>
+            <a:off x="7457185" y="6283315"/>
+            <a:ext cx="339052" cy="461665"/>
+            <a:chOff x="5015693" y="3322063"/>
+            <a:chExt cx="535709" cy="729444"/>
+          </a:xfrm>
+        </p:grpSpPr>
+        <p:sp>
+          <p:nvSpPr>
+            <p:cNvPr id="172" name="Oval 171"/>
+            <p:cNvSpPr/>
+            <p:nvPr/>
+          </p:nvSpPr>
+          <p:spPr>
+            <a:xfrm>
+              <a:off x="5015693" y="3404906"/>
+              <a:ext cx="535709" cy="535709"/>
+            </a:xfrm>
+            <a:prstGeom prst="ellipse">
+              <a:avLst/>
+            </a:prstGeom>
+            <a:solidFill>
+              <a:srgbClr val="92D050"/>
+            </a:solidFill>
+            <a:ln>
+              <a:solidFill>
+                <a:schemeClr val="tx1"/>
+              </a:solidFill>
+            </a:ln>
+          </p:spPr>
+          <p:style>
+            <a:lnRef idx="2">
+              <a:schemeClr val="accent1">
+                <a:shade val="50000"/>
+              </a:schemeClr>
+            </a:lnRef>
+            <a:fillRef idx="1">
+              <a:schemeClr val="accent1"/>
+            </a:fillRef>
+            <a:effectRef idx="0">
+              <a:schemeClr val="accent1"/>
+            </a:effectRef>
+            <a:fontRef idx="minor">
+              <a:schemeClr val="lt1"/>
+            </a:fontRef>
+          </p:style>
+          <p:txBody>
+            <a:bodyPr rtlCol="0" anchor="ctr"/>
+            <a:lstStyle/>
+            <a:p>
+              <a:pPr algn="ctr"/>
+              <a:endParaRPr lang="en-US" dirty="0">
+                <a:solidFill>
+                  <a:schemeClr val="tx1"/>
+                </a:solidFill>
+              </a:endParaRPr>
+            </a:p>
+          </p:txBody>
+        </p:sp>
+        <p:sp>
+          <p:nvSpPr>
+            <p:cNvPr id="173" name="TextBox 172"/>
+            <p:cNvSpPr txBox="1"/>
+            <p:nvPr/>
+          </p:nvSpPr>
+          <p:spPr>
+            <a:xfrm>
+              <a:off x="5081939" y="3322063"/>
+              <a:ext cx="403218" cy="729444"/>
+            </a:xfrm>
+            <a:prstGeom prst="rect">
+              <a:avLst/>
+            </a:prstGeom>
+            <a:noFill/>
+          </p:spPr>
+          <p:txBody>
+            <a:bodyPr wrap="none" rtlCol="0">
+              <a:spAutoFit/>
+            </a:bodyPr>
+            <a:lstStyle/>
+            <a:p>
+              <a:r>
+                <a:rPr lang="en-US" sz="2400" dirty="0" err="1" smtClean="0"/>
+                <a:t>i</a:t>
+              </a:r>
+              <a:endParaRPr lang="en-US" sz="2400" dirty="0"/>
+            </a:p>
+          </p:txBody>
+        </p:sp>
+      </p:grpSp>
+      <p:sp>
+        <p:nvSpPr>
+          <p:cNvPr id="3" name="Rounded Rectangle 2"/>
           <p:cNvSpPr/>
           <p:nvPr/>
         </p:nvSpPr>
         <p:spPr>
           <a:xfrm>
-            <a:off x="3782578" y="1540814"/>
+            <a:off x="8935683" y="5998859"/>
+            <a:ext cx="1038687" cy="425268"/>
+          </a:xfrm>
+          <a:prstGeom prst="roundRect">
+            <a:avLst/>
+          </a:prstGeom>
+        </p:spPr>
+        <p:style>
+          <a:lnRef idx="2">
+            <a:schemeClr val="accent1">
+              <a:shade val="50000"/>
+            </a:schemeClr>
+          </a:lnRef>
+          <a:fillRef idx="1">
+            <a:schemeClr val="accent1"/>
+          </a:fillRef>
+          <a:effectRef idx="0">
+            <a:schemeClr val="accent1"/>
+          </a:effectRef>
+          <a:fontRef idx="minor">
+            <a:schemeClr val="lt1"/>
+          </a:fontRef>
+        </p:style>
+        <p:txBody>
+          <a:bodyPr rtlCol="0" anchor="ctr"/>
+          <a:lstStyle/>
+          <a:p>
+            <a:pPr algn="ctr"/>
+            <a:r>
+              <a:rPr lang="en-US" dirty="0" smtClean="0"/>
+              <a:t>Play!</a:t>
+            </a:r>
+            <a:endParaRPr lang="en-US" dirty="0"/>
+          </a:p>
+        </p:txBody>
+      </p:sp>
+      <p:sp>
+        <p:nvSpPr>
+          <p:cNvPr id="8" name="TextBox 7"/>
+          <p:cNvSpPr txBox="1"/>
+          <p:nvPr/>
+        </p:nvSpPr>
+        <p:spPr>
+          <a:xfrm>
+            <a:off x="8565168" y="5404542"/>
+            <a:ext cx="1781321" cy="369332"/>
+          </a:xfrm>
+          <a:prstGeom prst="rect">
+            <a:avLst/>
+          </a:prstGeom>
+          <a:noFill/>
+          <a:ln>
+            <a:solidFill>
+              <a:schemeClr val="tx1"/>
+            </a:solidFill>
+          </a:ln>
+        </p:spPr>
+        <p:txBody>
+          <a:bodyPr wrap="none" rtlCol="0">
+            <a:spAutoFit/>
+          </a:bodyPr>
+          <a:lstStyle/>
+          <a:p>
+            <a:r>
+              <a:rPr lang="en-US" dirty="0" smtClean="0"/>
+              <a:t>Cards In Game: 7</a:t>
+            </a:r>
+            <a:endParaRPr lang="en-US" dirty="0"/>
+          </a:p>
+        </p:txBody>
+      </p:sp>
+      <p:sp>
+        <p:nvSpPr>
+          <p:cNvPr id="183" name="Rectangle 182"/>
+          <p:cNvSpPr/>
+          <p:nvPr/>
+        </p:nvSpPr>
+        <p:spPr>
+          <a:xfrm>
+            <a:off x="7832382" y="5794244"/>
             <a:ext cx="417249" cy="417249"/>
           </a:xfrm>
           <a:prstGeom prst="rect">
@@ -10901,27 +13929,27 @@
       </p:sp>
       <p:grpSp>
         <p:nvGrpSpPr>
-          <p:cNvPr id="63" name="Group 62"/>
+          <p:cNvPr id="184" name="Group 183"/>
           <p:cNvGrpSpPr/>
           <p:nvPr/>
         </p:nvGrpSpPr>
         <p:grpSpPr>
           <a:xfrm>
-            <a:off x="3858101" y="1432399"/>
-            <a:ext cx="426739" cy="486569"/>
-            <a:chOff x="9193910" y="1037591"/>
-            <a:chExt cx="426739" cy="486569"/>
+            <a:off x="7881886" y="5678151"/>
+            <a:ext cx="417246" cy="486569"/>
+            <a:chOff x="9203403" y="1037591"/>
+            <a:chExt cx="417246" cy="486569"/>
           </a:xfrm>
         </p:grpSpPr>
         <p:cxnSp>
           <p:nvCxnSpPr>
-            <p:cNvPr id="65" name="Straight Connector 64"/>
+            <p:cNvPr id="185" name="Straight Connector 184"/>
             <p:cNvCxnSpPr/>
             <p:nvPr/>
           </p:nvCxnSpPr>
           <p:spPr>
             <a:xfrm>
-              <a:off x="9193910" y="1343556"/>
+              <a:off x="9203403" y="1354631"/>
               <a:ext cx="144783" cy="169529"/>
             </a:xfrm>
             <a:prstGeom prst="line">
@@ -10950,7 +13978,7 @@
         </p:cxnSp>
         <p:cxnSp>
           <p:nvCxnSpPr>
-            <p:cNvPr id="66" name="Straight Connector 65"/>
+            <p:cNvPr id="186" name="Straight Connector 185"/>
             <p:cNvCxnSpPr/>
             <p:nvPr/>
           </p:nvCxnSpPr>
@@ -10986,13 +14014,13 @@
       </p:grpSp>
       <p:sp>
         <p:nvSpPr>
-          <p:cNvPr id="67" name="Rectangle 66"/>
+          <p:cNvPr id="187" name="Rectangle 186"/>
           <p:cNvSpPr/>
           <p:nvPr/>
         </p:nvSpPr>
         <p:spPr>
           <a:xfrm>
-            <a:off x="3782578" y="2952801"/>
+            <a:off x="3358774" y="3209073"/>
             <a:ext cx="417249" cy="417249"/>
           </a:xfrm>
           <a:prstGeom prst="rect">
@@ -11032,15 +14060,100 @@
           </a:p>
         </p:txBody>
       </p:sp>
-      <p:sp>
-        <p:nvSpPr>
-          <p:cNvPr id="68" name="Rectangle 67"/>
+      <p:grpSp>
+        <p:nvGrpSpPr>
+          <p:cNvPr id="188" name="Group 187"/>
+          <p:cNvGrpSpPr/>
+          <p:nvPr/>
+        </p:nvGrpSpPr>
+        <p:grpSpPr>
+          <a:xfrm>
+            <a:off x="3394958" y="3039007"/>
+            <a:ext cx="417246" cy="486569"/>
+            <a:chOff x="9203403" y="1037591"/>
+            <a:chExt cx="417246" cy="486569"/>
+          </a:xfrm>
+        </p:grpSpPr>
+        <p:cxnSp>
+          <p:nvCxnSpPr>
+            <p:cNvPr id="189" name="Straight Connector 188"/>
+            <p:cNvCxnSpPr/>
+            <p:nvPr/>
+          </p:nvCxnSpPr>
+          <p:spPr>
+            <a:xfrm>
+              <a:off x="9203403" y="1354631"/>
+              <a:ext cx="144783" cy="169529"/>
+            </a:xfrm>
+            <a:prstGeom prst="line">
+              <a:avLst/>
+            </a:prstGeom>
+            <a:ln w="28575">
+              <a:solidFill>
+                <a:schemeClr val="tx1"/>
+              </a:solidFill>
+            </a:ln>
+          </p:spPr>
+          <p:style>
+            <a:lnRef idx="1">
+              <a:schemeClr val="accent1"/>
+            </a:lnRef>
+            <a:fillRef idx="0">
+              <a:schemeClr val="accent1"/>
+            </a:fillRef>
+            <a:effectRef idx="0">
+              <a:schemeClr val="accent1"/>
+            </a:effectRef>
+            <a:fontRef idx="minor">
+              <a:schemeClr val="tx1"/>
+            </a:fontRef>
+          </p:style>
+        </p:cxnSp>
+        <p:cxnSp>
+          <p:nvCxnSpPr>
+            <p:cNvPr id="190" name="Straight Connector 189"/>
+            <p:cNvCxnSpPr/>
+            <p:nvPr/>
+          </p:nvCxnSpPr>
+          <p:spPr>
+            <a:xfrm flipV="1">
+              <a:off x="9348186" y="1037591"/>
+              <a:ext cx="272463" cy="486569"/>
+            </a:xfrm>
+            <a:prstGeom prst="line">
+              <a:avLst/>
+            </a:prstGeom>
+            <a:ln w="28575">
+              <a:solidFill>
+                <a:schemeClr val="tx1"/>
+              </a:solidFill>
+            </a:ln>
+          </p:spPr>
+          <p:style>
+            <a:lnRef idx="1">
+              <a:schemeClr val="accent1"/>
+            </a:lnRef>
+            <a:fillRef idx="0">
+              <a:schemeClr val="accent1"/>
+            </a:fillRef>
+            <a:effectRef idx="0">
+              <a:schemeClr val="accent1"/>
+            </a:effectRef>
+            <a:fontRef idx="minor">
+              <a:schemeClr val="tx1"/>
+            </a:fontRef>
+          </p:style>
+        </p:cxnSp>
+      </p:grpSp>
+      <p:sp>
+        <p:nvSpPr>
+          <p:cNvPr id="191" name="Rectangle 190"/>
           <p:cNvSpPr/>
           <p:nvPr/>
         </p:nvSpPr>
         <p:spPr>
           <a:xfrm>
-            <a:off x="3782578" y="4352314"/>
+            <a:off x="1724773" y="528017"/>
             <a:ext cx="417249" cy="417249"/>
           </a:xfrm>
           <a:prstGeom prst="rect">
@@ -11080,15 +14193,100 @@
           </a:p>
         </p:txBody>
       </p:sp>
-      <p:sp>
-        <p:nvSpPr>
-          <p:cNvPr id="69" name="Rectangle 68"/>
+      <p:grpSp>
+        <p:nvGrpSpPr>
+          <p:cNvPr id="192" name="Group 191"/>
+          <p:cNvGrpSpPr/>
+          <p:nvPr/>
+        </p:nvGrpSpPr>
+        <p:grpSpPr>
+          <a:xfrm>
+            <a:off x="1760957" y="357951"/>
+            <a:ext cx="417246" cy="486569"/>
+            <a:chOff x="9203403" y="1037591"/>
+            <a:chExt cx="417246" cy="486569"/>
+          </a:xfrm>
+        </p:grpSpPr>
+        <p:cxnSp>
+          <p:nvCxnSpPr>
+            <p:cNvPr id="193" name="Straight Connector 192"/>
+            <p:cNvCxnSpPr/>
+            <p:nvPr/>
+          </p:nvCxnSpPr>
+          <p:spPr>
+            <a:xfrm>
+              <a:off x="9203403" y="1354631"/>
+              <a:ext cx="144783" cy="169529"/>
+            </a:xfrm>
+            <a:prstGeom prst="line">
+              <a:avLst/>
+            </a:prstGeom>
+            <a:ln w="28575">
+              <a:solidFill>
+                <a:schemeClr val="tx1"/>
+              </a:solidFill>
+            </a:ln>
+          </p:spPr>
+          <p:style>
+            <a:lnRef idx="1">
+              <a:schemeClr val="accent1"/>
+            </a:lnRef>
+            <a:fillRef idx="0">
+              <a:schemeClr val="accent1"/>
+            </a:fillRef>
+            <a:effectRef idx="0">
+              <a:schemeClr val="accent1"/>
+            </a:effectRef>
+            <a:fontRef idx="minor">
+              <a:schemeClr val="tx1"/>
+            </a:fontRef>
+          </p:style>
+        </p:cxnSp>
+        <p:cxnSp>
+          <p:nvCxnSpPr>
+            <p:cNvPr id="194" name="Straight Connector 193"/>
+            <p:cNvCxnSpPr/>
+            <p:nvPr/>
+          </p:nvCxnSpPr>
+          <p:spPr>
+            <a:xfrm flipV="1">
+              <a:off x="9348186" y="1037591"/>
+              <a:ext cx="272463" cy="486569"/>
+            </a:xfrm>
+            <a:prstGeom prst="line">
+              <a:avLst/>
+            </a:prstGeom>
+            <a:ln w="28575">
+              <a:solidFill>
+                <a:schemeClr val="tx1"/>
+              </a:solidFill>
+            </a:ln>
+          </p:spPr>
+          <p:style>
+            <a:lnRef idx="1">
+              <a:schemeClr val="accent1"/>
+            </a:lnRef>
+            <a:fillRef idx="0">
+              <a:schemeClr val="accent1"/>
+            </a:fillRef>
+            <a:effectRef idx="0">
+              <a:schemeClr val="accent1"/>
+            </a:effectRef>
+            <a:fontRef idx="minor">
+              <a:schemeClr val="tx1"/>
+            </a:fontRef>
+          </p:style>
+        </p:cxnSp>
+      </p:grpSp>
+      <p:sp>
+        <p:nvSpPr>
+          <p:cNvPr id="195" name="Rectangle 194"/>
           <p:cNvSpPr/>
           <p:nvPr/>
         </p:nvSpPr>
         <p:spPr>
           <a:xfrm>
-            <a:off x="7132940" y="1540814"/>
+            <a:off x="1745084" y="4505213"/>
             <a:ext cx="417249" cy="417249"/>
           </a:xfrm>
           <a:prstGeom prst="rect">
@@ -11128,15 +14326,100 @@
           </a:p>
         </p:txBody>
       </p:sp>
-      <p:sp>
-        <p:nvSpPr>
-          <p:cNvPr id="70" name="Rectangle 69"/>
+      <p:grpSp>
+        <p:nvGrpSpPr>
+          <p:cNvPr id="196" name="Group 195"/>
+          <p:cNvGrpSpPr/>
+          <p:nvPr/>
+        </p:nvGrpSpPr>
+        <p:grpSpPr>
+          <a:xfrm>
+            <a:off x="1781268" y="4335147"/>
+            <a:ext cx="417246" cy="486569"/>
+            <a:chOff x="9203403" y="1037591"/>
+            <a:chExt cx="417246" cy="486569"/>
+          </a:xfrm>
+        </p:grpSpPr>
+        <p:cxnSp>
+          <p:nvCxnSpPr>
+            <p:cNvPr id="197" name="Straight Connector 196"/>
+            <p:cNvCxnSpPr/>
+            <p:nvPr/>
+          </p:nvCxnSpPr>
+          <p:spPr>
+            <a:xfrm>
+              <a:off x="9203403" y="1354631"/>
+              <a:ext cx="144783" cy="169529"/>
+            </a:xfrm>
+            <a:prstGeom prst="line">
+              <a:avLst/>
+            </a:prstGeom>
+            <a:ln w="28575">
+              <a:solidFill>
+                <a:schemeClr val="tx1"/>
+              </a:solidFill>
+            </a:ln>
+          </p:spPr>
+          <p:style>
+            <a:lnRef idx="1">
+              <a:schemeClr val="accent1"/>
+            </a:lnRef>
+            <a:fillRef idx="0">
+              <a:schemeClr val="accent1"/>
+            </a:fillRef>
+            <a:effectRef idx="0">
+              <a:schemeClr val="accent1"/>
+            </a:effectRef>
+            <a:fontRef idx="minor">
+              <a:schemeClr val="tx1"/>
+            </a:fontRef>
+          </p:style>
+        </p:cxnSp>
+        <p:cxnSp>
+          <p:nvCxnSpPr>
+            <p:cNvPr id="198" name="Straight Connector 197"/>
+            <p:cNvCxnSpPr/>
+            <p:nvPr/>
+          </p:nvCxnSpPr>
+          <p:spPr>
+            <a:xfrm flipV="1">
+              <a:off x="9348186" y="1037591"/>
+              <a:ext cx="272463" cy="486569"/>
+            </a:xfrm>
+            <a:prstGeom prst="line">
+              <a:avLst/>
+            </a:prstGeom>
+            <a:ln w="28575">
+              <a:solidFill>
+                <a:schemeClr val="tx1"/>
+              </a:solidFill>
+            </a:ln>
+          </p:spPr>
+          <p:style>
+            <a:lnRef idx="1">
+              <a:schemeClr val="accent1"/>
+            </a:lnRef>
+            <a:fillRef idx="0">
+              <a:schemeClr val="accent1"/>
+            </a:fillRef>
+            <a:effectRef idx="0">
+              <a:schemeClr val="accent1"/>
+            </a:effectRef>
+            <a:fontRef idx="minor">
+              <a:schemeClr val="tx1"/>
+            </a:fontRef>
+          </p:style>
+        </p:cxnSp>
+      </p:grpSp>
+      <p:sp>
+        <p:nvSpPr>
+          <p:cNvPr id="199" name="Rectangle 198"/>
           <p:cNvSpPr/>
           <p:nvPr/>
         </p:nvSpPr>
         <p:spPr>
           <a:xfrm>
-            <a:off x="7132940" y="2952800"/>
+            <a:off x="7893940" y="3147422"/>
             <a:ext cx="417249" cy="417249"/>
           </a:xfrm>
           <a:prstGeom prst="rect">
@@ -11173,6 +14456,993 @@
           <a:p>
             <a:pPr algn="ctr"/>
             <a:endParaRPr lang="en-US"/>
+          </a:p>
+        </p:txBody>
+      </p:sp>
+      <p:grpSp>
+        <p:nvGrpSpPr>
+          <p:cNvPr id="200" name="Group 199"/>
+          <p:cNvGrpSpPr/>
+          <p:nvPr/>
+        </p:nvGrpSpPr>
+        <p:grpSpPr>
+          <a:xfrm>
+            <a:off x="7930124" y="2977356"/>
+            <a:ext cx="417246" cy="486569"/>
+            <a:chOff x="9203403" y="1037591"/>
+            <a:chExt cx="417246" cy="486569"/>
+          </a:xfrm>
+        </p:grpSpPr>
+        <p:cxnSp>
+          <p:nvCxnSpPr>
+            <p:cNvPr id="201" name="Straight Connector 200"/>
+            <p:cNvCxnSpPr/>
+            <p:nvPr/>
+          </p:nvCxnSpPr>
+          <p:spPr>
+            <a:xfrm>
+              <a:off x="9203403" y="1354631"/>
+              <a:ext cx="144783" cy="169529"/>
+            </a:xfrm>
+            <a:prstGeom prst="line">
+              <a:avLst/>
+            </a:prstGeom>
+            <a:ln w="28575">
+              <a:solidFill>
+                <a:schemeClr val="tx1"/>
+              </a:solidFill>
+            </a:ln>
+          </p:spPr>
+          <p:style>
+            <a:lnRef idx="1">
+              <a:schemeClr val="accent1"/>
+            </a:lnRef>
+            <a:fillRef idx="0">
+              <a:schemeClr val="accent1"/>
+            </a:fillRef>
+            <a:effectRef idx="0">
+              <a:schemeClr val="accent1"/>
+            </a:effectRef>
+            <a:fontRef idx="minor">
+              <a:schemeClr val="tx1"/>
+            </a:fontRef>
+          </p:style>
+        </p:cxnSp>
+        <p:cxnSp>
+          <p:nvCxnSpPr>
+            <p:cNvPr id="202" name="Straight Connector 201"/>
+            <p:cNvCxnSpPr/>
+            <p:nvPr/>
+          </p:nvCxnSpPr>
+          <p:spPr>
+            <a:xfrm flipV="1">
+              <a:off x="9348186" y="1037591"/>
+              <a:ext cx="272463" cy="486569"/>
+            </a:xfrm>
+            <a:prstGeom prst="line">
+              <a:avLst/>
+            </a:prstGeom>
+            <a:ln w="28575">
+              <a:solidFill>
+                <a:schemeClr val="tx1"/>
+              </a:solidFill>
+            </a:ln>
+          </p:spPr>
+          <p:style>
+            <a:lnRef idx="1">
+              <a:schemeClr val="accent1"/>
+            </a:lnRef>
+            <a:fillRef idx="0">
+              <a:schemeClr val="accent1"/>
+            </a:fillRef>
+            <a:effectRef idx="0">
+              <a:schemeClr val="accent1"/>
+            </a:effectRef>
+            <a:fontRef idx="minor">
+              <a:schemeClr val="tx1"/>
+            </a:fontRef>
+          </p:style>
+        </p:cxnSp>
+      </p:grpSp>
+      <p:sp>
+        <p:nvSpPr>
+          <p:cNvPr id="203" name="Rectangle 202"/>
+          <p:cNvSpPr/>
+          <p:nvPr/>
+        </p:nvSpPr>
+        <p:spPr>
+          <a:xfrm>
+            <a:off x="7893940" y="4518901"/>
+            <a:ext cx="417249" cy="417249"/>
+          </a:xfrm>
+          <a:prstGeom prst="rect">
+            <a:avLst/>
+          </a:prstGeom>
+          <a:solidFill>
+            <a:schemeClr val="bg1"/>
+          </a:solidFill>
+          <a:ln>
+            <a:solidFill>
+              <a:schemeClr val="tx1"/>
+            </a:solidFill>
+          </a:ln>
+        </p:spPr>
+        <p:style>
+          <a:lnRef idx="2">
+            <a:schemeClr val="accent1">
+              <a:shade val="50000"/>
+            </a:schemeClr>
+          </a:lnRef>
+          <a:fillRef idx="1">
+            <a:schemeClr val="accent1"/>
+          </a:fillRef>
+          <a:effectRef idx="0">
+            <a:schemeClr val="accent1"/>
+          </a:effectRef>
+          <a:fontRef idx="minor">
+            <a:schemeClr val="lt1"/>
+          </a:fontRef>
+        </p:style>
+        <p:txBody>
+          <a:bodyPr rtlCol="0" anchor="ctr"/>
+          <a:lstStyle/>
+          <a:p>
+            <a:pPr algn="ctr"/>
+            <a:endParaRPr lang="en-US"/>
+          </a:p>
+        </p:txBody>
+      </p:sp>
+      <p:sp>
+        <p:nvSpPr>
+          <p:cNvPr id="204" name="Rectangle 203"/>
+          <p:cNvSpPr/>
+          <p:nvPr/>
+        </p:nvSpPr>
+        <p:spPr>
+          <a:xfrm>
+            <a:off x="7896216" y="1835323"/>
+            <a:ext cx="417249" cy="417249"/>
+          </a:xfrm>
+          <a:prstGeom prst="rect">
+            <a:avLst/>
+          </a:prstGeom>
+          <a:solidFill>
+            <a:schemeClr val="bg1"/>
+          </a:solidFill>
+          <a:ln>
+            <a:solidFill>
+              <a:schemeClr val="tx1"/>
+            </a:solidFill>
+          </a:ln>
+        </p:spPr>
+        <p:style>
+          <a:lnRef idx="2">
+            <a:schemeClr val="accent1">
+              <a:shade val="50000"/>
+            </a:schemeClr>
+          </a:lnRef>
+          <a:fillRef idx="1">
+            <a:schemeClr val="accent1"/>
+          </a:fillRef>
+          <a:effectRef idx="0">
+            <a:schemeClr val="accent1"/>
+          </a:effectRef>
+          <a:fontRef idx="minor">
+            <a:schemeClr val="lt1"/>
+          </a:fontRef>
+        </p:style>
+        <p:txBody>
+          <a:bodyPr rtlCol="0" anchor="ctr"/>
+          <a:lstStyle/>
+          <a:p>
+            <a:pPr algn="ctr"/>
+            <a:endParaRPr lang="en-US"/>
+          </a:p>
+        </p:txBody>
+      </p:sp>
+      <p:sp>
+        <p:nvSpPr>
+          <p:cNvPr id="205" name="Rectangle 204"/>
+          <p:cNvSpPr/>
+          <p:nvPr/>
+        </p:nvSpPr>
+        <p:spPr>
+          <a:xfrm>
+            <a:off x="7893940" y="427271"/>
+            <a:ext cx="417249" cy="417249"/>
+          </a:xfrm>
+          <a:prstGeom prst="rect">
+            <a:avLst/>
+          </a:prstGeom>
+          <a:solidFill>
+            <a:schemeClr val="bg1"/>
+          </a:solidFill>
+          <a:ln>
+            <a:solidFill>
+              <a:schemeClr val="tx1"/>
+            </a:solidFill>
+          </a:ln>
+        </p:spPr>
+        <p:style>
+          <a:lnRef idx="2">
+            <a:schemeClr val="accent1">
+              <a:shade val="50000"/>
+            </a:schemeClr>
+          </a:lnRef>
+          <a:fillRef idx="1">
+            <a:schemeClr val="accent1"/>
+          </a:fillRef>
+          <a:effectRef idx="0">
+            <a:schemeClr val="accent1"/>
+          </a:effectRef>
+          <a:fontRef idx="minor">
+            <a:schemeClr val="lt1"/>
+          </a:fontRef>
+        </p:style>
+        <p:txBody>
+          <a:bodyPr rtlCol="0" anchor="ctr"/>
+          <a:lstStyle/>
+          <a:p>
+            <a:pPr algn="ctr"/>
+            <a:endParaRPr lang="en-US"/>
+          </a:p>
+        </p:txBody>
+      </p:sp>
+      <p:sp>
+        <p:nvSpPr>
+          <p:cNvPr id="206" name="Rectangle 205"/>
+          <p:cNvSpPr/>
+          <p:nvPr/>
+        </p:nvSpPr>
+        <p:spPr>
+          <a:xfrm>
+            <a:off x="6363844" y="392610"/>
+            <a:ext cx="417249" cy="417249"/>
+          </a:xfrm>
+          <a:prstGeom prst="rect">
+            <a:avLst/>
+          </a:prstGeom>
+          <a:solidFill>
+            <a:schemeClr val="bg1"/>
+          </a:solidFill>
+          <a:ln>
+            <a:solidFill>
+              <a:schemeClr val="tx1"/>
+            </a:solidFill>
+          </a:ln>
+        </p:spPr>
+        <p:style>
+          <a:lnRef idx="2">
+            <a:schemeClr val="accent1">
+              <a:shade val="50000"/>
+            </a:schemeClr>
+          </a:lnRef>
+          <a:fillRef idx="1">
+            <a:schemeClr val="accent1"/>
+          </a:fillRef>
+          <a:effectRef idx="0">
+            <a:schemeClr val="accent1"/>
+          </a:effectRef>
+          <a:fontRef idx="minor">
+            <a:schemeClr val="lt1"/>
+          </a:fontRef>
+        </p:style>
+        <p:txBody>
+          <a:bodyPr rtlCol="0" anchor="ctr"/>
+          <a:lstStyle/>
+          <a:p>
+            <a:pPr algn="ctr"/>
+            <a:endParaRPr lang="en-US"/>
+          </a:p>
+        </p:txBody>
+      </p:sp>
+      <p:sp>
+        <p:nvSpPr>
+          <p:cNvPr id="207" name="Rectangle 206"/>
+          <p:cNvSpPr/>
+          <p:nvPr/>
+        </p:nvSpPr>
+        <p:spPr>
+          <a:xfrm>
+            <a:off x="6366040" y="1830840"/>
+            <a:ext cx="417249" cy="417249"/>
+          </a:xfrm>
+          <a:prstGeom prst="rect">
+            <a:avLst/>
+          </a:prstGeom>
+          <a:solidFill>
+            <a:schemeClr val="bg1"/>
+          </a:solidFill>
+          <a:ln>
+            <a:solidFill>
+              <a:schemeClr val="tx1"/>
+            </a:solidFill>
+          </a:ln>
+        </p:spPr>
+        <p:style>
+          <a:lnRef idx="2">
+            <a:schemeClr val="accent1">
+              <a:shade val="50000"/>
+            </a:schemeClr>
+          </a:lnRef>
+          <a:fillRef idx="1">
+            <a:schemeClr val="accent1"/>
+          </a:fillRef>
+          <a:effectRef idx="0">
+            <a:schemeClr val="accent1"/>
+          </a:effectRef>
+          <a:fontRef idx="minor">
+            <a:schemeClr val="lt1"/>
+          </a:fontRef>
+        </p:style>
+        <p:txBody>
+          <a:bodyPr rtlCol="0" anchor="ctr"/>
+          <a:lstStyle/>
+          <a:p>
+            <a:pPr algn="ctr"/>
+            <a:endParaRPr lang="en-US"/>
+          </a:p>
+        </p:txBody>
+      </p:sp>
+      <p:sp>
+        <p:nvSpPr>
+          <p:cNvPr id="208" name="Rectangle 207"/>
+          <p:cNvSpPr/>
+          <p:nvPr/>
+        </p:nvSpPr>
+        <p:spPr>
+          <a:xfrm>
+            <a:off x="6368236" y="3269070"/>
+            <a:ext cx="417249" cy="417249"/>
+          </a:xfrm>
+          <a:prstGeom prst="rect">
+            <a:avLst/>
+          </a:prstGeom>
+          <a:solidFill>
+            <a:schemeClr val="bg1"/>
+          </a:solidFill>
+          <a:ln>
+            <a:solidFill>
+              <a:schemeClr val="tx1"/>
+            </a:solidFill>
+          </a:ln>
+        </p:spPr>
+        <p:style>
+          <a:lnRef idx="2">
+            <a:schemeClr val="accent1">
+              <a:shade val="50000"/>
+            </a:schemeClr>
+          </a:lnRef>
+          <a:fillRef idx="1">
+            <a:schemeClr val="accent1"/>
+          </a:fillRef>
+          <a:effectRef idx="0">
+            <a:schemeClr val="accent1"/>
+          </a:effectRef>
+          <a:fontRef idx="minor">
+            <a:schemeClr val="lt1"/>
+          </a:fontRef>
+        </p:style>
+        <p:txBody>
+          <a:bodyPr rtlCol="0" anchor="ctr"/>
+          <a:lstStyle/>
+          <a:p>
+            <a:pPr algn="ctr"/>
+            <a:endParaRPr lang="en-US"/>
+          </a:p>
+        </p:txBody>
+      </p:sp>
+      <p:sp>
+        <p:nvSpPr>
+          <p:cNvPr id="209" name="Rectangle 208"/>
+          <p:cNvSpPr/>
+          <p:nvPr/>
+        </p:nvSpPr>
+        <p:spPr>
+          <a:xfrm>
+            <a:off x="6368236" y="4576234"/>
+            <a:ext cx="417249" cy="417249"/>
+          </a:xfrm>
+          <a:prstGeom prst="rect">
+            <a:avLst/>
+          </a:prstGeom>
+          <a:solidFill>
+            <a:schemeClr val="bg1"/>
+          </a:solidFill>
+          <a:ln>
+            <a:solidFill>
+              <a:schemeClr val="tx1"/>
+            </a:solidFill>
+          </a:ln>
+        </p:spPr>
+        <p:style>
+          <a:lnRef idx="2">
+            <a:schemeClr val="accent1">
+              <a:shade val="50000"/>
+            </a:schemeClr>
+          </a:lnRef>
+          <a:fillRef idx="1">
+            <a:schemeClr val="accent1"/>
+          </a:fillRef>
+          <a:effectRef idx="0">
+            <a:schemeClr val="accent1"/>
+          </a:effectRef>
+          <a:fontRef idx="minor">
+            <a:schemeClr val="lt1"/>
+          </a:fontRef>
+        </p:style>
+        <p:txBody>
+          <a:bodyPr rtlCol="0" anchor="ctr"/>
+          <a:lstStyle/>
+          <a:p>
+            <a:pPr algn="ctr"/>
+            <a:endParaRPr lang="en-US"/>
+          </a:p>
+        </p:txBody>
+      </p:sp>
+      <p:sp>
+        <p:nvSpPr>
+          <p:cNvPr id="210" name="Rectangle 209"/>
+          <p:cNvSpPr/>
+          <p:nvPr/>
+        </p:nvSpPr>
+        <p:spPr>
+          <a:xfrm>
+            <a:off x="4883523" y="4576233"/>
+            <a:ext cx="417249" cy="417249"/>
+          </a:xfrm>
+          <a:prstGeom prst="rect">
+            <a:avLst/>
+          </a:prstGeom>
+          <a:solidFill>
+            <a:schemeClr val="bg1"/>
+          </a:solidFill>
+          <a:ln>
+            <a:solidFill>
+              <a:schemeClr val="tx1"/>
+            </a:solidFill>
+          </a:ln>
+        </p:spPr>
+        <p:style>
+          <a:lnRef idx="2">
+            <a:schemeClr val="accent1">
+              <a:shade val="50000"/>
+            </a:schemeClr>
+          </a:lnRef>
+          <a:fillRef idx="1">
+            <a:schemeClr val="accent1"/>
+          </a:fillRef>
+          <a:effectRef idx="0">
+            <a:schemeClr val="accent1"/>
+          </a:effectRef>
+          <a:fontRef idx="minor">
+            <a:schemeClr val="lt1"/>
+          </a:fontRef>
+        </p:style>
+        <p:txBody>
+          <a:bodyPr rtlCol="0" anchor="ctr"/>
+          <a:lstStyle/>
+          <a:p>
+            <a:pPr algn="ctr"/>
+            <a:endParaRPr lang="en-US"/>
+          </a:p>
+        </p:txBody>
+      </p:sp>
+      <p:sp>
+        <p:nvSpPr>
+          <p:cNvPr id="211" name="Rectangle 210"/>
+          <p:cNvSpPr/>
+          <p:nvPr/>
+        </p:nvSpPr>
+        <p:spPr>
+          <a:xfrm>
+            <a:off x="4893894" y="3205133"/>
+            <a:ext cx="417249" cy="417249"/>
+          </a:xfrm>
+          <a:prstGeom prst="rect">
+            <a:avLst/>
+          </a:prstGeom>
+          <a:solidFill>
+            <a:schemeClr val="bg1"/>
+          </a:solidFill>
+          <a:ln>
+            <a:solidFill>
+              <a:schemeClr val="tx1"/>
+            </a:solidFill>
+          </a:ln>
+        </p:spPr>
+        <p:style>
+          <a:lnRef idx="2">
+            <a:schemeClr val="accent1">
+              <a:shade val="50000"/>
+            </a:schemeClr>
+          </a:lnRef>
+          <a:fillRef idx="1">
+            <a:schemeClr val="accent1"/>
+          </a:fillRef>
+          <a:effectRef idx="0">
+            <a:schemeClr val="accent1"/>
+          </a:effectRef>
+          <a:fontRef idx="minor">
+            <a:schemeClr val="lt1"/>
+          </a:fontRef>
+        </p:style>
+        <p:txBody>
+          <a:bodyPr rtlCol="0" anchor="ctr"/>
+          <a:lstStyle/>
+          <a:p>
+            <a:pPr algn="ctr"/>
+            <a:endParaRPr lang="en-US"/>
+          </a:p>
+        </p:txBody>
+      </p:sp>
+      <p:sp>
+        <p:nvSpPr>
+          <p:cNvPr id="212" name="Rectangle 211"/>
+          <p:cNvSpPr/>
+          <p:nvPr/>
+        </p:nvSpPr>
+        <p:spPr>
+          <a:xfrm>
+            <a:off x="4876536" y="393609"/>
+            <a:ext cx="417249" cy="417249"/>
+          </a:xfrm>
+          <a:prstGeom prst="rect">
+            <a:avLst/>
+          </a:prstGeom>
+          <a:solidFill>
+            <a:schemeClr val="bg1"/>
+          </a:solidFill>
+          <a:ln>
+            <a:solidFill>
+              <a:schemeClr val="tx1"/>
+            </a:solidFill>
+          </a:ln>
+        </p:spPr>
+        <p:style>
+          <a:lnRef idx="2">
+            <a:schemeClr val="accent1">
+              <a:shade val="50000"/>
+            </a:schemeClr>
+          </a:lnRef>
+          <a:fillRef idx="1">
+            <a:schemeClr val="accent1"/>
+          </a:fillRef>
+          <a:effectRef idx="0">
+            <a:schemeClr val="accent1"/>
+          </a:effectRef>
+          <a:fontRef idx="minor">
+            <a:schemeClr val="lt1"/>
+          </a:fontRef>
+        </p:style>
+        <p:txBody>
+          <a:bodyPr rtlCol="0" anchor="ctr"/>
+          <a:lstStyle/>
+          <a:p>
+            <a:pPr algn="ctr"/>
+            <a:endParaRPr lang="en-US"/>
+          </a:p>
+        </p:txBody>
+      </p:sp>
+      <p:sp>
+        <p:nvSpPr>
+          <p:cNvPr id="213" name="Rectangle 212"/>
+          <p:cNvSpPr/>
+          <p:nvPr/>
+        </p:nvSpPr>
+        <p:spPr>
+          <a:xfrm>
+            <a:off x="4887112" y="5813847"/>
+            <a:ext cx="417249" cy="417249"/>
+          </a:xfrm>
+          <a:prstGeom prst="rect">
+            <a:avLst/>
+          </a:prstGeom>
+          <a:solidFill>
+            <a:schemeClr val="bg1"/>
+          </a:solidFill>
+          <a:ln>
+            <a:solidFill>
+              <a:schemeClr val="tx1"/>
+            </a:solidFill>
+          </a:ln>
+        </p:spPr>
+        <p:style>
+          <a:lnRef idx="2">
+            <a:schemeClr val="accent1">
+              <a:shade val="50000"/>
+            </a:schemeClr>
+          </a:lnRef>
+          <a:fillRef idx="1">
+            <a:schemeClr val="accent1"/>
+          </a:fillRef>
+          <a:effectRef idx="0">
+            <a:schemeClr val="accent1"/>
+          </a:effectRef>
+          <a:fontRef idx="minor">
+            <a:schemeClr val="lt1"/>
+          </a:fontRef>
+        </p:style>
+        <p:txBody>
+          <a:bodyPr rtlCol="0" anchor="ctr"/>
+          <a:lstStyle/>
+          <a:p>
+            <a:pPr algn="ctr"/>
+            <a:endParaRPr lang="en-US"/>
+          </a:p>
+        </p:txBody>
+      </p:sp>
+      <p:sp>
+        <p:nvSpPr>
+          <p:cNvPr id="214" name="Rectangle 213"/>
+          <p:cNvSpPr/>
+          <p:nvPr/>
+        </p:nvSpPr>
+        <p:spPr>
+          <a:xfrm>
+            <a:off x="3333685" y="5813847"/>
+            <a:ext cx="417249" cy="417249"/>
+          </a:xfrm>
+          <a:prstGeom prst="rect">
+            <a:avLst/>
+          </a:prstGeom>
+          <a:solidFill>
+            <a:schemeClr val="bg1"/>
+          </a:solidFill>
+          <a:ln>
+            <a:solidFill>
+              <a:schemeClr val="tx1"/>
+            </a:solidFill>
+          </a:ln>
+        </p:spPr>
+        <p:style>
+          <a:lnRef idx="2">
+            <a:schemeClr val="accent1">
+              <a:shade val="50000"/>
+            </a:schemeClr>
+          </a:lnRef>
+          <a:fillRef idx="1">
+            <a:schemeClr val="accent1"/>
+          </a:fillRef>
+          <a:effectRef idx="0">
+            <a:schemeClr val="accent1"/>
+          </a:effectRef>
+          <a:fontRef idx="minor">
+            <a:schemeClr val="lt1"/>
+          </a:fontRef>
+        </p:style>
+        <p:txBody>
+          <a:bodyPr rtlCol="0" anchor="ctr"/>
+          <a:lstStyle/>
+          <a:p>
+            <a:pPr algn="ctr"/>
+            <a:endParaRPr lang="en-US"/>
+          </a:p>
+        </p:txBody>
+      </p:sp>
+      <p:sp>
+        <p:nvSpPr>
+          <p:cNvPr id="215" name="Rectangle 214"/>
+          <p:cNvSpPr/>
+          <p:nvPr/>
+        </p:nvSpPr>
+        <p:spPr>
+          <a:xfrm>
+            <a:off x="3333685" y="4576232"/>
+            <a:ext cx="417249" cy="417249"/>
+          </a:xfrm>
+          <a:prstGeom prst="rect">
+            <a:avLst/>
+          </a:prstGeom>
+          <a:solidFill>
+            <a:schemeClr val="bg1"/>
+          </a:solidFill>
+          <a:ln>
+            <a:solidFill>
+              <a:schemeClr val="tx1"/>
+            </a:solidFill>
+          </a:ln>
+        </p:spPr>
+        <p:style>
+          <a:lnRef idx="2">
+            <a:schemeClr val="accent1">
+              <a:shade val="50000"/>
+            </a:schemeClr>
+          </a:lnRef>
+          <a:fillRef idx="1">
+            <a:schemeClr val="accent1"/>
+          </a:fillRef>
+          <a:effectRef idx="0">
+            <a:schemeClr val="accent1"/>
+          </a:effectRef>
+          <a:fontRef idx="minor">
+            <a:schemeClr val="lt1"/>
+          </a:fontRef>
+        </p:style>
+        <p:txBody>
+          <a:bodyPr rtlCol="0" anchor="ctr"/>
+          <a:lstStyle/>
+          <a:p>
+            <a:pPr algn="ctr"/>
+            <a:endParaRPr lang="en-US"/>
+          </a:p>
+        </p:txBody>
+      </p:sp>
+      <p:sp>
+        <p:nvSpPr>
+          <p:cNvPr id="216" name="Rectangle 215"/>
+          <p:cNvSpPr/>
+          <p:nvPr/>
+        </p:nvSpPr>
+        <p:spPr>
+          <a:xfrm>
+            <a:off x="3333100" y="1877422"/>
+            <a:ext cx="417249" cy="417249"/>
+          </a:xfrm>
+          <a:prstGeom prst="rect">
+            <a:avLst/>
+          </a:prstGeom>
+          <a:solidFill>
+            <a:schemeClr val="bg1"/>
+          </a:solidFill>
+          <a:ln>
+            <a:solidFill>
+              <a:schemeClr val="tx1"/>
+            </a:solidFill>
+          </a:ln>
+        </p:spPr>
+        <p:style>
+          <a:lnRef idx="2">
+            <a:schemeClr val="accent1">
+              <a:shade val="50000"/>
+            </a:schemeClr>
+          </a:lnRef>
+          <a:fillRef idx="1">
+            <a:schemeClr val="accent1"/>
+          </a:fillRef>
+          <a:effectRef idx="0">
+            <a:schemeClr val="accent1"/>
+          </a:effectRef>
+          <a:fontRef idx="minor">
+            <a:schemeClr val="lt1"/>
+          </a:fontRef>
+        </p:style>
+        <p:txBody>
+          <a:bodyPr rtlCol="0" anchor="ctr"/>
+          <a:lstStyle/>
+          <a:p>
+            <a:pPr algn="ctr"/>
+            <a:endParaRPr lang="en-US"/>
+          </a:p>
+        </p:txBody>
+      </p:sp>
+      <p:sp>
+        <p:nvSpPr>
+          <p:cNvPr id="217" name="Rectangle 216"/>
+          <p:cNvSpPr/>
+          <p:nvPr/>
+        </p:nvSpPr>
+        <p:spPr>
+          <a:xfrm>
+            <a:off x="3358774" y="392610"/>
+            <a:ext cx="417249" cy="417249"/>
+          </a:xfrm>
+          <a:prstGeom prst="rect">
+            <a:avLst/>
+          </a:prstGeom>
+          <a:solidFill>
+            <a:schemeClr val="bg1"/>
+          </a:solidFill>
+          <a:ln>
+            <a:solidFill>
+              <a:schemeClr val="tx1"/>
+            </a:solidFill>
+          </a:ln>
+        </p:spPr>
+        <p:style>
+          <a:lnRef idx="2">
+            <a:schemeClr val="accent1">
+              <a:shade val="50000"/>
+            </a:schemeClr>
+          </a:lnRef>
+          <a:fillRef idx="1">
+            <a:schemeClr val="accent1"/>
+          </a:fillRef>
+          <a:effectRef idx="0">
+            <a:schemeClr val="accent1"/>
+          </a:effectRef>
+          <a:fontRef idx="minor">
+            <a:schemeClr val="lt1"/>
+          </a:fontRef>
+        </p:style>
+        <p:txBody>
+          <a:bodyPr rtlCol="0" anchor="ctr"/>
+          <a:lstStyle/>
+          <a:p>
+            <a:pPr algn="ctr"/>
+            <a:endParaRPr lang="en-US"/>
+          </a:p>
+        </p:txBody>
+      </p:sp>
+      <p:sp>
+        <p:nvSpPr>
+          <p:cNvPr id="218" name="Rectangle 217"/>
+          <p:cNvSpPr/>
+          <p:nvPr/>
+        </p:nvSpPr>
+        <p:spPr>
+          <a:xfrm>
+            <a:off x="1725200" y="1870788"/>
+            <a:ext cx="417249" cy="417249"/>
+          </a:xfrm>
+          <a:prstGeom prst="rect">
+            <a:avLst/>
+          </a:prstGeom>
+          <a:solidFill>
+            <a:schemeClr val="bg1"/>
+          </a:solidFill>
+          <a:ln>
+            <a:solidFill>
+              <a:schemeClr val="tx1"/>
+            </a:solidFill>
+          </a:ln>
+        </p:spPr>
+        <p:style>
+          <a:lnRef idx="2">
+            <a:schemeClr val="accent1">
+              <a:shade val="50000"/>
+            </a:schemeClr>
+          </a:lnRef>
+          <a:fillRef idx="1">
+            <a:schemeClr val="accent1"/>
+          </a:fillRef>
+          <a:effectRef idx="0">
+            <a:schemeClr val="accent1"/>
+          </a:effectRef>
+          <a:fontRef idx="minor">
+            <a:schemeClr val="lt1"/>
+          </a:fontRef>
+        </p:style>
+        <p:txBody>
+          <a:bodyPr rtlCol="0" anchor="ctr"/>
+          <a:lstStyle/>
+          <a:p>
+            <a:pPr algn="ctr"/>
+            <a:endParaRPr lang="en-US"/>
+          </a:p>
+        </p:txBody>
+      </p:sp>
+      <p:sp>
+        <p:nvSpPr>
+          <p:cNvPr id="219" name="Rectangle 218"/>
+          <p:cNvSpPr/>
+          <p:nvPr/>
+        </p:nvSpPr>
+        <p:spPr>
+          <a:xfrm>
+            <a:off x="1760954" y="3201189"/>
+            <a:ext cx="417249" cy="417249"/>
+          </a:xfrm>
+          <a:prstGeom prst="rect">
+            <a:avLst/>
+          </a:prstGeom>
+          <a:solidFill>
+            <a:schemeClr val="bg1"/>
+          </a:solidFill>
+          <a:ln>
+            <a:solidFill>
+              <a:schemeClr val="tx1"/>
+            </a:solidFill>
+          </a:ln>
+        </p:spPr>
+        <p:style>
+          <a:lnRef idx="2">
+            <a:schemeClr val="accent1">
+              <a:shade val="50000"/>
+            </a:schemeClr>
+          </a:lnRef>
+          <a:fillRef idx="1">
+            <a:schemeClr val="accent1"/>
+          </a:fillRef>
+          <a:effectRef idx="0">
+            <a:schemeClr val="accent1"/>
+          </a:effectRef>
+          <a:fontRef idx="minor">
+            <a:schemeClr val="lt1"/>
+          </a:fontRef>
+        </p:style>
+        <p:txBody>
+          <a:bodyPr rtlCol="0" anchor="ctr"/>
+          <a:lstStyle/>
+          <a:p>
+            <a:pPr algn="ctr"/>
+            <a:endParaRPr lang="en-US"/>
+          </a:p>
+        </p:txBody>
+      </p:sp>
+      <p:sp>
+        <p:nvSpPr>
+          <p:cNvPr id="220" name="Rectangle 219"/>
+          <p:cNvSpPr/>
+          <p:nvPr/>
+        </p:nvSpPr>
+        <p:spPr>
+          <a:xfrm>
+            <a:off x="1741748" y="5810604"/>
+            <a:ext cx="417249" cy="417249"/>
+          </a:xfrm>
+          <a:prstGeom prst="rect">
+            <a:avLst/>
+          </a:prstGeom>
+          <a:solidFill>
+            <a:schemeClr val="bg1"/>
+          </a:solidFill>
+          <a:ln>
+            <a:solidFill>
+              <a:schemeClr val="tx1"/>
+            </a:solidFill>
+          </a:ln>
+        </p:spPr>
+        <p:style>
+          <a:lnRef idx="2">
+            <a:schemeClr val="accent1">
+              <a:shade val="50000"/>
+            </a:schemeClr>
+          </a:lnRef>
+          <a:fillRef idx="1">
+            <a:schemeClr val="accent1"/>
+          </a:fillRef>
+          <a:effectRef idx="0">
+            <a:schemeClr val="accent1"/>
+          </a:effectRef>
+          <a:fontRef idx="minor">
+            <a:schemeClr val="lt1"/>
+          </a:fontRef>
+        </p:style>
+        <p:txBody>
+          <a:bodyPr rtlCol="0" anchor="ctr"/>
+          <a:lstStyle/>
+          <a:p>
+            <a:pPr algn="ctr"/>
+            <a:endParaRPr lang="en-US"/>
+          </a:p>
+        </p:txBody>
+      </p:sp>
+      <p:sp>
+        <p:nvSpPr>
+          <p:cNvPr id="9" name="TextBox 8"/>
+          <p:cNvSpPr txBox="1"/>
+          <p:nvPr/>
+        </p:nvSpPr>
+        <p:spPr>
+          <a:xfrm>
+            <a:off x="8683379" y="730008"/>
+            <a:ext cx="1045479" cy="646331"/>
+          </a:xfrm>
+          <a:prstGeom prst="rect">
+            <a:avLst/>
+          </a:prstGeom>
+          <a:noFill/>
+        </p:spPr>
+        <p:txBody>
+          <a:bodyPr wrap="none" rtlCol="0">
+            <a:spAutoFit/>
+          </a:bodyPr>
+          <a:lstStyle/>
+          <a:p>
+            <a:pPr algn="ctr"/>
+            <a:r>
+              <a:rPr lang="en-US" u="sng" dirty="0" smtClean="0"/>
+              <a:t>Card</a:t>
+            </a:r>
+          </a:p>
+          <a:p>
+            <a:pPr algn="ctr"/>
+            <a:r>
+              <a:rPr lang="en-US" u="sng" dirty="0" smtClean="0"/>
+              <a:t>Selection</a:t>
+            </a:r>
+            <a:endParaRPr lang="en-US" u="sng" dirty="0"/>
           </a:p>
         </p:txBody>
       </p:sp>
@@ -11448,4 +15718,265 @@
     </a:ext>
   </a:extLst>
 </a:theme>
+</file>
+
+<file path=ppt/theme/theme2.xml><?xml version="1.0" encoding="utf-8"?>
+<a:theme xmlns:a="http://schemas.openxmlformats.org/drawingml/2006/main" name="Office Theme">
+  <a:themeElements>
+    <a:clrScheme name="Office">
+      <a:dk1>
+        <a:sysClr val="windowText" lastClr="000000"/>
+      </a:dk1>
+      <a:lt1>
+        <a:sysClr val="window" lastClr="FFFFFF"/>
+      </a:lt1>
+      <a:dk2>
+        <a:srgbClr val="44546A"/>
+      </a:dk2>
+      <a:lt2>
+        <a:srgbClr val="E7E6E6"/>
+      </a:lt2>
+      <a:accent1>
+        <a:srgbClr val="5B9BD5"/>
+      </a:accent1>
+      <a:accent2>
+        <a:srgbClr val="ED7D31"/>
+      </a:accent2>
+      <a:accent3>
+        <a:srgbClr val="A5A5A5"/>
+      </a:accent3>
+      <a:accent4>
+        <a:srgbClr val="FFC000"/>
+      </a:accent4>
+      <a:accent5>
+        <a:srgbClr val="4472C4"/>
+      </a:accent5>
+      <a:accent6>
+        <a:srgbClr val="70AD47"/>
+      </a:accent6>
+      <a:hlink>
+        <a:srgbClr val="0563C1"/>
+      </a:hlink>
+      <a:folHlink>
+        <a:srgbClr val="954F72"/>
+      </a:folHlink>
+    </a:clrScheme>
+    <a:fontScheme name="Office">
+      <a:majorFont>
+        <a:latin typeface="Calibri Light" panose="020F0302020204030204"/>
+        <a:ea typeface=""/>
+        <a:cs typeface=""/>
+        <a:font script="Jpan" typeface="ＭＳ Ｐゴシック"/>
+        <a:font script="Hang" typeface="맑은 고딕"/>
+        <a:font script="Hans" typeface="宋体"/>
+        <a:font script="Hant" typeface="新細明體"/>
+        <a:font script="Arab" typeface="Times New Roman"/>
+        <a:font script="Hebr" typeface="Times New Roman"/>
+        <a:font script="Thai" typeface="Angsana New"/>
+        <a:font script="Ethi" typeface="Nyala"/>
+        <a:font script="Beng" typeface="Vrinda"/>
+        <a:font script="Gujr" typeface="Shruti"/>
+        <a:font script="Khmr" typeface="MoolBoran"/>
+        <a:font script="Knda" typeface="Tunga"/>
+        <a:font script="Guru" typeface="Raavi"/>
+        <a:font script="Cans" typeface="Euphemia"/>
+        <a:font script="Cher" typeface="Plantagenet Cherokee"/>
+        <a:font script="Yiii" typeface="Microsoft Yi Baiti"/>
+        <a:font script="Tibt" typeface="Microsoft Himalaya"/>
+        <a:font script="Thaa" typeface="MV Boli"/>
+        <a:font script="Deva" typeface="Mangal"/>
+        <a:font script="Telu" typeface="Gautami"/>
+        <a:font script="Taml" typeface="Latha"/>
+        <a:font script="Syrc" typeface="Estrangelo Edessa"/>
+        <a:font script="Orya" typeface="Kalinga"/>
+        <a:font script="Mlym" typeface="Kartika"/>
+        <a:font script="Laoo" typeface="DokChampa"/>
+        <a:font script="Sinh" typeface="Iskoola Pota"/>
+        <a:font script="Mong" typeface="Mongolian Baiti"/>
+        <a:font script="Viet" typeface="Times New Roman"/>
+        <a:font script="Uigh" typeface="Microsoft Uighur"/>
+        <a:font script="Geor" typeface="Sylfaen"/>
+      </a:majorFont>
+      <a:minorFont>
+        <a:latin typeface="Calibri" panose="020F0502020204030204"/>
+        <a:ea typeface=""/>
+        <a:cs typeface=""/>
+        <a:font script="Jpan" typeface="ＭＳ Ｐゴシック"/>
+        <a:font script="Hang" typeface="맑은 고딕"/>
+        <a:font script="Hans" typeface="宋体"/>
+        <a:font script="Hant" typeface="新細明體"/>
+        <a:font script="Arab" typeface="Arial"/>
+        <a:font script="Hebr" typeface="Arial"/>
+        <a:font script="Thai" typeface="Cordia New"/>
+        <a:font script="Ethi" typeface="Nyala"/>
+        <a:font script="Beng" typeface="Vrinda"/>
+        <a:font script="Gujr" typeface="Shruti"/>
+        <a:font script="Khmr" typeface="DaunPenh"/>
+        <a:font script="Knda" typeface="Tunga"/>
+        <a:font script="Guru" typeface="Raavi"/>
+        <a:font script="Cans" typeface="Euphemia"/>
+        <a:font script="Cher" typeface="Plantagenet Cherokee"/>
+        <a:font script="Yiii" typeface="Microsoft Yi Baiti"/>
+        <a:font script="Tibt" typeface="Microsoft Himalaya"/>
+        <a:font script="Thaa" typeface="MV Boli"/>
+        <a:font script="Deva" typeface="Mangal"/>
+        <a:font script="Telu" typeface="Gautami"/>
+        <a:font script="Taml" typeface="Latha"/>
+        <a:font script="Syrc" typeface="Estrangelo Edessa"/>
+        <a:font script="Orya" typeface="Kalinga"/>
+        <a:font script="Mlym" typeface="Kartika"/>
+        <a:font script="Laoo" typeface="DokChampa"/>
+        <a:font script="Sinh" typeface="Iskoola Pota"/>
+        <a:font script="Mong" typeface="Mongolian Baiti"/>
+        <a:font script="Viet" typeface="Arial"/>
+        <a:font script="Uigh" typeface="Microsoft Uighur"/>
+        <a:font script="Geor" typeface="Sylfaen"/>
+      </a:minorFont>
+    </a:fontScheme>
+    <a:fmtScheme name="Office">
+      <a:fillStyleLst>
+        <a:solidFill>
+          <a:schemeClr val="phClr"/>
+        </a:solidFill>
+        <a:gradFill rotWithShape="1">
+          <a:gsLst>
+            <a:gs pos="0">
+              <a:schemeClr val="phClr">
+                <a:lumMod val="110000"/>
+                <a:satMod val="105000"/>
+                <a:tint val="67000"/>
+              </a:schemeClr>
+            </a:gs>
+            <a:gs pos="50000">
+              <a:schemeClr val="phClr">
+                <a:lumMod val="105000"/>
+                <a:satMod val="103000"/>
+                <a:tint val="73000"/>
+              </a:schemeClr>
+            </a:gs>
+            <a:gs pos="100000">
+              <a:schemeClr val="phClr">
+                <a:lumMod val="105000"/>
+                <a:satMod val="109000"/>
+                <a:tint val="81000"/>
+              </a:schemeClr>
+            </a:gs>
+          </a:gsLst>
+          <a:lin ang="5400000" scaled="0"/>
+        </a:gradFill>
+        <a:gradFill rotWithShape="1">
+          <a:gsLst>
+            <a:gs pos="0">
+              <a:schemeClr val="phClr">
+                <a:satMod val="103000"/>
+                <a:lumMod val="102000"/>
+                <a:tint val="94000"/>
+              </a:schemeClr>
+            </a:gs>
+            <a:gs pos="50000">
+              <a:schemeClr val="phClr">
+                <a:satMod val="110000"/>
+                <a:lumMod val="100000"/>
+                <a:shade val="100000"/>
+              </a:schemeClr>
+            </a:gs>
+            <a:gs pos="100000">
+              <a:schemeClr val="phClr">
+                <a:lumMod val="99000"/>
+                <a:satMod val="120000"/>
+                <a:shade val="78000"/>
+              </a:schemeClr>
+            </a:gs>
+          </a:gsLst>
+          <a:lin ang="5400000" scaled="0"/>
+        </a:gradFill>
+      </a:fillStyleLst>
+      <a:lnStyleLst>
+        <a:ln w="6350" cap="flat" cmpd="sng" algn="ctr">
+          <a:solidFill>
+            <a:schemeClr val="phClr"/>
+          </a:solidFill>
+          <a:prstDash val="solid"/>
+          <a:miter lim="800000"/>
+        </a:ln>
+        <a:ln w="12700" cap="flat" cmpd="sng" algn="ctr">
+          <a:solidFill>
+            <a:schemeClr val="phClr"/>
+          </a:solidFill>
+          <a:prstDash val="solid"/>
+          <a:miter lim="800000"/>
+        </a:ln>
+        <a:ln w="19050" cap="flat" cmpd="sng" algn="ctr">
+          <a:solidFill>
+            <a:schemeClr val="phClr"/>
+          </a:solidFill>
+          <a:prstDash val="solid"/>
+          <a:miter lim="800000"/>
+        </a:ln>
+      </a:lnStyleLst>
+      <a:effectStyleLst>
+        <a:effectStyle>
+          <a:effectLst/>
+        </a:effectStyle>
+        <a:effectStyle>
+          <a:effectLst/>
+        </a:effectStyle>
+        <a:effectStyle>
+          <a:effectLst>
+            <a:outerShdw blurRad="57150" dist="19050" dir="5400000" algn="ctr" rotWithShape="0">
+              <a:srgbClr val="000000">
+                <a:alpha val="63000"/>
+              </a:srgbClr>
+            </a:outerShdw>
+          </a:effectLst>
+        </a:effectStyle>
+      </a:effectStyleLst>
+      <a:bgFillStyleLst>
+        <a:solidFill>
+          <a:schemeClr val="phClr"/>
+        </a:solidFill>
+        <a:solidFill>
+          <a:schemeClr val="phClr">
+            <a:tint val="95000"/>
+            <a:satMod val="170000"/>
+          </a:schemeClr>
+        </a:solidFill>
+        <a:gradFill rotWithShape="1">
+          <a:gsLst>
+            <a:gs pos="0">
+              <a:schemeClr val="phClr">
+                <a:tint val="93000"/>
+                <a:satMod val="150000"/>
+                <a:shade val="98000"/>
+                <a:lumMod val="102000"/>
+              </a:schemeClr>
+            </a:gs>
+            <a:gs pos="50000">
+              <a:schemeClr val="phClr">
+                <a:tint val="98000"/>
+                <a:satMod val="130000"/>
+                <a:shade val="90000"/>
+                <a:lumMod val="103000"/>
+              </a:schemeClr>
+            </a:gs>
+            <a:gs pos="100000">
+              <a:schemeClr val="phClr">
+                <a:shade val="63000"/>
+                <a:satMod val="120000"/>
+              </a:schemeClr>
+            </a:gs>
+          </a:gsLst>
+          <a:lin ang="5400000" scaled="0"/>
+        </a:gradFill>
+      </a:bgFillStyleLst>
+    </a:fmtScheme>
+  </a:themeElements>
+  <a:objectDefaults/>
+  <a:extraClrSchemeLst/>
+  <a:extLst>
+    <a:ext uri="{05A4C25C-085E-4340-85A3-A5531E510DB2}">
+      <thm15:themeFamily xmlns:thm15="http://schemas.microsoft.com/office/thememl/2012/main" name="Office Theme" id="{62F939B6-93AF-4DB8-9C6B-D6C7DFDC589F}" vid="{4A3C46E8-61CC-4603-A589-7422A47A8E4A}"/>
+    </a:ext>
+  </a:extLst>
+</a:theme>
 </file>